--- a/Saida/ebook - itil-V1.pptx
+++ b/Saida/ebook - itil-V1.pptx
@@ -68,7 +68,7 @@
       </p:grpSpPr>
       <p:sp>
         <p:nvSpPr>
-          <p:cNvPr id="26" name="PlaceHolder 1"/>
+          <p:cNvPr id="23" name="PlaceHolder 1"/>
           <p:cNvSpPr>
             <a:spLocks noGrp="1"/>
           </p:cNvSpPr>
@@ -90,18 +90,16 @@
             <a:noAutofit/>
           </a:bodyPr>
           <a:p>
-            <a:endParaRPr b="0" lang="en-US" sz="1800" spc="-1" strike="noStrike">
-              <a:solidFill>
-                <a:srgbClr val="000000"/>
-              </a:solidFill>
-              <a:latin typeface="Calibri"/>
-            </a:endParaRPr>
-          </a:p>
-        </p:txBody>
-      </p:sp>
-      <p:sp>
-        <p:nvSpPr>
-          <p:cNvPr id="27" name="PlaceHolder 2"/>
+            <a:pPr algn="ctr"/>
+            <a:endParaRPr b="0" lang="pt-BR" sz="4400" spc="-1" strike="noStrike">
+              <a:latin typeface="Arial"/>
+            </a:endParaRPr>
+          </a:p>
+        </p:txBody>
+      </p:sp>
+      <p:sp>
+        <p:nvSpPr>
+          <p:cNvPr id="24" name="PlaceHolder 2"/>
           <p:cNvSpPr>
             <a:spLocks noGrp="1"/>
           </p:cNvSpPr>
@@ -123,18 +121,15 @@
             <a:normAutofit/>
           </a:bodyPr>
           <a:p>
-            <a:endParaRPr b="0" lang="en-US" sz="2800" spc="-1" strike="noStrike">
-              <a:solidFill>
-                <a:srgbClr val="000000"/>
-              </a:solidFill>
-              <a:latin typeface="Calibri"/>
-            </a:endParaRPr>
-          </a:p>
-        </p:txBody>
-      </p:sp>
-      <p:sp>
-        <p:nvSpPr>
-          <p:cNvPr id="28" name="PlaceHolder 3"/>
+            <a:endParaRPr b="0" lang="pt-BR" sz="3200" spc="-1" strike="noStrike">
+              <a:latin typeface="Arial"/>
+            </a:endParaRPr>
+          </a:p>
+        </p:txBody>
+      </p:sp>
+      <p:sp>
+        <p:nvSpPr>
+          <p:cNvPr id="25" name="PlaceHolder 3"/>
           <p:cNvSpPr>
             <a:spLocks noGrp="1"/>
           </p:cNvSpPr>
@@ -156,11 +151,8 @@
             <a:normAutofit/>
           </a:bodyPr>
           <a:p>
-            <a:endParaRPr b="0" lang="en-US" sz="2800" spc="-1" strike="noStrike">
-              <a:solidFill>
-                <a:srgbClr val="000000"/>
-              </a:solidFill>
-              <a:latin typeface="Calibri"/>
+            <a:endParaRPr b="0" lang="pt-BR" sz="3200" spc="-1" strike="noStrike">
+              <a:latin typeface="Arial"/>
             </a:endParaRPr>
           </a:p>
         </p:txBody>
@@ -189,7 +181,7 @@
       </p:grpSpPr>
       <p:sp>
         <p:nvSpPr>
-          <p:cNvPr id="29" name="PlaceHolder 1"/>
+          <p:cNvPr id="26" name="PlaceHolder 1"/>
           <p:cNvSpPr>
             <a:spLocks noGrp="1"/>
           </p:cNvSpPr>
@@ -211,18 +203,16 @@
             <a:noAutofit/>
           </a:bodyPr>
           <a:p>
-            <a:endParaRPr b="0" lang="en-US" sz="1800" spc="-1" strike="noStrike">
-              <a:solidFill>
-                <a:srgbClr val="000000"/>
-              </a:solidFill>
-              <a:latin typeface="Calibri"/>
-            </a:endParaRPr>
-          </a:p>
-        </p:txBody>
-      </p:sp>
-      <p:sp>
-        <p:nvSpPr>
-          <p:cNvPr id="30" name="PlaceHolder 2"/>
+            <a:pPr algn="ctr"/>
+            <a:endParaRPr b="0" lang="pt-BR" sz="4400" spc="-1" strike="noStrike">
+              <a:latin typeface="Arial"/>
+            </a:endParaRPr>
+          </a:p>
+        </p:txBody>
+      </p:sp>
+      <p:sp>
+        <p:nvSpPr>
+          <p:cNvPr id="27" name="PlaceHolder 2"/>
           <p:cNvSpPr>
             <a:spLocks noGrp="1"/>
           </p:cNvSpPr>
@@ -244,18 +234,15 @@
             <a:normAutofit/>
           </a:bodyPr>
           <a:p>
-            <a:endParaRPr b="0" lang="en-US" sz="2800" spc="-1" strike="noStrike">
-              <a:solidFill>
-                <a:srgbClr val="000000"/>
-              </a:solidFill>
-              <a:latin typeface="Calibri"/>
-            </a:endParaRPr>
-          </a:p>
-        </p:txBody>
-      </p:sp>
-      <p:sp>
-        <p:nvSpPr>
-          <p:cNvPr id="31" name="PlaceHolder 3"/>
+            <a:endParaRPr b="0" lang="pt-BR" sz="3200" spc="-1" strike="noStrike">
+              <a:latin typeface="Arial"/>
+            </a:endParaRPr>
+          </a:p>
+        </p:txBody>
+      </p:sp>
+      <p:sp>
+        <p:nvSpPr>
+          <p:cNvPr id="28" name="PlaceHolder 3"/>
           <p:cNvSpPr>
             <a:spLocks noGrp="1"/>
           </p:cNvSpPr>
@@ -277,18 +264,15 @@
             <a:normAutofit/>
           </a:bodyPr>
           <a:p>
-            <a:endParaRPr b="0" lang="en-US" sz="2800" spc="-1" strike="noStrike">
-              <a:solidFill>
-                <a:srgbClr val="000000"/>
-              </a:solidFill>
-              <a:latin typeface="Calibri"/>
-            </a:endParaRPr>
-          </a:p>
-        </p:txBody>
-      </p:sp>
-      <p:sp>
-        <p:nvSpPr>
-          <p:cNvPr id="32" name="PlaceHolder 4"/>
+            <a:endParaRPr b="0" lang="pt-BR" sz="3200" spc="-1" strike="noStrike">
+              <a:latin typeface="Arial"/>
+            </a:endParaRPr>
+          </a:p>
+        </p:txBody>
+      </p:sp>
+      <p:sp>
+        <p:nvSpPr>
+          <p:cNvPr id="29" name="PlaceHolder 4"/>
           <p:cNvSpPr>
             <a:spLocks noGrp="1"/>
           </p:cNvSpPr>
@@ -310,18 +294,15 @@
             <a:normAutofit/>
           </a:bodyPr>
           <a:p>
-            <a:endParaRPr b="0" lang="en-US" sz="2800" spc="-1" strike="noStrike">
-              <a:solidFill>
-                <a:srgbClr val="000000"/>
-              </a:solidFill>
-              <a:latin typeface="Calibri"/>
-            </a:endParaRPr>
-          </a:p>
-        </p:txBody>
-      </p:sp>
-      <p:sp>
-        <p:nvSpPr>
-          <p:cNvPr id="33" name="PlaceHolder 5"/>
+            <a:endParaRPr b="0" lang="pt-BR" sz="3200" spc="-1" strike="noStrike">
+              <a:latin typeface="Arial"/>
+            </a:endParaRPr>
+          </a:p>
+        </p:txBody>
+      </p:sp>
+      <p:sp>
+        <p:nvSpPr>
+          <p:cNvPr id="30" name="PlaceHolder 5"/>
           <p:cNvSpPr>
             <a:spLocks noGrp="1"/>
           </p:cNvSpPr>
@@ -343,11 +324,8 @@
             <a:normAutofit/>
           </a:bodyPr>
           <a:p>
-            <a:endParaRPr b="0" lang="en-US" sz="2800" spc="-1" strike="noStrike">
-              <a:solidFill>
-                <a:srgbClr val="000000"/>
-              </a:solidFill>
-              <a:latin typeface="Calibri"/>
+            <a:endParaRPr b="0" lang="pt-BR" sz="3200" spc="-1" strike="noStrike">
+              <a:latin typeface="Arial"/>
             </a:endParaRPr>
           </a:p>
         </p:txBody>
@@ -376,7 +354,7 @@
       </p:grpSpPr>
       <p:sp>
         <p:nvSpPr>
-          <p:cNvPr id="34" name="PlaceHolder 1"/>
+          <p:cNvPr id="31" name="PlaceHolder 1"/>
           <p:cNvSpPr>
             <a:spLocks noGrp="1"/>
           </p:cNvSpPr>
@@ -398,18 +376,16 @@
             <a:noAutofit/>
           </a:bodyPr>
           <a:p>
-            <a:endParaRPr b="0" lang="en-US" sz="1800" spc="-1" strike="noStrike">
-              <a:solidFill>
-                <a:srgbClr val="000000"/>
-              </a:solidFill>
-              <a:latin typeface="Calibri"/>
-            </a:endParaRPr>
-          </a:p>
-        </p:txBody>
-      </p:sp>
-      <p:sp>
-        <p:nvSpPr>
-          <p:cNvPr id="35" name="PlaceHolder 2"/>
+            <a:pPr algn="ctr"/>
+            <a:endParaRPr b="0" lang="pt-BR" sz="4400" spc="-1" strike="noStrike">
+              <a:latin typeface="Arial"/>
+            </a:endParaRPr>
+          </a:p>
+        </p:txBody>
+      </p:sp>
+      <p:sp>
+        <p:nvSpPr>
+          <p:cNvPr id="32" name="PlaceHolder 2"/>
           <p:cNvSpPr>
             <a:spLocks noGrp="1"/>
           </p:cNvSpPr>
@@ -431,18 +407,15 @@
             <a:normAutofit/>
           </a:bodyPr>
           <a:p>
-            <a:endParaRPr b="0" lang="en-US" sz="2800" spc="-1" strike="noStrike">
-              <a:solidFill>
-                <a:srgbClr val="000000"/>
-              </a:solidFill>
-              <a:latin typeface="Calibri"/>
-            </a:endParaRPr>
-          </a:p>
-        </p:txBody>
-      </p:sp>
-      <p:sp>
-        <p:nvSpPr>
-          <p:cNvPr id="36" name="PlaceHolder 3"/>
+            <a:endParaRPr b="0" lang="pt-BR" sz="3200" spc="-1" strike="noStrike">
+              <a:latin typeface="Arial"/>
+            </a:endParaRPr>
+          </a:p>
+        </p:txBody>
+      </p:sp>
+      <p:sp>
+        <p:nvSpPr>
+          <p:cNvPr id="33" name="PlaceHolder 3"/>
           <p:cNvSpPr>
             <a:spLocks noGrp="1"/>
           </p:cNvSpPr>
@@ -464,18 +437,15 @@
             <a:normAutofit/>
           </a:bodyPr>
           <a:p>
-            <a:endParaRPr b="0" lang="en-US" sz="2800" spc="-1" strike="noStrike">
-              <a:solidFill>
-                <a:srgbClr val="000000"/>
-              </a:solidFill>
-              <a:latin typeface="Calibri"/>
-            </a:endParaRPr>
-          </a:p>
-        </p:txBody>
-      </p:sp>
-      <p:sp>
-        <p:nvSpPr>
-          <p:cNvPr id="37" name="PlaceHolder 4"/>
+            <a:endParaRPr b="0" lang="pt-BR" sz="3200" spc="-1" strike="noStrike">
+              <a:latin typeface="Arial"/>
+            </a:endParaRPr>
+          </a:p>
+        </p:txBody>
+      </p:sp>
+      <p:sp>
+        <p:nvSpPr>
+          <p:cNvPr id="34" name="PlaceHolder 4"/>
           <p:cNvSpPr>
             <a:spLocks noGrp="1"/>
           </p:cNvSpPr>
@@ -497,18 +467,15 @@
             <a:normAutofit/>
           </a:bodyPr>
           <a:p>
-            <a:endParaRPr b="0" lang="en-US" sz="2800" spc="-1" strike="noStrike">
-              <a:solidFill>
-                <a:srgbClr val="000000"/>
-              </a:solidFill>
-              <a:latin typeface="Calibri"/>
-            </a:endParaRPr>
-          </a:p>
-        </p:txBody>
-      </p:sp>
-      <p:sp>
-        <p:nvSpPr>
-          <p:cNvPr id="38" name="PlaceHolder 5"/>
+            <a:endParaRPr b="0" lang="pt-BR" sz="3200" spc="-1" strike="noStrike">
+              <a:latin typeface="Arial"/>
+            </a:endParaRPr>
+          </a:p>
+        </p:txBody>
+      </p:sp>
+      <p:sp>
+        <p:nvSpPr>
+          <p:cNvPr id="35" name="PlaceHolder 5"/>
           <p:cNvSpPr>
             <a:spLocks noGrp="1"/>
           </p:cNvSpPr>
@@ -530,18 +497,15 @@
             <a:normAutofit/>
           </a:bodyPr>
           <a:p>
-            <a:endParaRPr b="0" lang="en-US" sz="2800" spc="-1" strike="noStrike">
-              <a:solidFill>
-                <a:srgbClr val="000000"/>
-              </a:solidFill>
-              <a:latin typeface="Calibri"/>
-            </a:endParaRPr>
-          </a:p>
-        </p:txBody>
-      </p:sp>
-      <p:sp>
-        <p:nvSpPr>
-          <p:cNvPr id="39" name="PlaceHolder 6"/>
+            <a:endParaRPr b="0" lang="pt-BR" sz="3200" spc="-1" strike="noStrike">
+              <a:latin typeface="Arial"/>
+            </a:endParaRPr>
+          </a:p>
+        </p:txBody>
+      </p:sp>
+      <p:sp>
+        <p:nvSpPr>
+          <p:cNvPr id="36" name="PlaceHolder 6"/>
           <p:cNvSpPr>
             <a:spLocks noGrp="1"/>
           </p:cNvSpPr>
@@ -563,18 +527,15 @@
             <a:normAutofit/>
           </a:bodyPr>
           <a:p>
-            <a:endParaRPr b="0" lang="en-US" sz="2800" spc="-1" strike="noStrike">
-              <a:solidFill>
-                <a:srgbClr val="000000"/>
-              </a:solidFill>
-              <a:latin typeface="Calibri"/>
-            </a:endParaRPr>
-          </a:p>
-        </p:txBody>
-      </p:sp>
-      <p:sp>
-        <p:nvSpPr>
-          <p:cNvPr id="40" name="PlaceHolder 7"/>
+            <a:endParaRPr b="0" lang="pt-BR" sz="3200" spc="-1" strike="noStrike">
+              <a:latin typeface="Arial"/>
+            </a:endParaRPr>
+          </a:p>
+        </p:txBody>
+      </p:sp>
+      <p:sp>
+        <p:nvSpPr>
+          <p:cNvPr id="37" name="PlaceHolder 7"/>
           <p:cNvSpPr>
             <a:spLocks noGrp="1"/>
           </p:cNvSpPr>
@@ -596,11 +557,8 @@
             <a:normAutofit/>
           </a:bodyPr>
           <a:p>
-            <a:endParaRPr b="0" lang="en-US" sz="2800" spc="-1" strike="noStrike">
-              <a:solidFill>
-                <a:srgbClr val="000000"/>
-              </a:solidFill>
-              <a:latin typeface="Calibri"/>
+            <a:endParaRPr b="0" lang="pt-BR" sz="3200" spc="-1" strike="noStrike">
+              <a:latin typeface="Arial"/>
             </a:endParaRPr>
           </a:p>
         </p:txBody>
@@ -651,7 +609,7 @@
       </p:grpSpPr>
       <p:sp>
         <p:nvSpPr>
-          <p:cNvPr id="46" name="PlaceHolder 1"/>
+          <p:cNvPr id="40" name="PlaceHolder 1"/>
           <p:cNvSpPr>
             <a:spLocks noGrp="1"/>
           </p:cNvSpPr>
@@ -673,18 +631,16 @@
             <a:noAutofit/>
           </a:bodyPr>
           <a:p>
-            <a:endParaRPr b="0" lang="en-US" sz="1800" spc="-1" strike="noStrike">
-              <a:solidFill>
-                <a:srgbClr val="000000"/>
-              </a:solidFill>
-              <a:latin typeface="Calibri"/>
-            </a:endParaRPr>
-          </a:p>
-        </p:txBody>
-      </p:sp>
-      <p:sp>
-        <p:nvSpPr>
-          <p:cNvPr id="47" name="PlaceHolder 2"/>
+            <a:pPr algn="ctr"/>
+            <a:endParaRPr b="0" lang="pt-BR" sz="4400" spc="-1" strike="noStrike">
+              <a:latin typeface="Arial"/>
+            </a:endParaRPr>
+          </a:p>
+        </p:txBody>
+      </p:sp>
+      <p:sp>
+        <p:nvSpPr>
+          <p:cNvPr id="41" name="PlaceHolder 2"/>
           <p:cNvSpPr>
             <a:spLocks noGrp="1"/>
           </p:cNvSpPr>
@@ -737,7 +693,7 @@
       </p:grpSpPr>
       <p:sp>
         <p:nvSpPr>
-          <p:cNvPr id="48" name="PlaceHolder 1"/>
+          <p:cNvPr id="42" name="PlaceHolder 1"/>
           <p:cNvSpPr>
             <a:spLocks noGrp="1"/>
           </p:cNvSpPr>
@@ -759,18 +715,16 @@
             <a:noAutofit/>
           </a:bodyPr>
           <a:p>
-            <a:endParaRPr b="0" lang="en-US" sz="1800" spc="-1" strike="noStrike">
-              <a:solidFill>
-                <a:srgbClr val="000000"/>
-              </a:solidFill>
-              <a:latin typeface="Calibri"/>
-            </a:endParaRPr>
-          </a:p>
-        </p:txBody>
-      </p:sp>
-      <p:sp>
-        <p:nvSpPr>
-          <p:cNvPr id="49" name="PlaceHolder 2"/>
+            <a:pPr algn="ctr"/>
+            <a:endParaRPr b="0" lang="pt-BR" sz="4400" spc="-1" strike="noStrike">
+              <a:latin typeface="Arial"/>
+            </a:endParaRPr>
+          </a:p>
+        </p:txBody>
+      </p:sp>
+      <p:sp>
+        <p:nvSpPr>
+          <p:cNvPr id="43" name="PlaceHolder 2"/>
           <p:cNvSpPr>
             <a:spLocks noGrp="1"/>
           </p:cNvSpPr>
@@ -792,11 +746,8 @@
             <a:normAutofit/>
           </a:bodyPr>
           <a:p>
-            <a:endParaRPr b="0" lang="en-US" sz="2800" spc="-1" strike="noStrike">
-              <a:solidFill>
-                <a:srgbClr val="000000"/>
-              </a:solidFill>
-              <a:latin typeface="Calibri"/>
+            <a:endParaRPr b="0" lang="pt-BR" sz="3200" spc="-1" strike="noStrike">
+              <a:latin typeface="Arial"/>
             </a:endParaRPr>
           </a:p>
         </p:txBody>
@@ -825,7 +776,7 @@
       </p:grpSpPr>
       <p:sp>
         <p:nvSpPr>
-          <p:cNvPr id="50" name="PlaceHolder 1"/>
+          <p:cNvPr id="44" name="PlaceHolder 1"/>
           <p:cNvSpPr>
             <a:spLocks noGrp="1"/>
           </p:cNvSpPr>
@@ -847,18 +798,16 @@
             <a:noAutofit/>
           </a:bodyPr>
           <a:p>
-            <a:endParaRPr b="0" lang="en-US" sz="1800" spc="-1" strike="noStrike">
-              <a:solidFill>
-                <a:srgbClr val="000000"/>
-              </a:solidFill>
-              <a:latin typeface="Calibri"/>
-            </a:endParaRPr>
-          </a:p>
-        </p:txBody>
-      </p:sp>
-      <p:sp>
-        <p:nvSpPr>
-          <p:cNvPr id="51" name="PlaceHolder 2"/>
+            <a:pPr algn="ctr"/>
+            <a:endParaRPr b="0" lang="pt-BR" sz="4400" spc="-1" strike="noStrike">
+              <a:latin typeface="Arial"/>
+            </a:endParaRPr>
+          </a:p>
+        </p:txBody>
+      </p:sp>
+      <p:sp>
+        <p:nvSpPr>
+          <p:cNvPr id="45" name="PlaceHolder 2"/>
           <p:cNvSpPr>
             <a:spLocks noGrp="1"/>
           </p:cNvSpPr>
@@ -880,18 +829,15 @@
             <a:normAutofit/>
           </a:bodyPr>
           <a:p>
-            <a:endParaRPr b="0" lang="en-US" sz="2800" spc="-1" strike="noStrike">
-              <a:solidFill>
-                <a:srgbClr val="000000"/>
-              </a:solidFill>
-              <a:latin typeface="Calibri"/>
-            </a:endParaRPr>
-          </a:p>
-        </p:txBody>
-      </p:sp>
-      <p:sp>
-        <p:nvSpPr>
-          <p:cNvPr id="52" name="PlaceHolder 3"/>
+            <a:endParaRPr b="0" lang="pt-BR" sz="3200" spc="-1" strike="noStrike">
+              <a:latin typeface="Arial"/>
+            </a:endParaRPr>
+          </a:p>
+        </p:txBody>
+      </p:sp>
+      <p:sp>
+        <p:nvSpPr>
+          <p:cNvPr id="46" name="PlaceHolder 3"/>
           <p:cNvSpPr>
             <a:spLocks noGrp="1"/>
           </p:cNvSpPr>
@@ -913,11 +859,8 @@
             <a:normAutofit/>
           </a:bodyPr>
           <a:p>
-            <a:endParaRPr b="0" lang="en-US" sz="2800" spc="-1" strike="noStrike">
-              <a:solidFill>
-                <a:srgbClr val="000000"/>
-              </a:solidFill>
-              <a:latin typeface="Calibri"/>
+            <a:endParaRPr b="0" lang="pt-BR" sz="3200" spc="-1" strike="noStrike">
+              <a:latin typeface="Arial"/>
             </a:endParaRPr>
           </a:p>
         </p:txBody>
@@ -946,7 +889,7 @@
       </p:grpSpPr>
       <p:sp>
         <p:nvSpPr>
-          <p:cNvPr id="53" name="PlaceHolder 1"/>
+          <p:cNvPr id="47" name="PlaceHolder 1"/>
           <p:cNvSpPr>
             <a:spLocks noGrp="1"/>
           </p:cNvSpPr>
@@ -968,11 +911,9 @@
             <a:noAutofit/>
           </a:bodyPr>
           <a:p>
-            <a:endParaRPr b="0" lang="en-US" sz="1800" spc="-1" strike="noStrike">
-              <a:solidFill>
-                <a:srgbClr val="000000"/>
-              </a:solidFill>
-              <a:latin typeface="Calibri"/>
+            <a:pPr algn="ctr"/>
+            <a:endParaRPr b="0" lang="pt-BR" sz="4400" spc="-1" strike="noStrike">
+              <a:latin typeface="Arial"/>
             </a:endParaRPr>
           </a:p>
         </p:txBody>
@@ -1001,7 +942,7 @@
       </p:grpSpPr>
       <p:sp>
         <p:nvSpPr>
-          <p:cNvPr id="54" name="PlaceHolder 1"/>
+          <p:cNvPr id="48" name="PlaceHolder 1"/>
           <p:cNvSpPr>
             <a:spLocks noGrp="1"/>
           </p:cNvSpPr>
@@ -1054,7 +995,7 @@
       </p:grpSpPr>
       <p:sp>
         <p:nvSpPr>
-          <p:cNvPr id="55" name="PlaceHolder 1"/>
+          <p:cNvPr id="49" name="PlaceHolder 1"/>
           <p:cNvSpPr>
             <a:spLocks noGrp="1"/>
           </p:cNvSpPr>
@@ -1076,18 +1017,16 @@
             <a:noAutofit/>
           </a:bodyPr>
           <a:p>
-            <a:endParaRPr b="0" lang="en-US" sz="1800" spc="-1" strike="noStrike">
-              <a:solidFill>
-                <a:srgbClr val="000000"/>
-              </a:solidFill>
-              <a:latin typeface="Calibri"/>
-            </a:endParaRPr>
-          </a:p>
-        </p:txBody>
-      </p:sp>
-      <p:sp>
-        <p:nvSpPr>
-          <p:cNvPr id="56" name="PlaceHolder 2"/>
+            <a:pPr algn="ctr"/>
+            <a:endParaRPr b="0" lang="pt-BR" sz="4400" spc="-1" strike="noStrike">
+              <a:latin typeface="Arial"/>
+            </a:endParaRPr>
+          </a:p>
+        </p:txBody>
+      </p:sp>
+      <p:sp>
+        <p:nvSpPr>
+          <p:cNvPr id="50" name="PlaceHolder 2"/>
           <p:cNvSpPr>
             <a:spLocks noGrp="1"/>
           </p:cNvSpPr>
@@ -1109,18 +1048,15 @@
             <a:normAutofit/>
           </a:bodyPr>
           <a:p>
-            <a:endParaRPr b="0" lang="en-US" sz="2800" spc="-1" strike="noStrike">
-              <a:solidFill>
-                <a:srgbClr val="000000"/>
-              </a:solidFill>
-              <a:latin typeface="Calibri"/>
-            </a:endParaRPr>
-          </a:p>
-        </p:txBody>
-      </p:sp>
-      <p:sp>
-        <p:nvSpPr>
-          <p:cNvPr id="57" name="PlaceHolder 3"/>
+            <a:endParaRPr b="0" lang="pt-BR" sz="3200" spc="-1" strike="noStrike">
+              <a:latin typeface="Arial"/>
+            </a:endParaRPr>
+          </a:p>
+        </p:txBody>
+      </p:sp>
+      <p:sp>
+        <p:nvSpPr>
+          <p:cNvPr id="51" name="PlaceHolder 3"/>
           <p:cNvSpPr>
             <a:spLocks noGrp="1"/>
           </p:cNvSpPr>
@@ -1142,18 +1078,15 @@
             <a:normAutofit/>
           </a:bodyPr>
           <a:p>
-            <a:endParaRPr b="0" lang="en-US" sz="2800" spc="-1" strike="noStrike">
-              <a:solidFill>
-                <a:srgbClr val="000000"/>
-              </a:solidFill>
-              <a:latin typeface="Calibri"/>
-            </a:endParaRPr>
-          </a:p>
-        </p:txBody>
-      </p:sp>
-      <p:sp>
-        <p:nvSpPr>
-          <p:cNvPr id="58" name="PlaceHolder 4"/>
+            <a:endParaRPr b="0" lang="pt-BR" sz="3200" spc="-1" strike="noStrike">
+              <a:latin typeface="Arial"/>
+            </a:endParaRPr>
+          </a:p>
+        </p:txBody>
+      </p:sp>
+      <p:sp>
+        <p:nvSpPr>
+          <p:cNvPr id="52" name="PlaceHolder 4"/>
           <p:cNvSpPr>
             <a:spLocks noGrp="1"/>
           </p:cNvSpPr>
@@ -1175,11 +1108,8 @@
             <a:normAutofit/>
           </a:bodyPr>
           <a:p>
-            <a:endParaRPr b="0" lang="en-US" sz="2800" spc="-1" strike="noStrike">
-              <a:solidFill>
-                <a:srgbClr val="000000"/>
-              </a:solidFill>
-              <a:latin typeface="Calibri"/>
+            <a:endParaRPr b="0" lang="pt-BR" sz="3200" spc="-1" strike="noStrike">
+              <a:latin typeface="Arial"/>
             </a:endParaRPr>
           </a:p>
         </p:txBody>
@@ -1208,7 +1138,7 @@
       </p:grpSpPr>
       <p:sp>
         <p:nvSpPr>
-          <p:cNvPr id="5" name="PlaceHolder 1"/>
+          <p:cNvPr id="2" name="PlaceHolder 1"/>
           <p:cNvSpPr>
             <a:spLocks noGrp="1"/>
           </p:cNvSpPr>
@@ -1230,18 +1160,16 @@
             <a:noAutofit/>
           </a:bodyPr>
           <a:p>
-            <a:endParaRPr b="0" lang="en-US" sz="1800" spc="-1" strike="noStrike">
-              <a:solidFill>
-                <a:srgbClr val="000000"/>
-              </a:solidFill>
-              <a:latin typeface="Calibri"/>
-            </a:endParaRPr>
-          </a:p>
-        </p:txBody>
-      </p:sp>
-      <p:sp>
-        <p:nvSpPr>
-          <p:cNvPr id="6" name="PlaceHolder 2"/>
+            <a:pPr algn="ctr"/>
+            <a:endParaRPr b="0" lang="pt-BR" sz="4400" spc="-1" strike="noStrike">
+              <a:latin typeface="Arial"/>
+            </a:endParaRPr>
+          </a:p>
+        </p:txBody>
+      </p:sp>
+      <p:sp>
+        <p:nvSpPr>
+          <p:cNvPr id="3" name="PlaceHolder 2"/>
           <p:cNvSpPr>
             <a:spLocks noGrp="1"/>
           </p:cNvSpPr>
@@ -1294,7 +1222,7 @@
       </p:grpSpPr>
       <p:sp>
         <p:nvSpPr>
-          <p:cNvPr id="59" name="PlaceHolder 1"/>
+          <p:cNvPr id="53" name="PlaceHolder 1"/>
           <p:cNvSpPr>
             <a:spLocks noGrp="1"/>
           </p:cNvSpPr>
@@ -1316,18 +1244,16 @@
             <a:noAutofit/>
           </a:bodyPr>
           <a:p>
-            <a:endParaRPr b="0" lang="en-US" sz="1800" spc="-1" strike="noStrike">
-              <a:solidFill>
-                <a:srgbClr val="000000"/>
-              </a:solidFill>
-              <a:latin typeface="Calibri"/>
-            </a:endParaRPr>
-          </a:p>
-        </p:txBody>
-      </p:sp>
-      <p:sp>
-        <p:nvSpPr>
-          <p:cNvPr id="60" name="PlaceHolder 2"/>
+            <a:pPr algn="ctr"/>
+            <a:endParaRPr b="0" lang="pt-BR" sz="4400" spc="-1" strike="noStrike">
+              <a:latin typeface="Arial"/>
+            </a:endParaRPr>
+          </a:p>
+        </p:txBody>
+      </p:sp>
+      <p:sp>
+        <p:nvSpPr>
+          <p:cNvPr id="54" name="PlaceHolder 2"/>
           <p:cNvSpPr>
             <a:spLocks noGrp="1"/>
           </p:cNvSpPr>
@@ -1349,18 +1275,15 @@
             <a:normAutofit/>
           </a:bodyPr>
           <a:p>
-            <a:endParaRPr b="0" lang="en-US" sz="2800" spc="-1" strike="noStrike">
-              <a:solidFill>
-                <a:srgbClr val="000000"/>
-              </a:solidFill>
-              <a:latin typeface="Calibri"/>
-            </a:endParaRPr>
-          </a:p>
-        </p:txBody>
-      </p:sp>
-      <p:sp>
-        <p:nvSpPr>
-          <p:cNvPr id="61" name="PlaceHolder 3"/>
+            <a:endParaRPr b="0" lang="pt-BR" sz="3200" spc="-1" strike="noStrike">
+              <a:latin typeface="Arial"/>
+            </a:endParaRPr>
+          </a:p>
+        </p:txBody>
+      </p:sp>
+      <p:sp>
+        <p:nvSpPr>
+          <p:cNvPr id="55" name="PlaceHolder 3"/>
           <p:cNvSpPr>
             <a:spLocks noGrp="1"/>
           </p:cNvSpPr>
@@ -1382,18 +1305,15 @@
             <a:normAutofit/>
           </a:bodyPr>
           <a:p>
-            <a:endParaRPr b="0" lang="en-US" sz="2800" spc="-1" strike="noStrike">
-              <a:solidFill>
-                <a:srgbClr val="000000"/>
-              </a:solidFill>
-              <a:latin typeface="Calibri"/>
-            </a:endParaRPr>
-          </a:p>
-        </p:txBody>
-      </p:sp>
-      <p:sp>
-        <p:nvSpPr>
-          <p:cNvPr id="62" name="PlaceHolder 4"/>
+            <a:endParaRPr b="0" lang="pt-BR" sz="3200" spc="-1" strike="noStrike">
+              <a:latin typeface="Arial"/>
+            </a:endParaRPr>
+          </a:p>
+        </p:txBody>
+      </p:sp>
+      <p:sp>
+        <p:nvSpPr>
+          <p:cNvPr id="56" name="PlaceHolder 4"/>
           <p:cNvSpPr>
             <a:spLocks noGrp="1"/>
           </p:cNvSpPr>
@@ -1415,11 +1335,8 @@
             <a:normAutofit/>
           </a:bodyPr>
           <a:p>
-            <a:endParaRPr b="0" lang="en-US" sz="2800" spc="-1" strike="noStrike">
-              <a:solidFill>
-                <a:srgbClr val="000000"/>
-              </a:solidFill>
-              <a:latin typeface="Calibri"/>
+            <a:endParaRPr b="0" lang="pt-BR" sz="3200" spc="-1" strike="noStrike">
+              <a:latin typeface="Arial"/>
             </a:endParaRPr>
           </a:p>
         </p:txBody>
@@ -1448,7 +1365,7 @@
       </p:grpSpPr>
       <p:sp>
         <p:nvSpPr>
-          <p:cNvPr id="63" name="PlaceHolder 1"/>
+          <p:cNvPr id="57" name="PlaceHolder 1"/>
           <p:cNvSpPr>
             <a:spLocks noGrp="1"/>
           </p:cNvSpPr>
@@ -1470,18 +1387,16 @@
             <a:noAutofit/>
           </a:bodyPr>
           <a:p>
-            <a:endParaRPr b="0" lang="en-US" sz="1800" spc="-1" strike="noStrike">
-              <a:solidFill>
-                <a:srgbClr val="000000"/>
-              </a:solidFill>
-              <a:latin typeface="Calibri"/>
-            </a:endParaRPr>
-          </a:p>
-        </p:txBody>
-      </p:sp>
-      <p:sp>
-        <p:nvSpPr>
-          <p:cNvPr id="64" name="PlaceHolder 2"/>
+            <a:pPr algn="ctr"/>
+            <a:endParaRPr b="0" lang="pt-BR" sz="4400" spc="-1" strike="noStrike">
+              <a:latin typeface="Arial"/>
+            </a:endParaRPr>
+          </a:p>
+        </p:txBody>
+      </p:sp>
+      <p:sp>
+        <p:nvSpPr>
+          <p:cNvPr id="58" name="PlaceHolder 2"/>
           <p:cNvSpPr>
             <a:spLocks noGrp="1"/>
           </p:cNvSpPr>
@@ -1503,18 +1418,15 @@
             <a:normAutofit/>
           </a:bodyPr>
           <a:p>
-            <a:endParaRPr b="0" lang="en-US" sz="2800" spc="-1" strike="noStrike">
-              <a:solidFill>
-                <a:srgbClr val="000000"/>
-              </a:solidFill>
-              <a:latin typeface="Calibri"/>
-            </a:endParaRPr>
-          </a:p>
-        </p:txBody>
-      </p:sp>
-      <p:sp>
-        <p:nvSpPr>
-          <p:cNvPr id="65" name="PlaceHolder 3"/>
+            <a:endParaRPr b="0" lang="pt-BR" sz="3200" spc="-1" strike="noStrike">
+              <a:latin typeface="Arial"/>
+            </a:endParaRPr>
+          </a:p>
+        </p:txBody>
+      </p:sp>
+      <p:sp>
+        <p:nvSpPr>
+          <p:cNvPr id="59" name="PlaceHolder 3"/>
           <p:cNvSpPr>
             <a:spLocks noGrp="1"/>
           </p:cNvSpPr>
@@ -1536,18 +1448,15 @@
             <a:normAutofit/>
           </a:bodyPr>
           <a:p>
-            <a:endParaRPr b="0" lang="en-US" sz="2800" spc="-1" strike="noStrike">
-              <a:solidFill>
-                <a:srgbClr val="000000"/>
-              </a:solidFill>
-              <a:latin typeface="Calibri"/>
-            </a:endParaRPr>
-          </a:p>
-        </p:txBody>
-      </p:sp>
-      <p:sp>
-        <p:nvSpPr>
-          <p:cNvPr id="66" name="PlaceHolder 4"/>
+            <a:endParaRPr b="0" lang="pt-BR" sz="3200" spc="-1" strike="noStrike">
+              <a:latin typeface="Arial"/>
+            </a:endParaRPr>
+          </a:p>
+        </p:txBody>
+      </p:sp>
+      <p:sp>
+        <p:nvSpPr>
+          <p:cNvPr id="60" name="PlaceHolder 4"/>
           <p:cNvSpPr>
             <a:spLocks noGrp="1"/>
           </p:cNvSpPr>
@@ -1569,11 +1478,8 @@
             <a:normAutofit/>
           </a:bodyPr>
           <a:p>
-            <a:endParaRPr b="0" lang="en-US" sz="2800" spc="-1" strike="noStrike">
-              <a:solidFill>
-                <a:srgbClr val="000000"/>
-              </a:solidFill>
-              <a:latin typeface="Calibri"/>
+            <a:endParaRPr b="0" lang="pt-BR" sz="3200" spc="-1" strike="noStrike">
+              <a:latin typeface="Arial"/>
             </a:endParaRPr>
           </a:p>
         </p:txBody>
@@ -1602,7 +1508,7 @@
       </p:grpSpPr>
       <p:sp>
         <p:nvSpPr>
-          <p:cNvPr id="67" name="PlaceHolder 1"/>
+          <p:cNvPr id="61" name="PlaceHolder 1"/>
           <p:cNvSpPr>
             <a:spLocks noGrp="1"/>
           </p:cNvSpPr>
@@ -1624,18 +1530,16 @@
             <a:noAutofit/>
           </a:bodyPr>
           <a:p>
-            <a:endParaRPr b="0" lang="en-US" sz="1800" spc="-1" strike="noStrike">
-              <a:solidFill>
-                <a:srgbClr val="000000"/>
-              </a:solidFill>
-              <a:latin typeface="Calibri"/>
-            </a:endParaRPr>
-          </a:p>
-        </p:txBody>
-      </p:sp>
-      <p:sp>
-        <p:nvSpPr>
-          <p:cNvPr id="68" name="PlaceHolder 2"/>
+            <a:pPr algn="ctr"/>
+            <a:endParaRPr b="0" lang="pt-BR" sz="4400" spc="-1" strike="noStrike">
+              <a:latin typeface="Arial"/>
+            </a:endParaRPr>
+          </a:p>
+        </p:txBody>
+      </p:sp>
+      <p:sp>
+        <p:nvSpPr>
+          <p:cNvPr id="62" name="PlaceHolder 2"/>
           <p:cNvSpPr>
             <a:spLocks noGrp="1"/>
           </p:cNvSpPr>
@@ -1657,18 +1561,15 @@
             <a:normAutofit/>
           </a:bodyPr>
           <a:p>
-            <a:endParaRPr b="0" lang="en-US" sz="2800" spc="-1" strike="noStrike">
-              <a:solidFill>
-                <a:srgbClr val="000000"/>
-              </a:solidFill>
-              <a:latin typeface="Calibri"/>
-            </a:endParaRPr>
-          </a:p>
-        </p:txBody>
-      </p:sp>
-      <p:sp>
-        <p:nvSpPr>
-          <p:cNvPr id="69" name="PlaceHolder 3"/>
+            <a:endParaRPr b="0" lang="pt-BR" sz="3200" spc="-1" strike="noStrike">
+              <a:latin typeface="Arial"/>
+            </a:endParaRPr>
+          </a:p>
+        </p:txBody>
+      </p:sp>
+      <p:sp>
+        <p:nvSpPr>
+          <p:cNvPr id="63" name="PlaceHolder 3"/>
           <p:cNvSpPr>
             <a:spLocks noGrp="1"/>
           </p:cNvSpPr>
@@ -1690,11 +1591,8 @@
             <a:normAutofit/>
           </a:bodyPr>
           <a:p>
-            <a:endParaRPr b="0" lang="en-US" sz="2800" spc="-1" strike="noStrike">
-              <a:solidFill>
-                <a:srgbClr val="000000"/>
-              </a:solidFill>
-              <a:latin typeface="Calibri"/>
+            <a:endParaRPr b="0" lang="pt-BR" sz="3200" spc="-1" strike="noStrike">
+              <a:latin typeface="Arial"/>
             </a:endParaRPr>
           </a:p>
         </p:txBody>
@@ -1723,7 +1621,7 @@
       </p:grpSpPr>
       <p:sp>
         <p:nvSpPr>
-          <p:cNvPr id="70" name="PlaceHolder 1"/>
+          <p:cNvPr id="64" name="PlaceHolder 1"/>
           <p:cNvSpPr>
             <a:spLocks noGrp="1"/>
           </p:cNvSpPr>
@@ -1745,18 +1643,16 @@
             <a:noAutofit/>
           </a:bodyPr>
           <a:p>
-            <a:endParaRPr b="0" lang="en-US" sz="1800" spc="-1" strike="noStrike">
-              <a:solidFill>
-                <a:srgbClr val="000000"/>
-              </a:solidFill>
-              <a:latin typeface="Calibri"/>
-            </a:endParaRPr>
-          </a:p>
-        </p:txBody>
-      </p:sp>
-      <p:sp>
-        <p:nvSpPr>
-          <p:cNvPr id="71" name="PlaceHolder 2"/>
+            <a:pPr algn="ctr"/>
+            <a:endParaRPr b="0" lang="pt-BR" sz="4400" spc="-1" strike="noStrike">
+              <a:latin typeface="Arial"/>
+            </a:endParaRPr>
+          </a:p>
+        </p:txBody>
+      </p:sp>
+      <p:sp>
+        <p:nvSpPr>
+          <p:cNvPr id="65" name="PlaceHolder 2"/>
           <p:cNvSpPr>
             <a:spLocks noGrp="1"/>
           </p:cNvSpPr>
@@ -1778,18 +1674,15 @@
             <a:normAutofit/>
           </a:bodyPr>
           <a:p>
-            <a:endParaRPr b="0" lang="en-US" sz="2800" spc="-1" strike="noStrike">
-              <a:solidFill>
-                <a:srgbClr val="000000"/>
-              </a:solidFill>
-              <a:latin typeface="Calibri"/>
-            </a:endParaRPr>
-          </a:p>
-        </p:txBody>
-      </p:sp>
-      <p:sp>
-        <p:nvSpPr>
-          <p:cNvPr id="72" name="PlaceHolder 3"/>
+            <a:endParaRPr b="0" lang="pt-BR" sz="3200" spc="-1" strike="noStrike">
+              <a:latin typeface="Arial"/>
+            </a:endParaRPr>
+          </a:p>
+        </p:txBody>
+      </p:sp>
+      <p:sp>
+        <p:nvSpPr>
+          <p:cNvPr id="66" name="PlaceHolder 3"/>
           <p:cNvSpPr>
             <a:spLocks noGrp="1"/>
           </p:cNvSpPr>
@@ -1811,18 +1704,15 @@
             <a:normAutofit/>
           </a:bodyPr>
           <a:p>
-            <a:endParaRPr b="0" lang="en-US" sz="2800" spc="-1" strike="noStrike">
-              <a:solidFill>
-                <a:srgbClr val="000000"/>
-              </a:solidFill>
-              <a:latin typeface="Calibri"/>
-            </a:endParaRPr>
-          </a:p>
-        </p:txBody>
-      </p:sp>
-      <p:sp>
-        <p:nvSpPr>
-          <p:cNvPr id="73" name="PlaceHolder 4"/>
+            <a:endParaRPr b="0" lang="pt-BR" sz="3200" spc="-1" strike="noStrike">
+              <a:latin typeface="Arial"/>
+            </a:endParaRPr>
+          </a:p>
+        </p:txBody>
+      </p:sp>
+      <p:sp>
+        <p:nvSpPr>
+          <p:cNvPr id="67" name="PlaceHolder 4"/>
           <p:cNvSpPr>
             <a:spLocks noGrp="1"/>
           </p:cNvSpPr>
@@ -1844,18 +1734,15 @@
             <a:normAutofit/>
           </a:bodyPr>
           <a:p>
-            <a:endParaRPr b="0" lang="en-US" sz="2800" spc="-1" strike="noStrike">
-              <a:solidFill>
-                <a:srgbClr val="000000"/>
-              </a:solidFill>
-              <a:latin typeface="Calibri"/>
-            </a:endParaRPr>
-          </a:p>
-        </p:txBody>
-      </p:sp>
-      <p:sp>
-        <p:nvSpPr>
-          <p:cNvPr id="74" name="PlaceHolder 5"/>
+            <a:endParaRPr b="0" lang="pt-BR" sz="3200" spc="-1" strike="noStrike">
+              <a:latin typeface="Arial"/>
+            </a:endParaRPr>
+          </a:p>
+        </p:txBody>
+      </p:sp>
+      <p:sp>
+        <p:nvSpPr>
+          <p:cNvPr id="68" name="PlaceHolder 5"/>
           <p:cNvSpPr>
             <a:spLocks noGrp="1"/>
           </p:cNvSpPr>
@@ -1877,11 +1764,8 @@
             <a:normAutofit/>
           </a:bodyPr>
           <a:p>
-            <a:endParaRPr b="0" lang="en-US" sz="2800" spc="-1" strike="noStrike">
-              <a:solidFill>
-                <a:srgbClr val="000000"/>
-              </a:solidFill>
-              <a:latin typeface="Calibri"/>
+            <a:endParaRPr b="0" lang="pt-BR" sz="3200" spc="-1" strike="noStrike">
+              <a:latin typeface="Arial"/>
             </a:endParaRPr>
           </a:p>
         </p:txBody>
@@ -1910,7 +1794,7 @@
       </p:grpSpPr>
       <p:sp>
         <p:nvSpPr>
-          <p:cNvPr id="75" name="PlaceHolder 1"/>
+          <p:cNvPr id="69" name="PlaceHolder 1"/>
           <p:cNvSpPr>
             <a:spLocks noGrp="1"/>
           </p:cNvSpPr>
@@ -1932,18 +1816,16 @@
             <a:noAutofit/>
           </a:bodyPr>
           <a:p>
-            <a:endParaRPr b="0" lang="en-US" sz="1800" spc="-1" strike="noStrike">
-              <a:solidFill>
-                <a:srgbClr val="000000"/>
-              </a:solidFill>
-              <a:latin typeface="Calibri"/>
-            </a:endParaRPr>
-          </a:p>
-        </p:txBody>
-      </p:sp>
-      <p:sp>
-        <p:nvSpPr>
-          <p:cNvPr id="76" name="PlaceHolder 2"/>
+            <a:pPr algn="ctr"/>
+            <a:endParaRPr b="0" lang="pt-BR" sz="4400" spc="-1" strike="noStrike">
+              <a:latin typeface="Arial"/>
+            </a:endParaRPr>
+          </a:p>
+        </p:txBody>
+      </p:sp>
+      <p:sp>
+        <p:nvSpPr>
+          <p:cNvPr id="70" name="PlaceHolder 2"/>
           <p:cNvSpPr>
             <a:spLocks noGrp="1"/>
           </p:cNvSpPr>
@@ -1965,18 +1847,15 @@
             <a:normAutofit/>
           </a:bodyPr>
           <a:p>
-            <a:endParaRPr b="0" lang="en-US" sz="2800" spc="-1" strike="noStrike">
-              <a:solidFill>
-                <a:srgbClr val="000000"/>
-              </a:solidFill>
-              <a:latin typeface="Calibri"/>
-            </a:endParaRPr>
-          </a:p>
-        </p:txBody>
-      </p:sp>
-      <p:sp>
-        <p:nvSpPr>
-          <p:cNvPr id="77" name="PlaceHolder 3"/>
+            <a:endParaRPr b="0" lang="pt-BR" sz="3200" spc="-1" strike="noStrike">
+              <a:latin typeface="Arial"/>
+            </a:endParaRPr>
+          </a:p>
+        </p:txBody>
+      </p:sp>
+      <p:sp>
+        <p:nvSpPr>
+          <p:cNvPr id="71" name="PlaceHolder 3"/>
           <p:cNvSpPr>
             <a:spLocks noGrp="1"/>
           </p:cNvSpPr>
@@ -1998,18 +1877,15 @@
             <a:normAutofit/>
           </a:bodyPr>
           <a:p>
-            <a:endParaRPr b="0" lang="en-US" sz="2800" spc="-1" strike="noStrike">
-              <a:solidFill>
-                <a:srgbClr val="000000"/>
-              </a:solidFill>
-              <a:latin typeface="Calibri"/>
-            </a:endParaRPr>
-          </a:p>
-        </p:txBody>
-      </p:sp>
-      <p:sp>
-        <p:nvSpPr>
-          <p:cNvPr id="78" name="PlaceHolder 4"/>
+            <a:endParaRPr b="0" lang="pt-BR" sz="3200" spc="-1" strike="noStrike">
+              <a:latin typeface="Arial"/>
+            </a:endParaRPr>
+          </a:p>
+        </p:txBody>
+      </p:sp>
+      <p:sp>
+        <p:nvSpPr>
+          <p:cNvPr id="72" name="PlaceHolder 4"/>
           <p:cNvSpPr>
             <a:spLocks noGrp="1"/>
           </p:cNvSpPr>
@@ -2031,18 +1907,15 @@
             <a:normAutofit/>
           </a:bodyPr>
           <a:p>
-            <a:endParaRPr b="0" lang="en-US" sz="2800" spc="-1" strike="noStrike">
-              <a:solidFill>
-                <a:srgbClr val="000000"/>
-              </a:solidFill>
-              <a:latin typeface="Calibri"/>
-            </a:endParaRPr>
-          </a:p>
-        </p:txBody>
-      </p:sp>
-      <p:sp>
-        <p:nvSpPr>
-          <p:cNvPr id="79" name="PlaceHolder 5"/>
+            <a:endParaRPr b="0" lang="pt-BR" sz="3200" spc="-1" strike="noStrike">
+              <a:latin typeface="Arial"/>
+            </a:endParaRPr>
+          </a:p>
+        </p:txBody>
+      </p:sp>
+      <p:sp>
+        <p:nvSpPr>
+          <p:cNvPr id="73" name="PlaceHolder 5"/>
           <p:cNvSpPr>
             <a:spLocks noGrp="1"/>
           </p:cNvSpPr>
@@ -2064,18 +1937,15 @@
             <a:normAutofit/>
           </a:bodyPr>
           <a:p>
-            <a:endParaRPr b="0" lang="en-US" sz="2800" spc="-1" strike="noStrike">
-              <a:solidFill>
-                <a:srgbClr val="000000"/>
-              </a:solidFill>
-              <a:latin typeface="Calibri"/>
-            </a:endParaRPr>
-          </a:p>
-        </p:txBody>
-      </p:sp>
-      <p:sp>
-        <p:nvSpPr>
-          <p:cNvPr id="80" name="PlaceHolder 6"/>
+            <a:endParaRPr b="0" lang="pt-BR" sz="3200" spc="-1" strike="noStrike">
+              <a:latin typeface="Arial"/>
+            </a:endParaRPr>
+          </a:p>
+        </p:txBody>
+      </p:sp>
+      <p:sp>
+        <p:nvSpPr>
+          <p:cNvPr id="74" name="PlaceHolder 6"/>
           <p:cNvSpPr>
             <a:spLocks noGrp="1"/>
           </p:cNvSpPr>
@@ -2097,18 +1967,15 @@
             <a:normAutofit/>
           </a:bodyPr>
           <a:p>
-            <a:endParaRPr b="0" lang="en-US" sz="2800" spc="-1" strike="noStrike">
-              <a:solidFill>
-                <a:srgbClr val="000000"/>
-              </a:solidFill>
-              <a:latin typeface="Calibri"/>
-            </a:endParaRPr>
-          </a:p>
-        </p:txBody>
-      </p:sp>
-      <p:sp>
-        <p:nvSpPr>
-          <p:cNvPr id="81" name="PlaceHolder 7"/>
+            <a:endParaRPr b="0" lang="pt-BR" sz="3200" spc="-1" strike="noStrike">
+              <a:latin typeface="Arial"/>
+            </a:endParaRPr>
+          </a:p>
+        </p:txBody>
+      </p:sp>
+      <p:sp>
+        <p:nvSpPr>
+          <p:cNvPr id="75" name="PlaceHolder 7"/>
           <p:cNvSpPr>
             <a:spLocks noGrp="1"/>
           </p:cNvSpPr>
@@ -2130,11 +1997,8 @@
             <a:normAutofit/>
           </a:bodyPr>
           <a:p>
-            <a:endParaRPr b="0" lang="en-US" sz="2800" spc="-1" strike="noStrike">
-              <a:solidFill>
-                <a:srgbClr val="000000"/>
-              </a:solidFill>
-              <a:latin typeface="Calibri"/>
+            <a:endParaRPr b="0" lang="pt-BR" sz="3200" spc="-1" strike="noStrike">
+              <a:latin typeface="Arial"/>
             </a:endParaRPr>
           </a:p>
         </p:txBody>
@@ -2163,7 +2027,7 @@
       </p:grpSpPr>
       <p:sp>
         <p:nvSpPr>
-          <p:cNvPr id="7" name="PlaceHolder 1"/>
+          <p:cNvPr id="4" name="PlaceHolder 1"/>
           <p:cNvSpPr>
             <a:spLocks noGrp="1"/>
           </p:cNvSpPr>
@@ -2185,18 +2049,16 @@
             <a:noAutofit/>
           </a:bodyPr>
           <a:p>
-            <a:endParaRPr b="0" lang="en-US" sz="1800" spc="-1" strike="noStrike">
-              <a:solidFill>
-                <a:srgbClr val="000000"/>
-              </a:solidFill>
-              <a:latin typeface="Calibri"/>
-            </a:endParaRPr>
-          </a:p>
-        </p:txBody>
-      </p:sp>
-      <p:sp>
-        <p:nvSpPr>
-          <p:cNvPr id="8" name="PlaceHolder 2"/>
+            <a:pPr algn="ctr"/>
+            <a:endParaRPr b="0" lang="pt-BR" sz="4400" spc="-1" strike="noStrike">
+              <a:latin typeface="Arial"/>
+            </a:endParaRPr>
+          </a:p>
+        </p:txBody>
+      </p:sp>
+      <p:sp>
+        <p:nvSpPr>
+          <p:cNvPr id="5" name="PlaceHolder 2"/>
           <p:cNvSpPr>
             <a:spLocks noGrp="1"/>
           </p:cNvSpPr>
@@ -2218,11 +2080,8 @@
             <a:normAutofit/>
           </a:bodyPr>
           <a:p>
-            <a:endParaRPr b="0" lang="en-US" sz="2800" spc="-1" strike="noStrike">
-              <a:solidFill>
-                <a:srgbClr val="000000"/>
-              </a:solidFill>
-              <a:latin typeface="Calibri"/>
+            <a:endParaRPr b="0" lang="pt-BR" sz="3200" spc="-1" strike="noStrike">
+              <a:latin typeface="Arial"/>
             </a:endParaRPr>
           </a:p>
         </p:txBody>
@@ -2251,7 +2110,7 @@
       </p:grpSpPr>
       <p:sp>
         <p:nvSpPr>
-          <p:cNvPr id="9" name="PlaceHolder 1"/>
+          <p:cNvPr id="6" name="PlaceHolder 1"/>
           <p:cNvSpPr>
             <a:spLocks noGrp="1"/>
           </p:cNvSpPr>
@@ -2273,18 +2132,16 @@
             <a:noAutofit/>
           </a:bodyPr>
           <a:p>
-            <a:endParaRPr b="0" lang="en-US" sz="1800" spc="-1" strike="noStrike">
-              <a:solidFill>
-                <a:srgbClr val="000000"/>
-              </a:solidFill>
-              <a:latin typeface="Calibri"/>
-            </a:endParaRPr>
-          </a:p>
-        </p:txBody>
-      </p:sp>
-      <p:sp>
-        <p:nvSpPr>
-          <p:cNvPr id="10" name="PlaceHolder 2"/>
+            <a:pPr algn="ctr"/>
+            <a:endParaRPr b="0" lang="pt-BR" sz="4400" spc="-1" strike="noStrike">
+              <a:latin typeface="Arial"/>
+            </a:endParaRPr>
+          </a:p>
+        </p:txBody>
+      </p:sp>
+      <p:sp>
+        <p:nvSpPr>
+          <p:cNvPr id="7" name="PlaceHolder 2"/>
           <p:cNvSpPr>
             <a:spLocks noGrp="1"/>
           </p:cNvSpPr>
@@ -2306,18 +2163,15 @@
             <a:normAutofit/>
           </a:bodyPr>
           <a:p>
-            <a:endParaRPr b="0" lang="en-US" sz="2800" spc="-1" strike="noStrike">
-              <a:solidFill>
-                <a:srgbClr val="000000"/>
-              </a:solidFill>
-              <a:latin typeface="Calibri"/>
-            </a:endParaRPr>
-          </a:p>
-        </p:txBody>
-      </p:sp>
-      <p:sp>
-        <p:nvSpPr>
-          <p:cNvPr id="11" name="PlaceHolder 3"/>
+            <a:endParaRPr b="0" lang="pt-BR" sz="3200" spc="-1" strike="noStrike">
+              <a:latin typeface="Arial"/>
+            </a:endParaRPr>
+          </a:p>
+        </p:txBody>
+      </p:sp>
+      <p:sp>
+        <p:nvSpPr>
+          <p:cNvPr id="8" name="PlaceHolder 3"/>
           <p:cNvSpPr>
             <a:spLocks noGrp="1"/>
           </p:cNvSpPr>
@@ -2339,11 +2193,8 @@
             <a:normAutofit/>
           </a:bodyPr>
           <a:p>
-            <a:endParaRPr b="0" lang="en-US" sz="2800" spc="-1" strike="noStrike">
-              <a:solidFill>
-                <a:srgbClr val="000000"/>
-              </a:solidFill>
-              <a:latin typeface="Calibri"/>
+            <a:endParaRPr b="0" lang="pt-BR" sz="3200" spc="-1" strike="noStrike">
+              <a:latin typeface="Arial"/>
             </a:endParaRPr>
           </a:p>
         </p:txBody>
@@ -2372,7 +2223,7 @@
       </p:grpSpPr>
       <p:sp>
         <p:nvSpPr>
-          <p:cNvPr id="12" name="PlaceHolder 1"/>
+          <p:cNvPr id="9" name="PlaceHolder 1"/>
           <p:cNvSpPr>
             <a:spLocks noGrp="1"/>
           </p:cNvSpPr>
@@ -2394,11 +2245,9 @@
             <a:noAutofit/>
           </a:bodyPr>
           <a:p>
-            <a:endParaRPr b="0" lang="en-US" sz="1800" spc="-1" strike="noStrike">
-              <a:solidFill>
-                <a:srgbClr val="000000"/>
-              </a:solidFill>
-              <a:latin typeface="Calibri"/>
+            <a:pPr algn="ctr"/>
+            <a:endParaRPr b="0" lang="pt-BR" sz="4400" spc="-1" strike="noStrike">
+              <a:latin typeface="Arial"/>
             </a:endParaRPr>
           </a:p>
         </p:txBody>
@@ -2427,7 +2276,7 @@
       </p:grpSpPr>
       <p:sp>
         <p:nvSpPr>
-          <p:cNvPr id="13" name="PlaceHolder 1"/>
+          <p:cNvPr id="10" name="PlaceHolder 1"/>
           <p:cNvSpPr>
             <a:spLocks noGrp="1"/>
           </p:cNvSpPr>
@@ -2480,7 +2329,7 @@
       </p:grpSpPr>
       <p:sp>
         <p:nvSpPr>
-          <p:cNvPr id="14" name="PlaceHolder 1"/>
+          <p:cNvPr id="11" name="PlaceHolder 1"/>
           <p:cNvSpPr>
             <a:spLocks noGrp="1"/>
           </p:cNvSpPr>
@@ -2502,18 +2351,16 @@
             <a:noAutofit/>
           </a:bodyPr>
           <a:p>
-            <a:endParaRPr b="0" lang="en-US" sz="1800" spc="-1" strike="noStrike">
-              <a:solidFill>
-                <a:srgbClr val="000000"/>
-              </a:solidFill>
-              <a:latin typeface="Calibri"/>
-            </a:endParaRPr>
-          </a:p>
-        </p:txBody>
-      </p:sp>
-      <p:sp>
-        <p:nvSpPr>
-          <p:cNvPr id="15" name="PlaceHolder 2"/>
+            <a:pPr algn="ctr"/>
+            <a:endParaRPr b="0" lang="pt-BR" sz="4400" spc="-1" strike="noStrike">
+              <a:latin typeface="Arial"/>
+            </a:endParaRPr>
+          </a:p>
+        </p:txBody>
+      </p:sp>
+      <p:sp>
+        <p:nvSpPr>
+          <p:cNvPr id="12" name="PlaceHolder 2"/>
           <p:cNvSpPr>
             <a:spLocks noGrp="1"/>
           </p:cNvSpPr>
@@ -2535,18 +2382,15 @@
             <a:normAutofit/>
           </a:bodyPr>
           <a:p>
-            <a:endParaRPr b="0" lang="en-US" sz="2800" spc="-1" strike="noStrike">
-              <a:solidFill>
-                <a:srgbClr val="000000"/>
-              </a:solidFill>
-              <a:latin typeface="Calibri"/>
-            </a:endParaRPr>
-          </a:p>
-        </p:txBody>
-      </p:sp>
-      <p:sp>
-        <p:nvSpPr>
-          <p:cNvPr id="16" name="PlaceHolder 3"/>
+            <a:endParaRPr b="0" lang="pt-BR" sz="3200" spc="-1" strike="noStrike">
+              <a:latin typeface="Arial"/>
+            </a:endParaRPr>
+          </a:p>
+        </p:txBody>
+      </p:sp>
+      <p:sp>
+        <p:nvSpPr>
+          <p:cNvPr id="13" name="PlaceHolder 3"/>
           <p:cNvSpPr>
             <a:spLocks noGrp="1"/>
           </p:cNvSpPr>
@@ -2568,18 +2412,15 @@
             <a:normAutofit/>
           </a:bodyPr>
           <a:p>
-            <a:endParaRPr b="0" lang="en-US" sz="2800" spc="-1" strike="noStrike">
-              <a:solidFill>
-                <a:srgbClr val="000000"/>
-              </a:solidFill>
-              <a:latin typeface="Calibri"/>
-            </a:endParaRPr>
-          </a:p>
-        </p:txBody>
-      </p:sp>
-      <p:sp>
-        <p:nvSpPr>
-          <p:cNvPr id="17" name="PlaceHolder 4"/>
+            <a:endParaRPr b="0" lang="pt-BR" sz="3200" spc="-1" strike="noStrike">
+              <a:latin typeface="Arial"/>
+            </a:endParaRPr>
+          </a:p>
+        </p:txBody>
+      </p:sp>
+      <p:sp>
+        <p:nvSpPr>
+          <p:cNvPr id="14" name="PlaceHolder 4"/>
           <p:cNvSpPr>
             <a:spLocks noGrp="1"/>
           </p:cNvSpPr>
@@ -2601,11 +2442,8 @@
             <a:normAutofit/>
           </a:bodyPr>
           <a:p>
-            <a:endParaRPr b="0" lang="en-US" sz="2800" spc="-1" strike="noStrike">
-              <a:solidFill>
-                <a:srgbClr val="000000"/>
-              </a:solidFill>
-              <a:latin typeface="Calibri"/>
+            <a:endParaRPr b="0" lang="pt-BR" sz="3200" spc="-1" strike="noStrike">
+              <a:latin typeface="Arial"/>
             </a:endParaRPr>
           </a:p>
         </p:txBody>
@@ -2634,7 +2472,7 @@
       </p:grpSpPr>
       <p:sp>
         <p:nvSpPr>
-          <p:cNvPr id="18" name="PlaceHolder 1"/>
+          <p:cNvPr id="15" name="PlaceHolder 1"/>
           <p:cNvSpPr>
             <a:spLocks noGrp="1"/>
           </p:cNvSpPr>
@@ -2656,18 +2494,16 @@
             <a:noAutofit/>
           </a:bodyPr>
           <a:p>
-            <a:endParaRPr b="0" lang="en-US" sz="1800" spc="-1" strike="noStrike">
-              <a:solidFill>
-                <a:srgbClr val="000000"/>
-              </a:solidFill>
-              <a:latin typeface="Calibri"/>
-            </a:endParaRPr>
-          </a:p>
-        </p:txBody>
-      </p:sp>
-      <p:sp>
-        <p:nvSpPr>
-          <p:cNvPr id="19" name="PlaceHolder 2"/>
+            <a:pPr algn="ctr"/>
+            <a:endParaRPr b="0" lang="pt-BR" sz="4400" spc="-1" strike="noStrike">
+              <a:latin typeface="Arial"/>
+            </a:endParaRPr>
+          </a:p>
+        </p:txBody>
+      </p:sp>
+      <p:sp>
+        <p:nvSpPr>
+          <p:cNvPr id="16" name="PlaceHolder 2"/>
           <p:cNvSpPr>
             <a:spLocks noGrp="1"/>
           </p:cNvSpPr>
@@ -2689,18 +2525,15 @@
             <a:normAutofit/>
           </a:bodyPr>
           <a:p>
-            <a:endParaRPr b="0" lang="en-US" sz="2800" spc="-1" strike="noStrike">
-              <a:solidFill>
-                <a:srgbClr val="000000"/>
-              </a:solidFill>
-              <a:latin typeface="Calibri"/>
-            </a:endParaRPr>
-          </a:p>
-        </p:txBody>
-      </p:sp>
-      <p:sp>
-        <p:nvSpPr>
-          <p:cNvPr id="20" name="PlaceHolder 3"/>
+            <a:endParaRPr b="0" lang="pt-BR" sz="3200" spc="-1" strike="noStrike">
+              <a:latin typeface="Arial"/>
+            </a:endParaRPr>
+          </a:p>
+        </p:txBody>
+      </p:sp>
+      <p:sp>
+        <p:nvSpPr>
+          <p:cNvPr id="17" name="PlaceHolder 3"/>
           <p:cNvSpPr>
             <a:spLocks noGrp="1"/>
           </p:cNvSpPr>
@@ -2722,18 +2555,15 @@
             <a:normAutofit/>
           </a:bodyPr>
           <a:p>
-            <a:endParaRPr b="0" lang="en-US" sz="2800" spc="-1" strike="noStrike">
-              <a:solidFill>
-                <a:srgbClr val="000000"/>
-              </a:solidFill>
-              <a:latin typeface="Calibri"/>
-            </a:endParaRPr>
-          </a:p>
-        </p:txBody>
-      </p:sp>
-      <p:sp>
-        <p:nvSpPr>
-          <p:cNvPr id="21" name="PlaceHolder 4"/>
+            <a:endParaRPr b="0" lang="pt-BR" sz="3200" spc="-1" strike="noStrike">
+              <a:latin typeface="Arial"/>
+            </a:endParaRPr>
+          </a:p>
+        </p:txBody>
+      </p:sp>
+      <p:sp>
+        <p:nvSpPr>
+          <p:cNvPr id="18" name="PlaceHolder 4"/>
           <p:cNvSpPr>
             <a:spLocks noGrp="1"/>
           </p:cNvSpPr>
@@ -2755,11 +2585,8 @@
             <a:normAutofit/>
           </a:bodyPr>
           <a:p>
-            <a:endParaRPr b="0" lang="en-US" sz="2800" spc="-1" strike="noStrike">
-              <a:solidFill>
-                <a:srgbClr val="000000"/>
-              </a:solidFill>
-              <a:latin typeface="Calibri"/>
+            <a:endParaRPr b="0" lang="pt-BR" sz="3200" spc="-1" strike="noStrike">
+              <a:latin typeface="Arial"/>
             </a:endParaRPr>
           </a:p>
         </p:txBody>
@@ -2788,7 +2615,7 @@
       </p:grpSpPr>
       <p:sp>
         <p:nvSpPr>
-          <p:cNvPr id="22" name="PlaceHolder 1"/>
+          <p:cNvPr id="19" name="PlaceHolder 1"/>
           <p:cNvSpPr>
             <a:spLocks noGrp="1"/>
           </p:cNvSpPr>
@@ -2810,18 +2637,16 @@
             <a:noAutofit/>
           </a:bodyPr>
           <a:p>
-            <a:endParaRPr b="0" lang="en-US" sz="1800" spc="-1" strike="noStrike">
-              <a:solidFill>
-                <a:srgbClr val="000000"/>
-              </a:solidFill>
-              <a:latin typeface="Calibri"/>
-            </a:endParaRPr>
-          </a:p>
-        </p:txBody>
-      </p:sp>
-      <p:sp>
-        <p:nvSpPr>
-          <p:cNvPr id="23" name="PlaceHolder 2"/>
+            <a:pPr algn="ctr"/>
+            <a:endParaRPr b="0" lang="pt-BR" sz="4400" spc="-1" strike="noStrike">
+              <a:latin typeface="Arial"/>
+            </a:endParaRPr>
+          </a:p>
+        </p:txBody>
+      </p:sp>
+      <p:sp>
+        <p:nvSpPr>
+          <p:cNvPr id="20" name="PlaceHolder 2"/>
           <p:cNvSpPr>
             <a:spLocks noGrp="1"/>
           </p:cNvSpPr>
@@ -2843,18 +2668,15 @@
             <a:normAutofit/>
           </a:bodyPr>
           <a:p>
-            <a:endParaRPr b="0" lang="en-US" sz="2800" spc="-1" strike="noStrike">
-              <a:solidFill>
-                <a:srgbClr val="000000"/>
-              </a:solidFill>
-              <a:latin typeface="Calibri"/>
-            </a:endParaRPr>
-          </a:p>
-        </p:txBody>
-      </p:sp>
-      <p:sp>
-        <p:nvSpPr>
-          <p:cNvPr id="24" name="PlaceHolder 3"/>
+            <a:endParaRPr b="0" lang="pt-BR" sz="3200" spc="-1" strike="noStrike">
+              <a:latin typeface="Arial"/>
+            </a:endParaRPr>
+          </a:p>
+        </p:txBody>
+      </p:sp>
+      <p:sp>
+        <p:nvSpPr>
+          <p:cNvPr id="21" name="PlaceHolder 3"/>
           <p:cNvSpPr>
             <a:spLocks noGrp="1"/>
           </p:cNvSpPr>
@@ -2876,18 +2698,15 @@
             <a:normAutofit/>
           </a:bodyPr>
           <a:p>
-            <a:endParaRPr b="0" lang="en-US" sz="2800" spc="-1" strike="noStrike">
-              <a:solidFill>
-                <a:srgbClr val="000000"/>
-              </a:solidFill>
-              <a:latin typeface="Calibri"/>
-            </a:endParaRPr>
-          </a:p>
-        </p:txBody>
-      </p:sp>
-      <p:sp>
-        <p:nvSpPr>
-          <p:cNvPr id="25" name="PlaceHolder 4"/>
+            <a:endParaRPr b="0" lang="pt-BR" sz="3200" spc="-1" strike="noStrike">
+              <a:latin typeface="Arial"/>
+            </a:endParaRPr>
+          </a:p>
+        </p:txBody>
+      </p:sp>
+      <p:sp>
+        <p:nvSpPr>
+          <p:cNvPr id="22" name="PlaceHolder 4"/>
           <p:cNvSpPr>
             <a:spLocks noGrp="1"/>
           </p:cNvSpPr>
@@ -2909,11 +2728,8 @@
             <a:normAutofit/>
           </a:bodyPr>
           <a:p>
-            <a:endParaRPr b="0" lang="en-US" sz="2800" spc="-1" strike="noStrike">
-              <a:solidFill>
-                <a:srgbClr val="000000"/>
-              </a:solidFill>
-              <a:latin typeface="Calibri"/>
+            <a:endParaRPr b="0" lang="pt-BR" sz="3200" spc="-1" strike="noStrike">
+              <a:latin typeface="Arial"/>
             </a:endParaRPr>
           </a:p>
         </p:txBody>
@@ -2959,37 +2775,26 @@
         </p:nvSpPr>
         <p:spPr>
           <a:xfrm>
-            <a:off x="720000" y="2095200"/>
-            <a:ext cx="8160840" cy="4456440"/>
-          </a:xfrm>
-          <a:prstGeom prst="rect">
-            <a:avLst/>
-          </a:prstGeom>
-        </p:spPr>
-        <p:txBody>
-          <a:bodyPr anchor="b">
+            <a:off x="479880" y="510480"/>
+            <a:ext cx="8640360" cy="2136960"/>
+          </a:xfrm>
+          <a:prstGeom prst="rect">
+            <a:avLst/>
+          </a:prstGeom>
+        </p:spPr>
+        <p:txBody>
+          <a:bodyPr lIns="0" rIns="0" tIns="0" bIns="0" anchor="ctr">
             <a:noAutofit/>
           </a:bodyPr>
           <a:p>
-            <a:pPr algn="ctr">
-              <a:lnSpc>
-                <a:spcPct val="90000"/>
-              </a:lnSpc>
-            </a:pPr>
             <a:r>
-              <a:rPr b="0" lang="en-US" sz="4500" spc="-1" strike="noStrike">
-                <a:solidFill>
-                  <a:srgbClr val="000000"/>
-                </a:solidFill>
-                <a:latin typeface="Calibri Light"/>
-              </a:rPr>
-              <a:t>Click to edit Master title style</a:t>
+              <a:rPr b="0" lang="pt-BR" sz="1800" spc="-1" strike="noStrike">
+                <a:latin typeface="Arial"/>
+              </a:rPr>
+              <a:t>Clique para editar o formato do texto do título</a:t>
             </a:r>
-            <a:endParaRPr b="0" lang="en-US" sz="4500" spc="-1" strike="noStrike">
-              <a:solidFill>
-                <a:srgbClr val="000000"/>
-              </a:solidFill>
-              <a:latin typeface="Calibri"/>
+            <a:endParaRPr b="0" lang="pt-BR" sz="1800" spc="-1" strike="noStrike">
+              <a:latin typeface="Arial"/>
             </a:endParaRPr>
           </a:p>
         </p:txBody>
@@ -2997,138 +2802,6 @@
       <p:sp>
         <p:nvSpPr>
           <p:cNvPr id="1" name="PlaceHolder 2"/>
-          <p:cNvSpPr>
-            <a:spLocks noGrp="1"/>
-          </p:cNvSpPr>
-          <p:nvPr>
-            <p:ph type="dt"/>
-          </p:nvPr>
-        </p:nvSpPr>
-        <p:spPr>
-          <a:xfrm>
-            <a:off x="660240" y="11865240"/>
-            <a:ext cx="2160000" cy="681120"/>
-          </a:xfrm>
-          <a:prstGeom prst="rect">
-            <a:avLst/>
-          </a:prstGeom>
-        </p:spPr>
-        <p:txBody>
-          <a:bodyPr anchor="ctr">
-            <a:noAutofit/>
-          </a:bodyPr>
-          <a:p>
-            <a:pPr>
-              <a:lnSpc>
-                <a:spcPct val="100000"/>
-              </a:lnSpc>
-            </a:pPr>
-            <a:fld id="{676A2A64-06DB-47DB-8026-8E402726A0C5}" type="datetime">
-              <a:rPr b="0" lang="en-US" sz="900" spc="-1" strike="noStrike">
-                <a:solidFill>
-                  <a:srgbClr val="8b8b8b"/>
-                </a:solidFill>
-                <a:latin typeface="Calibri"/>
-              </a:rPr>
-              <a:t>5/21/24</a:t>
-            </a:fld>
-            <a:endParaRPr b="0" lang="pt-BR" sz="900" spc="-1" strike="noStrike">
-              <a:latin typeface="Times New Roman"/>
-            </a:endParaRPr>
-          </a:p>
-        </p:txBody>
-      </p:sp>
-      <p:sp>
-        <p:nvSpPr>
-          <p:cNvPr id="2" name="PlaceHolder 3"/>
-          <p:cNvSpPr>
-            <a:spLocks noGrp="1"/>
-          </p:cNvSpPr>
-          <p:nvPr>
-            <p:ph type="ftr"/>
-          </p:nvPr>
-        </p:nvSpPr>
-        <p:spPr>
-          <a:xfrm>
-            <a:off x="3180240" y="11865240"/>
-            <a:ext cx="3240000" cy="681120"/>
-          </a:xfrm>
-          <a:prstGeom prst="rect">
-            <a:avLst/>
-          </a:prstGeom>
-        </p:spPr>
-        <p:txBody>
-          <a:bodyPr anchor="ctr">
-            <a:noAutofit/>
-          </a:bodyPr>
-          <a:p>
-            <a:pPr algn="ctr">
-              <a:lnSpc>
-                <a:spcPct val="100000"/>
-              </a:lnSpc>
-            </a:pPr>
-            <a:r>
-              <a:rPr b="0" lang="en-US" sz="900" spc="-1" strike="noStrike">
-                <a:solidFill>
-                  <a:srgbClr val="8b8b8b"/>
-                </a:solidFill>
-                <a:latin typeface="Calibri"/>
-              </a:rPr>
-              <a:t>Ebook ITIL</a:t>
-            </a:r>
-            <a:endParaRPr b="0" lang="pt-BR" sz="900" spc="-1" strike="noStrike">
-              <a:latin typeface="Times New Roman"/>
-            </a:endParaRPr>
-          </a:p>
-        </p:txBody>
-      </p:sp>
-      <p:sp>
-        <p:nvSpPr>
-          <p:cNvPr id="3" name="PlaceHolder 4"/>
-          <p:cNvSpPr>
-            <a:spLocks noGrp="1"/>
-          </p:cNvSpPr>
-          <p:nvPr>
-            <p:ph type="sldNum"/>
-          </p:nvPr>
-        </p:nvSpPr>
-        <p:spPr>
-          <a:xfrm>
-            <a:off x="6780960" y="11865240"/>
-            <a:ext cx="2160000" cy="681120"/>
-          </a:xfrm>
-          <a:prstGeom prst="rect">
-            <a:avLst/>
-          </a:prstGeom>
-        </p:spPr>
-        <p:txBody>
-          <a:bodyPr anchor="ctr">
-            <a:noAutofit/>
-          </a:bodyPr>
-          <a:p>
-            <a:pPr algn="r">
-              <a:lnSpc>
-                <a:spcPct val="100000"/>
-              </a:lnSpc>
-            </a:pPr>
-            <a:fld id="{03951CB5-D884-4D51-B9A4-273EC43C50E0}" type="slidenum">
-              <a:rPr b="0" lang="en-US" sz="900" spc="-1" strike="noStrike">
-                <a:solidFill>
-                  <a:srgbClr val="8b8b8b"/>
-                </a:solidFill>
-                <a:latin typeface="Calibri"/>
-              </a:rPr>
-              <a:t>15</a:t>
-            </a:fld>
-            <a:endParaRPr b="0" lang="pt-BR" sz="900" spc="-1" strike="noStrike">
-              <a:latin typeface="Times New Roman"/>
-            </a:endParaRPr>
-          </a:p>
-        </p:txBody>
-      </p:sp>
-      <p:sp>
-        <p:nvSpPr>
-          <p:cNvPr id="4" name="PlaceHolder 5"/>
           <p:cNvSpPr>
             <a:spLocks noGrp="1"/>
           </p:cNvSpPr>
@@ -3162,19 +2835,13 @@
               <a:buChar char=""/>
             </a:pPr>
             <a:r>
-              <a:rPr b="0" lang="en-US" sz="2800" spc="-1" strike="noStrike">
-                <a:solidFill>
-                  <a:srgbClr val="000000"/>
-                </a:solidFill>
-                <a:latin typeface="Calibri"/>
+              <a:rPr b="0" lang="pt-BR" sz="3200" spc="-1" strike="noStrike">
+                <a:latin typeface="Arial"/>
               </a:rPr>
               <a:t>Clique para editar o formato do texto da estrutura de tópicos</a:t>
             </a:r>
-            <a:endParaRPr b="0" lang="en-US" sz="2800" spc="-1" strike="noStrike">
-              <a:solidFill>
-                <a:srgbClr val="000000"/>
-              </a:solidFill>
-              <a:latin typeface="Calibri"/>
+            <a:endParaRPr b="0" lang="pt-BR" sz="3200" spc="-1" strike="noStrike">
+              <a:latin typeface="Arial"/>
             </a:endParaRPr>
           </a:p>
           <a:p>
@@ -3190,19 +2857,13 @@
               <a:buChar char=""/>
             </a:pPr>
             <a:r>
-              <a:rPr b="0" lang="en-US" sz="2000" spc="-1" strike="noStrike">
-                <a:solidFill>
-                  <a:srgbClr val="000000"/>
-                </a:solidFill>
-                <a:latin typeface="Calibri"/>
+              <a:rPr b="0" lang="pt-BR" sz="2800" spc="-1" strike="noStrike">
+                <a:latin typeface="Arial"/>
               </a:rPr>
               <a:t>2.º nível da estrutura de tópicos</a:t>
             </a:r>
-            <a:endParaRPr b="0" lang="en-US" sz="2000" spc="-1" strike="noStrike">
-              <a:solidFill>
-                <a:srgbClr val="000000"/>
-              </a:solidFill>
-              <a:latin typeface="Calibri"/>
+            <a:endParaRPr b="0" lang="pt-BR" sz="2800" spc="-1" strike="noStrike">
+              <a:latin typeface="Arial"/>
             </a:endParaRPr>
           </a:p>
           <a:p>
@@ -3218,19 +2879,13 @@
               <a:buChar char=""/>
             </a:pPr>
             <a:r>
-              <a:rPr b="0" lang="en-US" sz="1800" spc="-1" strike="noStrike">
-                <a:solidFill>
-                  <a:srgbClr val="000000"/>
-                </a:solidFill>
-                <a:latin typeface="Calibri"/>
+              <a:rPr b="0" lang="pt-BR" sz="2400" spc="-1" strike="noStrike">
+                <a:latin typeface="Arial"/>
               </a:rPr>
               <a:t>3.º nível da estrutura de tópicos</a:t>
             </a:r>
-            <a:endParaRPr b="0" lang="en-US" sz="1800" spc="-1" strike="noStrike">
-              <a:solidFill>
-                <a:srgbClr val="000000"/>
-              </a:solidFill>
-              <a:latin typeface="Calibri"/>
+            <a:endParaRPr b="0" lang="pt-BR" sz="2400" spc="-1" strike="noStrike">
+              <a:latin typeface="Arial"/>
             </a:endParaRPr>
           </a:p>
           <a:p>
@@ -3246,19 +2901,13 @@
               <a:buChar char=""/>
             </a:pPr>
             <a:r>
-              <a:rPr b="0" lang="en-US" sz="1800" spc="-1" strike="noStrike">
-                <a:solidFill>
-                  <a:srgbClr val="000000"/>
-                </a:solidFill>
-                <a:latin typeface="Calibri"/>
+              <a:rPr b="0" lang="pt-BR" sz="2000" spc="-1" strike="noStrike">
+                <a:latin typeface="Arial"/>
               </a:rPr>
               <a:t>4.º nível da estrutura de tópicos</a:t>
             </a:r>
-            <a:endParaRPr b="0" lang="en-US" sz="1800" spc="-1" strike="noStrike">
-              <a:solidFill>
-                <a:srgbClr val="000000"/>
-              </a:solidFill>
-              <a:latin typeface="Calibri"/>
+            <a:endParaRPr b="0" lang="pt-BR" sz="2000" spc="-1" strike="noStrike">
+              <a:latin typeface="Arial"/>
             </a:endParaRPr>
           </a:p>
           <a:p>
@@ -3274,19 +2923,13 @@
               <a:buChar char=""/>
             </a:pPr>
             <a:r>
-              <a:rPr b="0" lang="en-US" sz="2000" spc="-1" strike="noStrike">
-                <a:solidFill>
-                  <a:srgbClr val="000000"/>
-                </a:solidFill>
-                <a:latin typeface="Calibri"/>
+              <a:rPr b="0" lang="pt-BR" sz="2000" spc="-1" strike="noStrike">
+                <a:latin typeface="Arial"/>
               </a:rPr>
               <a:t>5.º nível da estrutura de tópicos</a:t>
             </a:r>
-            <a:endParaRPr b="0" lang="en-US" sz="2000" spc="-1" strike="noStrike">
-              <a:solidFill>
-                <a:srgbClr val="000000"/>
-              </a:solidFill>
-              <a:latin typeface="Calibri"/>
+            <a:endParaRPr b="0" lang="pt-BR" sz="2000" spc="-1" strike="noStrike">
+              <a:latin typeface="Arial"/>
             </a:endParaRPr>
           </a:p>
           <a:p>
@@ -3302,19 +2945,13 @@
               <a:buChar char=""/>
             </a:pPr>
             <a:r>
-              <a:rPr b="0" lang="en-US" sz="2000" spc="-1" strike="noStrike">
-                <a:solidFill>
-                  <a:srgbClr val="000000"/>
-                </a:solidFill>
-                <a:latin typeface="Calibri"/>
+              <a:rPr b="0" lang="pt-BR" sz="2000" spc="-1" strike="noStrike">
+                <a:latin typeface="Arial"/>
               </a:rPr>
               <a:t>6.º nível da estrutura de tópicos</a:t>
             </a:r>
-            <a:endParaRPr b="0" lang="en-US" sz="2000" spc="-1" strike="noStrike">
-              <a:solidFill>
-                <a:srgbClr val="000000"/>
-              </a:solidFill>
-              <a:latin typeface="Calibri"/>
+            <a:endParaRPr b="0" lang="pt-BR" sz="2000" spc="-1" strike="noStrike">
+              <a:latin typeface="Arial"/>
             </a:endParaRPr>
           </a:p>
           <a:p>
@@ -3330,19 +2967,13 @@
               <a:buChar char=""/>
             </a:pPr>
             <a:r>
-              <a:rPr b="0" lang="en-US" sz="2000" spc="-1" strike="noStrike">
-                <a:solidFill>
-                  <a:srgbClr val="000000"/>
-                </a:solidFill>
-                <a:latin typeface="Calibri"/>
+              <a:rPr b="0" lang="pt-BR" sz="2000" spc="-1" strike="noStrike">
+                <a:latin typeface="Arial"/>
               </a:rPr>
               <a:t>7.º nível da estrutura de tópicos</a:t>
             </a:r>
-            <a:endParaRPr b="0" lang="en-US" sz="2000" spc="-1" strike="noStrike">
-              <a:solidFill>
-                <a:srgbClr val="000000"/>
-              </a:solidFill>
-              <a:latin typeface="Calibri"/>
+            <a:endParaRPr b="0" lang="pt-BR" sz="2000" spc="-1" strike="noStrike">
+              <a:latin typeface="Arial"/>
             </a:endParaRPr>
           </a:p>
         </p:txBody>
@@ -3393,139 +3024,7 @@
       </p:grpSpPr>
       <p:sp>
         <p:nvSpPr>
-          <p:cNvPr id="41" name="PlaceHolder 1"/>
-          <p:cNvSpPr>
-            <a:spLocks noGrp="1"/>
-          </p:cNvSpPr>
-          <p:nvPr>
-            <p:ph type="dt"/>
-          </p:nvPr>
-        </p:nvSpPr>
-        <p:spPr>
-          <a:xfrm>
-            <a:off x="660240" y="11865240"/>
-            <a:ext cx="2160000" cy="681120"/>
-          </a:xfrm>
-          <a:prstGeom prst="rect">
-            <a:avLst/>
-          </a:prstGeom>
-        </p:spPr>
-        <p:txBody>
-          <a:bodyPr anchor="ctr">
-            <a:noAutofit/>
-          </a:bodyPr>
-          <a:p>
-            <a:pPr>
-              <a:lnSpc>
-                <a:spcPct val="100000"/>
-              </a:lnSpc>
-            </a:pPr>
-            <a:fld id="{4ECE9122-2873-4B0D-97A7-97E0E748CD5E}" type="datetime">
-              <a:rPr b="0" lang="en-US" sz="900" spc="-1" strike="noStrike">
-                <a:solidFill>
-                  <a:srgbClr val="8b8b8b"/>
-                </a:solidFill>
-                <a:latin typeface="Calibri"/>
-              </a:rPr>
-              <a:t>5/21/24</a:t>
-            </a:fld>
-            <a:endParaRPr b="0" lang="pt-BR" sz="900" spc="-1" strike="noStrike">
-              <a:latin typeface="Times New Roman"/>
-            </a:endParaRPr>
-          </a:p>
-        </p:txBody>
-      </p:sp>
-      <p:sp>
-        <p:nvSpPr>
-          <p:cNvPr id="42" name="PlaceHolder 2"/>
-          <p:cNvSpPr>
-            <a:spLocks noGrp="1"/>
-          </p:cNvSpPr>
-          <p:nvPr>
-            <p:ph type="ftr"/>
-          </p:nvPr>
-        </p:nvSpPr>
-        <p:spPr>
-          <a:xfrm>
-            <a:off x="3180240" y="11865240"/>
-            <a:ext cx="3240000" cy="681120"/>
-          </a:xfrm>
-          <a:prstGeom prst="rect">
-            <a:avLst/>
-          </a:prstGeom>
-        </p:spPr>
-        <p:txBody>
-          <a:bodyPr anchor="ctr">
-            <a:noAutofit/>
-          </a:bodyPr>
-          <a:p>
-            <a:pPr algn="ctr">
-              <a:lnSpc>
-                <a:spcPct val="100000"/>
-              </a:lnSpc>
-            </a:pPr>
-            <a:r>
-              <a:rPr b="0" lang="en-US" sz="900" spc="-1" strike="noStrike">
-                <a:solidFill>
-                  <a:srgbClr val="8b8b8b"/>
-                </a:solidFill>
-                <a:latin typeface="Calibri"/>
-              </a:rPr>
-              <a:t>Ebook ITIL</a:t>
-            </a:r>
-            <a:endParaRPr b="0" lang="pt-BR" sz="900" spc="-1" strike="noStrike">
-              <a:latin typeface="Times New Roman"/>
-            </a:endParaRPr>
-          </a:p>
-        </p:txBody>
-      </p:sp>
-      <p:sp>
-        <p:nvSpPr>
-          <p:cNvPr id="43" name="PlaceHolder 3"/>
-          <p:cNvSpPr>
-            <a:spLocks noGrp="1"/>
-          </p:cNvSpPr>
-          <p:nvPr>
-            <p:ph type="sldNum"/>
-          </p:nvPr>
-        </p:nvSpPr>
-        <p:spPr>
-          <a:xfrm>
-            <a:off x="6780960" y="11865240"/>
-            <a:ext cx="2160000" cy="681120"/>
-          </a:xfrm>
-          <a:prstGeom prst="rect">
-            <a:avLst/>
-          </a:prstGeom>
-        </p:spPr>
-        <p:txBody>
-          <a:bodyPr anchor="ctr">
-            <a:noAutofit/>
-          </a:bodyPr>
-          <a:p>
-            <a:pPr algn="r">
-              <a:lnSpc>
-                <a:spcPct val="100000"/>
-              </a:lnSpc>
-            </a:pPr>
-            <a:fld id="{84118A9D-E7E2-4E10-BBBB-9EB797AC97FE}" type="slidenum">
-              <a:rPr b="0" lang="en-US" sz="900" spc="-1" strike="noStrike">
-                <a:solidFill>
-                  <a:srgbClr val="8b8b8b"/>
-                </a:solidFill>
-                <a:latin typeface="Calibri"/>
-              </a:rPr>
-              <a:t>&lt;número&gt;</a:t>
-            </a:fld>
-            <a:endParaRPr b="0" lang="pt-BR" sz="900" spc="-1" strike="noStrike">
-              <a:latin typeface="Times New Roman"/>
-            </a:endParaRPr>
-          </a:p>
-        </p:txBody>
-      </p:sp>
-      <p:sp>
-        <p:nvSpPr>
-          <p:cNvPr id="44" name="PlaceHolder 4"/>
+          <p:cNvPr id="38" name="PlaceHolder 1"/>
           <p:cNvSpPr>
             <a:spLocks noGrp="1"/>
           </p:cNvSpPr>
@@ -3547,27 +3046,22 @@
             <a:noAutofit/>
           </a:bodyPr>
           <a:p>
+            <a:pPr algn="ctr"/>
             <a:r>
-              <a:rPr b="0" lang="en-US" sz="1800" spc="-1" strike="noStrike">
-                <a:solidFill>
-                  <a:srgbClr val="000000"/>
-                </a:solidFill>
-                <a:latin typeface="Calibri"/>
+              <a:rPr b="0" lang="pt-BR" sz="4400" spc="-1" strike="noStrike">
+                <a:latin typeface="Arial"/>
               </a:rPr>
               <a:t>Clique para editar o formato do texto do título</a:t>
             </a:r>
-            <a:endParaRPr b="0" lang="en-US" sz="1800" spc="-1" strike="noStrike">
-              <a:solidFill>
-                <a:srgbClr val="000000"/>
-              </a:solidFill>
-              <a:latin typeface="Calibri"/>
-            </a:endParaRPr>
-          </a:p>
-        </p:txBody>
-      </p:sp>
-      <p:sp>
-        <p:nvSpPr>
-          <p:cNvPr id="45" name="PlaceHolder 5"/>
+            <a:endParaRPr b="0" lang="pt-BR" sz="4400" spc="-1" strike="noStrike">
+              <a:latin typeface="Arial"/>
+            </a:endParaRPr>
+          </a:p>
+        </p:txBody>
+      </p:sp>
+      <p:sp>
+        <p:nvSpPr>
+          <p:cNvPr id="39" name="PlaceHolder 2"/>
           <p:cNvSpPr>
             <a:spLocks noGrp="1"/>
           </p:cNvSpPr>
@@ -3601,19 +3095,13 @@
               <a:buChar char=""/>
             </a:pPr>
             <a:r>
-              <a:rPr b="0" lang="en-US" sz="2800" spc="-1" strike="noStrike">
-                <a:solidFill>
-                  <a:srgbClr val="000000"/>
-                </a:solidFill>
-                <a:latin typeface="Calibri"/>
+              <a:rPr b="0" lang="pt-BR" sz="3200" spc="-1" strike="noStrike">
+                <a:latin typeface="Arial"/>
               </a:rPr>
               <a:t>Clique para editar o formato do texto da estrutura de tópicos</a:t>
             </a:r>
-            <a:endParaRPr b="0" lang="en-US" sz="2800" spc="-1" strike="noStrike">
-              <a:solidFill>
-                <a:srgbClr val="000000"/>
-              </a:solidFill>
-              <a:latin typeface="Calibri"/>
+            <a:endParaRPr b="0" lang="pt-BR" sz="3200" spc="-1" strike="noStrike">
+              <a:latin typeface="Arial"/>
             </a:endParaRPr>
           </a:p>
           <a:p>
@@ -3629,19 +3117,13 @@
               <a:buChar char=""/>
             </a:pPr>
             <a:r>
-              <a:rPr b="0" lang="en-US" sz="2000" spc="-1" strike="noStrike">
-                <a:solidFill>
-                  <a:srgbClr val="000000"/>
-                </a:solidFill>
-                <a:latin typeface="Calibri"/>
+              <a:rPr b="0" lang="pt-BR" sz="2800" spc="-1" strike="noStrike">
+                <a:latin typeface="Arial"/>
               </a:rPr>
               <a:t>2.º nível da estrutura de tópicos</a:t>
             </a:r>
-            <a:endParaRPr b="0" lang="en-US" sz="2000" spc="-1" strike="noStrike">
-              <a:solidFill>
-                <a:srgbClr val="000000"/>
-              </a:solidFill>
-              <a:latin typeface="Calibri"/>
+            <a:endParaRPr b="0" lang="pt-BR" sz="2800" spc="-1" strike="noStrike">
+              <a:latin typeface="Arial"/>
             </a:endParaRPr>
           </a:p>
           <a:p>
@@ -3657,19 +3139,13 @@
               <a:buChar char=""/>
             </a:pPr>
             <a:r>
-              <a:rPr b="0" lang="en-US" sz="1800" spc="-1" strike="noStrike">
-                <a:solidFill>
-                  <a:srgbClr val="000000"/>
-                </a:solidFill>
-                <a:latin typeface="Calibri"/>
+              <a:rPr b="0" lang="pt-BR" sz="2400" spc="-1" strike="noStrike">
+                <a:latin typeface="Arial"/>
               </a:rPr>
               <a:t>3.º nível da estrutura de tópicos</a:t>
             </a:r>
-            <a:endParaRPr b="0" lang="en-US" sz="1800" spc="-1" strike="noStrike">
-              <a:solidFill>
-                <a:srgbClr val="000000"/>
-              </a:solidFill>
-              <a:latin typeface="Calibri"/>
+            <a:endParaRPr b="0" lang="pt-BR" sz="2400" spc="-1" strike="noStrike">
+              <a:latin typeface="Arial"/>
             </a:endParaRPr>
           </a:p>
           <a:p>
@@ -3685,19 +3161,13 @@
               <a:buChar char=""/>
             </a:pPr>
             <a:r>
-              <a:rPr b="0" lang="en-US" sz="1800" spc="-1" strike="noStrike">
-                <a:solidFill>
-                  <a:srgbClr val="000000"/>
-                </a:solidFill>
-                <a:latin typeface="Calibri"/>
+              <a:rPr b="0" lang="pt-BR" sz="2000" spc="-1" strike="noStrike">
+                <a:latin typeface="Arial"/>
               </a:rPr>
               <a:t>4.º nível da estrutura de tópicos</a:t>
             </a:r>
-            <a:endParaRPr b="0" lang="en-US" sz="1800" spc="-1" strike="noStrike">
-              <a:solidFill>
-                <a:srgbClr val="000000"/>
-              </a:solidFill>
-              <a:latin typeface="Calibri"/>
+            <a:endParaRPr b="0" lang="pt-BR" sz="2000" spc="-1" strike="noStrike">
+              <a:latin typeface="Arial"/>
             </a:endParaRPr>
           </a:p>
           <a:p>
@@ -3713,19 +3183,13 @@
               <a:buChar char=""/>
             </a:pPr>
             <a:r>
-              <a:rPr b="0" lang="en-US" sz="2000" spc="-1" strike="noStrike">
-                <a:solidFill>
-                  <a:srgbClr val="000000"/>
-                </a:solidFill>
-                <a:latin typeface="Calibri"/>
+              <a:rPr b="0" lang="pt-BR" sz="2000" spc="-1" strike="noStrike">
+                <a:latin typeface="Arial"/>
               </a:rPr>
               <a:t>5.º nível da estrutura de tópicos</a:t>
             </a:r>
-            <a:endParaRPr b="0" lang="en-US" sz="2000" spc="-1" strike="noStrike">
-              <a:solidFill>
-                <a:srgbClr val="000000"/>
-              </a:solidFill>
-              <a:latin typeface="Calibri"/>
+            <a:endParaRPr b="0" lang="pt-BR" sz="2000" spc="-1" strike="noStrike">
+              <a:latin typeface="Arial"/>
             </a:endParaRPr>
           </a:p>
           <a:p>
@@ -3741,19 +3205,13 @@
               <a:buChar char=""/>
             </a:pPr>
             <a:r>
-              <a:rPr b="0" lang="en-US" sz="2000" spc="-1" strike="noStrike">
-                <a:solidFill>
-                  <a:srgbClr val="000000"/>
-                </a:solidFill>
-                <a:latin typeface="Calibri"/>
+              <a:rPr b="0" lang="pt-BR" sz="2000" spc="-1" strike="noStrike">
+                <a:latin typeface="Arial"/>
               </a:rPr>
               <a:t>6.º nível da estrutura de tópicos</a:t>
             </a:r>
-            <a:endParaRPr b="0" lang="en-US" sz="2000" spc="-1" strike="noStrike">
-              <a:solidFill>
-                <a:srgbClr val="000000"/>
-              </a:solidFill>
-              <a:latin typeface="Calibri"/>
+            <a:endParaRPr b="0" lang="pt-BR" sz="2000" spc="-1" strike="noStrike">
+              <a:latin typeface="Arial"/>
             </a:endParaRPr>
           </a:p>
           <a:p>
@@ -3769,19 +3227,13 @@
               <a:buChar char=""/>
             </a:pPr>
             <a:r>
-              <a:rPr b="0" lang="en-US" sz="2000" spc="-1" strike="noStrike">
-                <a:solidFill>
-                  <a:srgbClr val="000000"/>
-                </a:solidFill>
-                <a:latin typeface="Calibri"/>
+              <a:rPr b="0" lang="pt-BR" sz="2000" spc="-1" strike="noStrike">
+                <a:latin typeface="Arial"/>
               </a:rPr>
               <a:t>7.º nível da estrutura de tópicos</a:t>
             </a:r>
-            <a:endParaRPr b="0" lang="en-US" sz="2000" spc="-1" strike="noStrike">
-              <a:solidFill>
-                <a:srgbClr val="000000"/>
-              </a:solidFill>
-              <a:latin typeface="Calibri"/>
+            <a:endParaRPr b="0" lang="pt-BR" sz="2000" spc="-1" strike="noStrike">
+              <a:latin typeface="Arial"/>
             </a:endParaRPr>
           </a:p>
         </p:txBody>
@@ -3825,14 +3277,14 @@
       </p:grpSpPr>
       <p:sp>
         <p:nvSpPr>
-          <p:cNvPr id="82" name="Retângulo 7"/>
+          <p:cNvPr id="76" name="Retângulo 7"/>
           <p:cNvSpPr/>
           <p:nvPr/>
         </p:nvSpPr>
         <p:spPr>
           <a:xfrm>
             <a:off x="6400800" y="9479160"/>
-            <a:ext cx="3004560" cy="3078000"/>
+            <a:ext cx="3004200" cy="3077640"/>
           </a:xfrm>
           <a:prstGeom prst="rect">
             <a:avLst/>
@@ -3863,14 +3315,14 @@
       </p:sp>
       <p:sp>
         <p:nvSpPr>
-          <p:cNvPr id="83" name="Retângulo 1"/>
+          <p:cNvPr id="77" name="Retângulo 1"/>
           <p:cNvSpPr/>
           <p:nvPr/>
         </p:nvSpPr>
         <p:spPr>
           <a:xfrm>
             <a:off x="-224640" y="0"/>
-            <a:ext cx="9869760" cy="12801240"/>
+            <a:ext cx="9869400" cy="12800880"/>
           </a:xfrm>
           <a:prstGeom prst="rect">
             <a:avLst/>
@@ -3902,14 +3354,14 @@
       </p:sp>
       <p:sp>
         <p:nvSpPr>
-          <p:cNvPr id="84" name="subtitulo_componente"/>
+          <p:cNvPr id="78" name="subtitulo_componente"/>
           <p:cNvSpPr/>
           <p:nvPr/>
         </p:nvSpPr>
         <p:spPr>
           <a:xfrm>
             <a:off x="-13465440" y="7259040"/>
-            <a:ext cx="9100080" cy="1065240"/>
+            <a:ext cx="9099720" cy="577800"/>
           </a:xfrm>
           <a:prstGeom prst="rect">
             <a:avLst/>
@@ -3941,6 +3393,7 @@
                   <a:srgbClr val="ffffff"/>
                 </a:solidFill>
                 <a:latin typeface="Calibri Light"/>
+                <a:ea typeface="DejaVu Sans"/>
               </a:rPr>
               <a:t>Aprenda quais são os principais tipos de seletores mais utilizadas na hora de construir páginas web</a:t>
             </a:r>
@@ -3952,7 +3405,7 @@
       </p:sp>
       <p:pic>
         <p:nvPicPr>
-          <p:cNvPr id="85" name="Imagem 3" descr="Calendário&#10;&#10;Descrição gerada automaticamente"/>
+          <p:cNvPr id="79" name="Imagem 3" descr="Calendário&#10;&#10;Descrição gerada automaticamente"/>
           <p:cNvPicPr/>
           <p:nvPr/>
         </p:nvPicPr>
@@ -3963,7 +3416,7 @@
         <p:spPr>
           <a:xfrm>
             <a:off x="458280" y="4473360"/>
-            <a:ext cx="8538480" cy="4995000"/>
+            <a:ext cx="8538120" cy="4994640"/>
           </a:xfrm>
           <a:prstGeom prst="rect">
             <a:avLst/>
@@ -3975,14 +3428,14 @@
       </p:pic>
       <p:sp>
         <p:nvSpPr>
-          <p:cNvPr id="86" name="CaixaDeTexto 6"/>
+          <p:cNvPr id="80" name="CaixaDeTexto 6"/>
           <p:cNvSpPr/>
           <p:nvPr/>
         </p:nvSpPr>
         <p:spPr>
           <a:xfrm>
             <a:off x="766440" y="605160"/>
-            <a:ext cx="7664400" cy="822960"/>
+            <a:ext cx="7664040" cy="821520"/>
           </a:xfrm>
           <a:prstGeom prst="rect">
             <a:avLst/>
@@ -3999,7 +3452,7 @@
           <a:fontRef idx="minor"/>
         </p:style>
         <p:txBody>
-          <a:bodyPr horzOverflow="overflow" vertOverflow="overflow">
+          <a:bodyPr horzOverflow="overflow" vertOverflow="overflow" lIns="90000" rIns="90000" tIns="45000" bIns="45000">
             <a:spAutoFit/>
           </a:bodyPr>
           <a:p>
@@ -4014,6 +3467,7 @@
                   <a:srgbClr val="660c65"/>
                 </a:solidFill>
                 <a:latin typeface="Impact"/>
+                <a:ea typeface="DejaVu Sans"/>
               </a:rPr>
               <a:t>Governança de TI em Ação:</a:t>
             </a:r>
@@ -4025,14 +3479,14 @@
       </p:sp>
       <p:sp>
         <p:nvSpPr>
-          <p:cNvPr id="87" name="CaixaDeTexto 4"/>
+          <p:cNvPr id="81" name="CaixaDeTexto 4"/>
           <p:cNvSpPr/>
           <p:nvPr/>
         </p:nvSpPr>
         <p:spPr>
           <a:xfrm>
             <a:off x="1198440" y="11020680"/>
-            <a:ext cx="5245560" cy="701280"/>
+            <a:ext cx="5245200" cy="699840"/>
           </a:xfrm>
           <a:prstGeom prst="rect">
             <a:avLst/>
@@ -4049,7 +3503,7 @@
           <a:fontRef idx="minor"/>
         </p:style>
         <p:txBody>
-          <a:bodyPr horzOverflow="overflow" vertOverflow="overflow">
+          <a:bodyPr horzOverflow="overflow" vertOverflow="overflow" lIns="90000" rIns="90000" tIns="45000" bIns="45000">
             <a:spAutoFit/>
           </a:bodyPr>
           <a:p>
@@ -4064,6 +3518,7 @@
                   <a:srgbClr val="660c65"/>
                 </a:solidFill>
                 <a:latin typeface="Calibri Light"/>
+                <a:ea typeface="DejaVu Sans"/>
               </a:rPr>
               <a:t>Elisangela Macedo</a:t>
             </a:r>
@@ -4075,14 +3530,14 @@
       </p:sp>
       <p:sp>
         <p:nvSpPr>
-          <p:cNvPr id="88" name="Retângulo 13"/>
+          <p:cNvPr id="82" name="Retângulo 13"/>
           <p:cNvSpPr/>
           <p:nvPr/>
         </p:nvSpPr>
         <p:spPr>
           <a:xfrm>
             <a:off x="-195840" y="2253240"/>
-            <a:ext cx="9869760" cy="887040"/>
+            <a:ext cx="9869400" cy="886680"/>
           </a:xfrm>
           <a:prstGeom prst="rect">
             <a:avLst/>
@@ -4128,6 +3583,7 @@
                   <a:srgbClr val="ffffff"/>
                 </a:solidFill>
                 <a:latin typeface="Calibri Light"/>
+                <a:ea typeface="DejaVu Sans"/>
               </a:rPr>
               <a:t>Maximizando a eficiência na transição do serviço</a:t>
             </a:r>
@@ -4139,7 +3595,7 @@
       </p:sp>
       <p:pic>
         <p:nvPicPr>
-          <p:cNvPr id="89" name="Imagem 2" descr=""/>
+          <p:cNvPr id="83" name="Imagem 2" descr=""/>
           <p:cNvPicPr/>
           <p:nvPr/>
         </p:nvPicPr>
@@ -4150,7 +3606,7 @@
         <p:spPr>
           <a:xfrm>
             <a:off x="6390360" y="10637640"/>
-            <a:ext cx="2488320" cy="1078560"/>
+            <a:ext cx="2487960" cy="1078200"/>
           </a:xfrm>
           <a:prstGeom prst="rect">
             <a:avLst/>
@@ -4162,14 +3618,14 @@
       </p:pic>
       <p:sp>
         <p:nvSpPr>
-          <p:cNvPr id="90" name="Espaço Reservado para Número de Slide 9"/>
-          <p:cNvSpPr txBox="1"/>
+          <p:cNvPr id="84" name="Espaço Reservado para Número de Slide 9"/>
+          <p:cNvSpPr/>
           <p:nvPr/>
         </p:nvSpPr>
         <p:spPr>
           <a:xfrm>
             <a:off x="6780960" y="11865240"/>
-            <a:ext cx="2160000" cy="681120"/>
+            <a:ext cx="2159640" cy="680760"/>
           </a:xfrm>
           <a:prstGeom prst="rect">
             <a:avLst/>
@@ -4179,8 +3635,14 @@
             <a:noFill/>
           </a:ln>
         </p:spPr>
-        <p:txBody>
-          <a:bodyPr anchor="ctr">
+        <p:style>
+          <a:lnRef idx="0"/>
+          <a:fillRef idx="0"/>
+          <a:effectRef idx="0"/>
+          <a:fontRef idx="minor"/>
+        </p:style>
+        <p:txBody>
+          <a:bodyPr lIns="90000" rIns="90000" tIns="45000" bIns="45000" anchor="ctr">
             <a:noAutofit/>
           </a:bodyPr>
           <a:p>
@@ -4189,7 +3651,7 @@
                 <a:spcPct val="100000"/>
               </a:lnSpc>
             </a:pPr>
-            <a:fld id="{9D2D0C7A-B357-4E6B-970F-CAF32F0896B1}" type="slidenum">
+            <a:fld id="{1AB134B7-8FC4-4D4D-B353-0F7CC4F79C39}" type="slidenum">
               <a:rPr b="0" lang="en-US" sz="900" spc="-1" strike="noStrike">
                 <a:solidFill>
                   <a:srgbClr val="8b8b8b"/>
@@ -4199,21 +3661,21 @@
               <a:t>&lt;número&gt;</a:t>
             </a:fld>
             <a:endParaRPr b="0" lang="pt-BR" sz="900" spc="-1" strike="noStrike">
-              <a:latin typeface="Times New Roman"/>
-            </a:endParaRPr>
-          </a:p>
-        </p:txBody>
-      </p:sp>
-      <p:sp>
-        <p:nvSpPr>
-          <p:cNvPr id="91" name="Espaço Reservado para Rodapé 8"/>
-          <p:cNvSpPr txBox="1"/>
+              <a:latin typeface="Arial"/>
+            </a:endParaRPr>
+          </a:p>
+        </p:txBody>
+      </p:sp>
+      <p:sp>
+        <p:nvSpPr>
+          <p:cNvPr id="85" name="Espaço Reservado para Rodapé 8"/>
+          <p:cNvSpPr/>
           <p:nvPr/>
         </p:nvSpPr>
         <p:spPr>
           <a:xfrm>
             <a:off x="3180240" y="11865240"/>
-            <a:ext cx="3240000" cy="681120"/>
+            <a:ext cx="3239640" cy="680760"/>
           </a:xfrm>
           <a:prstGeom prst="rect">
             <a:avLst/>
@@ -4223,8 +3685,14 @@
             <a:noFill/>
           </a:ln>
         </p:spPr>
-        <p:txBody>
-          <a:bodyPr anchor="ctr">
+        <p:style>
+          <a:lnRef idx="0"/>
+          <a:fillRef idx="0"/>
+          <a:effectRef idx="0"/>
+          <a:fontRef idx="minor"/>
+        </p:style>
+        <p:txBody>
+          <a:bodyPr lIns="90000" rIns="90000" tIns="45000" bIns="45000" anchor="ctr">
             <a:noAutofit/>
           </a:bodyPr>
           <a:p>
@@ -4243,7 +3711,7 @@
               <a:t>Ebook ITIL</a:t>
             </a:r>
             <a:endParaRPr b="0" lang="pt-BR" sz="900" spc="-1" strike="noStrike">
-              <a:latin typeface="Times New Roman"/>
+              <a:latin typeface="Arial"/>
             </a:endParaRPr>
           </a:p>
         </p:txBody>
@@ -4280,14 +3748,14 @@
       </p:grpSpPr>
       <p:sp>
         <p:nvSpPr>
-          <p:cNvPr id="145" name="texto_componente"/>
+          <p:cNvPr id="139" name="texto_componente"/>
           <p:cNvSpPr/>
           <p:nvPr/>
         </p:nvSpPr>
         <p:spPr>
           <a:xfrm>
             <a:off x="1114920" y="2235600"/>
-            <a:ext cx="6423840" cy="11430360"/>
+            <a:ext cx="6423480" cy="11428920"/>
           </a:xfrm>
           <a:prstGeom prst="rect">
             <a:avLst/>
@@ -4304,7 +3772,7 @@
           <a:fontRef idx="minor"/>
         </p:style>
         <p:txBody>
-          <a:bodyPr>
+          <a:bodyPr lIns="90000" rIns="90000" tIns="45000" bIns="45000">
             <a:spAutoFit/>
           </a:bodyPr>
           <a:p>
@@ -4651,58 +4119,14 @@
       </p:sp>
       <p:sp>
         <p:nvSpPr>
-          <p:cNvPr id="146" name="Espaço Reservado para Número de Slide 10"/>
-          <p:cNvSpPr txBox="1"/>
+          <p:cNvPr id="140" name="Espaço Reservado para Número de Slide 10"/>
+          <p:cNvSpPr/>
           <p:nvPr/>
         </p:nvSpPr>
         <p:spPr>
           <a:xfrm>
             <a:off x="6780960" y="11865240"/>
-            <a:ext cx="2160000" cy="681120"/>
-          </a:xfrm>
-          <a:prstGeom prst="rect">
-            <a:avLst/>
-          </a:prstGeom>
-          <a:noFill/>
-          <a:ln w="0">
-            <a:noFill/>
-          </a:ln>
-        </p:spPr>
-        <p:txBody>
-          <a:bodyPr anchor="ctr">
-            <a:noAutofit/>
-          </a:bodyPr>
-          <a:p>
-            <a:pPr algn="r">
-              <a:lnSpc>
-                <a:spcPct val="100000"/>
-              </a:lnSpc>
-            </a:pPr>
-            <a:fld id="{87FE68DA-1D81-404B-9911-F18D1C5C0895}" type="slidenum">
-              <a:rPr b="0" lang="pt-BR" sz="900" spc="-1" strike="noStrike">
-                <a:solidFill>
-                  <a:srgbClr val="8b8b8b"/>
-                </a:solidFill>
-                <a:latin typeface="Calibri"/>
-              </a:rPr>
-              <a:t>&lt;número&gt;</a:t>
-            </a:fld>
-            <a:endParaRPr b="0" lang="pt-BR" sz="900" spc="-1" strike="noStrike">
-              <a:latin typeface="Times New Roman"/>
-            </a:endParaRPr>
-          </a:p>
-        </p:txBody>
-      </p:sp>
-      <p:sp>
-        <p:nvSpPr>
-          <p:cNvPr id="147" name="titulo_componente"/>
-          <p:cNvSpPr/>
-          <p:nvPr/>
-        </p:nvSpPr>
-        <p:spPr>
-          <a:xfrm>
-            <a:off x="2107440" y="778320"/>
-            <a:ext cx="5753160" cy="1371600"/>
+            <a:ext cx="2159640" cy="680760"/>
           </a:xfrm>
           <a:prstGeom prst="rect">
             <a:avLst/>
@@ -4719,7 +4143,57 @@
           <a:fontRef idx="minor"/>
         </p:style>
         <p:txBody>
-          <a:bodyPr>
+          <a:bodyPr lIns="90000" rIns="90000" tIns="45000" bIns="45000" anchor="ctr">
+            <a:noAutofit/>
+          </a:bodyPr>
+          <a:p>
+            <a:pPr algn="r">
+              <a:lnSpc>
+                <a:spcPct val="100000"/>
+              </a:lnSpc>
+            </a:pPr>
+            <a:fld id="{5F410CC4-DF07-407C-AD42-D1860A144102}" type="slidenum">
+              <a:rPr b="0" lang="pt-BR" sz="900" spc="-1" strike="noStrike">
+                <a:solidFill>
+                  <a:srgbClr val="8b8b8b"/>
+                </a:solidFill>
+                <a:latin typeface="Calibri"/>
+              </a:rPr>
+              <a:t>&lt;número&gt;</a:t>
+            </a:fld>
+            <a:endParaRPr b="0" lang="pt-BR" sz="900" spc="-1" strike="noStrike">
+              <a:latin typeface="Arial"/>
+            </a:endParaRPr>
+          </a:p>
+        </p:txBody>
+      </p:sp>
+      <p:sp>
+        <p:nvSpPr>
+          <p:cNvPr id="141" name="titulo_componente"/>
+          <p:cNvSpPr/>
+          <p:nvPr/>
+        </p:nvSpPr>
+        <p:spPr>
+          <a:xfrm>
+            <a:off x="2107440" y="778320"/>
+            <a:ext cx="5752800" cy="1430280"/>
+          </a:xfrm>
+          <a:prstGeom prst="rect">
+            <a:avLst/>
+          </a:prstGeom>
+          <a:noFill/>
+          <a:ln w="0">
+            <a:noFill/>
+          </a:ln>
+        </p:spPr>
+        <p:style>
+          <a:lnRef idx="0"/>
+          <a:fillRef idx="0"/>
+          <a:effectRef idx="0"/>
+          <a:fontRef idx="minor"/>
+        </p:style>
+        <p:txBody>
+          <a:bodyPr lIns="90000" rIns="90000" tIns="45000" bIns="45000">
             <a:spAutoFit/>
           </a:bodyPr>
           <a:p>
@@ -4734,6 +4208,7 @@
                   <a:srgbClr val="660c65"/>
                 </a:solidFill>
                 <a:latin typeface="Impact"/>
+                <a:ea typeface="DejaVu Sans"/>
               </a:rPr>
               <a:t>Operação do serviço</a:t>
             </a:r>
@@ -4755,7 +4230,7 @@
       </p:sp>
       <p:pic>
         <p:nvPicPr>
-          <p:cNvPr id="148" name="Imagem 7" descr=""/>
+          <p:cNvPr id="142" name="Imagem 7" descr=""/>
           <p:cNvPicPr/>
           <p:nvPr/>
         </p:nvPicPr>
@@ -4766,7 +4241,7 @@
         <p:spPr>
           <a:xfrm>
             <a:off x="3177720" y="9521280"/>
-            <a:ext cx="2952360" cy="1542600"/>
+            <a:ext cx="2952000" cy="1542240"/>
           </a:xfrm>
           <a:prstGeom prst="rect">
             <a:avLst/>
@@ -4778,14 +4253,14 @@
       </p:pic>
       <p:sp>
         <p:nvSpPr>
-          <p:cNvPr id="149" name="Seta: Divisa 3"/>
+          <p:cNvPr id="143" name="Seta: Divisa 3"/>
           <p:cNvSpPr/>
           <p:nvPr/>
         </p:nvSpPr>
         <p:spPr>
           <a:xfrm>
             <a:off x="684000" y="366480"/>
-            <a:ext cx="1025640" cy="1099080"/>
+            <a:ext cx="1025280" cy="1098720"/>
           </a:xfrm>
           <a:prstGeom prst="chevron">
             <a:avLst>
@@ -4816,14 +4291,14 @@
       </p:sp>
       <p:sp>
         <p:nvSpPr>
-          <p:cNvPr id="150" name="Espaço Reservado para Rodapé 4"/>
-          <p:cNvSpPr txBox="1"/>
+          <p:cNvPr id="144" name="Espaço Reservado para Rodapé 4"/>
+          <p:cNvSpPr/>
           <p:nvPr/>
         </p:nvSpPr>
         <p:spPr>
           <a:xfrm>
             <a:off x="3180240" y="11865240"/>
-            <a:ext cx="3240000" cy="681120"/>
+            <a:ext cx="3239640" cy="680760"/>
           </a:xfrm>
           <a:prstGeom prst="rect">
             <a:avLst/>
@@ -4833,8 +4308,14 @@
             <a:noFill/>
           </a:ln>
         </p:spPr>
-        <p:txBody>
-          <a:bodyPr anchor="ctr">
+        <p:style>
+          <a:lnRef idx="0"/>
+          <a:fillRef idx="0"/>
+          <a:effectRef idx="0"/>
+          <a:fontRef idx="minor"/>
+        </p:style>
+        <p:txBody>
+          <a:bodyPr lIns="90000" rIns="90000" tIns="45000" bIns="45000" anchor="ctr">
             <a:noAutofit/>
           </a:bodyPr>
           <a:p>
@@ -4853,7 +4334,7 @@
               <a:t>Ebook ITIL</a:t>
             </a:r>
             <a:endParaRPr b="0" lang="pt-BR" sz="900" spc="-1" strike="noStrike">
-              <a:latin typeface="Times New Roman"/>
+              <a:latin typeface="Arial"/>
             </a:endParaRPr>
           </a:p>
         </p:txBody>
@@ -4890,14 +4371,14 @@
       </p:grpSpPr>
       <p:sp>
         <p:nvSpPr>
-          <p:cNvPr id="151" name="Retângulo 1"/>
+          <p:cNvPr id="145" name="Retângulo 1"/>
           <p:cNvSpPr/>
           <p:nvPr/>
         </p:nvSpPr>
         <p:spPr>
           <a:xfrm>
             <a:off x="-513000" y="0"/>
-            <a:ext cx="9796320" cy="13167720"/>
+            <a:ext cx="9795960" cy="13167360"/>
           </a:xfrm>
           <a:prstGeom prst="rect">
             <a:avLst/>
@@ -4929,14 +4410,14 @@
       </p:sp>
       <p:sp>
         <p:nvSpPr>
-          <p:cNvPr id="152" name="titulo_componente"/>
+          <p:cNvPr id="146" name="titulo_componente"/>
           <p:cNvSpPr/>
           <p:nvPr/>
         </p:nvSpPr>
         <p:spPr>
           <a:xfrm>
             <a:off x="1258560" y="6737760"/>
-            <a:ext cx="6692400" cy="1920240"/>
+            <a:ext cx="6692040" cy="1918800"/>
           </a:xfrm>
           <a:prstGeom prst="rect">
             <a:avLst/>
@@ -4953,7 +4434,7 @@
           <a:fontRef idx="minor"/>
         </p:style>
         <p:txBody>
-          <a:bodyPr>
+          <a:bodyPr lIns="90000" rIns="90000" tIns="45000" bIns="45000">
             <a:spAutoFit/>
           </a:bodyPr>
           <a:p>
@@ -4968,6 +4449,7 @@
                   <a:srgbClr val="660c65"/>
                 </a:solidFill>
                 <a:latin typeface="Impact"/>
+                <a:ea typeface="DejaVu Sans"/>
               </a:rPr>
               <a:t>Melhoria Contínua do Serviço</a:t>
             </a:r>
@@ -4999,14 +4481,14 @@
       </p:sp>
       <p:sp>
         <p:nvSpPr>
-          <p:cNvPr id="153" name="titulo_componente"/>
+          <p:cNvPr id="147" name="titulo_componente"/>
           <p:cNvSpPr/>
           <p:nvPr/>
         </p:nvSpPr>
         <p:spPr>
           <a:xfrm>
             <a:off x="685440" y="2280240"/>
-            <a:ext cx="7816320" cy="4465800"/>
+            <a:ext cx="7815960" cy="4464360"/>
           </a:xfrm>
           <a:prstGeom prst="rect">
             <a:avLst/>
@@ -5023,7 +4505,7 @@
           <a:fontRef idx="minor"/>
         </p:style>
         <p:txBody>
-          <a:bodyPr>
+          <a:bodyPr lIns="90000" rIns="90000" tIns="45000" bIns="45000">
             <a:spAutoFit/>
           </a:bodyPr>
           <a:p>
@@ -5038,6 +4520,7 @@
                   <a:srgbClr val="660c65"/>
                 </a:solidFill>
                 <a:latin typeface="Impact"/>
+                <a:ea typeface="DejaVu Sans"/>
               </a:rPr>
               <a:t>05</a:t>
             </a:r>
@@ -5049,14 +4532,14 @@
       </p:sp>
       <p:sp>
         <p:nvSpPr>
-          <p:cNvPr id="154" name="texto_componente"/>
+          <p:cNvPr id="148" name="texto_componente"/>
           <p:cNvSpPr/>
           <p:nvPr/>
         </p:nvSpPr>
         <p:spPr>
           <a:xfrm>
             <a:off x="479880" y="8656920"/>
-            <a:ext cx="7816320" cy="3503880"/>
+            <a:ext cx="7815960" cy="3502440"/>
           </a:xfrm>
           <a:prstGeom prst="rect">
             <a:avLst/>
@@ -5073,7 +4556,7 @@
           <a:fontRef idx="minor"/>
         </p:style>
         <p:txBody>
-          <a:bodyPr>
+          <a:bodyPr lIns="90000" rIns="90000" tIns="45000" bIns="45000">
             <a:spAutoFit/>
           </a:bodyPr>
           <a:p>
@@ -5120,14 +4603,14 @@
       </p:sp>
       <p:sp>
         <p:nvSpPr>
-          <p:cNvPr id="155" name="Espaço Reservado para Número de Slide 10"/>
-          <p:cNvSpPr txBox="1"/>
+          <p:cNvPr id="149" name="Espaço Reservado para Número de Slide 10"/>
+          <p:cNvSpPr/>
           <p:nvPr/>
         </p:nvSpPr>
         <p:spPr>
           <a:xfrm>
             <a:off x="6780960" y="11865240"/>
-            <a:ext cx="2160000" cy="681120"/>
+            <a:ext cx="2159640" cy="680760"/>
           </a:xfrm>
           <a:prstGeom prst="rect">
             <a:avLst/>
@@ -5137,8 +4620,14 @@
             <a:noFill/>
           </a:ln>
         </p:spPr>
-        <p:txBody>
-          <a:bodyPr anchor="ctr">
+        <p:style>
+          <a:lnRef idx="0"/>
+          <a:fillRef idx="0"/>
+          <a:effectRef idx="0"/>
+          <a:fontRef idx="minor"/>
+        </p:style>
+        <p:txBody>
+          <a:bodyPr lIns="90000" rIns="90000" tIns="45000" bIns="45000" anchor="ctr">
             <a:noAutofit/>
           </a:bodyPr>
           <a:p>
@@ -5147,7 +4636,7 @@
                 <a:spcPct val="100000"/>
               </a:lnSpc>
             </a:pPr>
-            <a:fld id="{1B84E985-CDAA-47B4-96AC-4FD5EC8A95E4}" type="slidenum">
+            <a:fld id="{8A420407-832C-4338-B5D5-AE06FF0D0D1B}" type="slidenum">
               <a:rPr b="0" lang="pt-BR" sz="900" spc="-1" strike="noStrike">
                 <a:solidFill>
                   <a:srgbClr val="8b8b8b"/>
@@ -5157,21 +4646,21 @@
               <a:t>&lt;número&gt;</a:t>
             </a:fld>
             <a:endParaRPr b="0" lang="pt-BR" sz="900" spc="-1" strike="noStrike">
-              <a:latin typeface="Times New Roman"/>
-            </a:endParaRPr>
-          </a:p>
-        </p:txBody>
-      </p:sp>
-      <p:sp>
-        <p:nvSpPr>
-          <p:cNvPr id="156" name="Seta: Divisa 7"/>
+              <a:latin typeface="Arial"/>
+            </a:endParaRPr>
+          </a:p>
+        </p:txBody>
+      </p:sp>
+      <p:sp>
+        <p:nvSpPr>
+          <p:cNvPr id="150" name="Seta: Divisa 7"/>
           <p:cNvSpPr/>
           <p:nvPr/>
         </p:nvSpPr>
         <p:spPr>
           <a:xfrm>
             <a:off x="684000" y="366480"/>
-            <a:ext cx="1025640" cy="1099080"/>
+            <a:ext cx="1025280" cy="1098720"/>
           </a:xfrm>
           <a:prstGeom prst="chevron">
             <a:avLst>
@@ -5202,14 +4691,14 @@
       </p:sp>
       <p:sp>
         <p:nvSpPr>
-          <p:cNvPr id="157" name="Espaço Reservado para Rodapé 4"/>
-          <p:cNvSpPr txBox="1"/>
+          <p:cNvPr id="151" name="Espaço Reservado para Rodapé 4"/>
+          <p:cNvSpPr/>
           <p:nvPr/>
         </p:nvSpPr>
         <p:spPr>
           <a:xfrm>
             <a:off x="3180240" y="11865240"/>
-            <a:ext cx="3240000" cy="681120"/>
+            <a:ext cx="3239640" cy="680760"/>
           </a:xfrm>
           <a:prstGeom prst="rect">
             <a:avLst/>
@@ -5219,8 +4708,14 @@
             <a:noFill/>
           </a:ln>
         </p:spPr>
-        <p:txBody>
-          <a:bodyPr anchor="ctr">
+        <p:style>
+          <a:lnRef idx="0"/>
+          <a:fillRef idx="0"/>
+          <a:effectRef idx="0"/>
+          <a:fontRef idx="minor"/>
+        </p:style>
+        <p:txBody>
+          <a:bodyPr lIns="90000" rIns="90000" tIns="45000" bIns="45000" anchor="ctr">
             <a:noAutofit/>
           </a:bodyPr>
           <a:p>
@@ -5239,7 +4734,7 @@
               <a:t>Ebook ITIL</a:t>
             </a:r>
             <a:endParaRPr b="0" lang="pt-BR" sz="900" spc="-1" strike="noStrike">
-              <a:latin typeface="Times New Roman"/>
+              <a:latin typeface="Arial"/>
             </a:endParaRPr>
           </a:p>
         </p:txBody>
@@ -5276,14 +4771,14 @@
       </p:grpSpPr>
       <p:sp>
         <p:nvSpPr>
-          <p:cNvPr id="158" name="texto_componente"/>
+          <p:cNvPr id="152" name="texto_componente"/>
           <p:cNvSpPr/>
           <p:nvPr/>
         </p:nvSpPr>
         <p:spPr>
           <a:xfrm rot="21595800">
-            <a:off x="1114920" y="2153880"/>
-            <a:ext cx="7171920" cy="11429640"/>
+            <a:off x="1114920" y="2153520"/>
+            <a:ext cx="7171560" cy="11428920"/>
           </a:xfrm>
           <a:prstGeom prst="rect">
             <a:avLst/>
@@ -5300,7 +4795,7 @@
           <a:fontRef idx="minor"/>
         </p:style>
         <p:txBody>
-          <a:bodyPr>
+          <a:bodyPr lIns="90000" rIns="90000" tIns="45000" bIns="45000">
             <a:spAutoFit/>
           </a:bodyPr>
           <a:p>
@@ -5617,58 +5112,14 @@
       </p:sp>
       <p:sp>
         <p:nvSpPr>
-          <p:cNvPr id="159" name="Espaço Reservado para Número de Slide 10"/>
-          <p:cNvSpPr txBox="1"/>
+          <p:cNvPr id="153" name="Espaço Reservado para Número de Slide 10"/>
+          <p:cNvSpPr/>
           <p:nvPr/>
         </p:nvSpPr>
         <p:spPr>
           <a:xfrm>
             <a:off x="6780960" y="11865240"/>
-            <a:ext cx="2160000" cy="681120"/>
-          </a:xfrm>
-          <a:prstGeom prst="rect">
-            <a:avLst/>
-          </a:prstGeom>
-          <a:noFill/>
-          <a:ln w="0">
-            <a:noFill/>
-          </a:ln>
-        </p:spPr>
-        <p:txBody>
-          <a:bodyPr anchor="ctr">
-            <a:noAutofit/>
-          </a:bodyPr>
-          <a:p>
-            <a:pPr algn="r">
-              <a:lnSpc>
-                <a:spcPct val="100000"/>
-              </a:lnSpc>
-            </a:pPr>
-            <a:fld id="{FBD37D04-007A-4ECA-9719-70FAC114892B}" type="slidenum">
-              <a:rPr b="0" lang="pt-BR" sz="900" spc="-1" strike="noStrike">
-                <a:solidFill>
-                  <a:srgbClr val="8b8b8b"/>
-                </a:solidFill>
-                <a:latin typeface="Calibri"/>
-              </a:rPr>
-              <a:t>&lt;número&gt;</a:t>
-            </a:fld>
-            <a:endParaRPr b="0" lang="pt-BR" sz="900" spc="-1" strike="noStrike">
-              <a:latin typeface="Times New Roman"/>
-            </a:endParaRPr>
-          </a:p>
-        </p:txBody>
-      </p:sp>
-      <p:sp>
-        <p:nvSpPr>
-          <p:cNvPr id="160" name="titulo_componente"/>
-          <p:cNvSpPr/>
-          <p:nvPr/>
-        </p:nvSpPr>
-        <p:spPr>
-          <a:xfrm>
-            <a:off x="1743480" y="778320"/>
-            <a:ext cx="6730200" cy="1371600"/>
+            <a:ext cx="2159640" cy="680760"/>
           </a:xfrm>
           <a:prstGeom prst="rect">
             <a:avLst/>
@@ -5685,7 +5136,57 @@
           <a:fontRef idx="minor"/>
         </p:style>
         <p:txBody>
-          <a:bodyPr>
+          <a:bodyPr lIns="90000" rIns="90000" tIns="45000" bIns="45000" anchor="ctr">
+            <a:noAutofit/>
+          </a:bodyPr>
+          <a:p>
+            <a:pPr algn="r">
+              <a:lnSpc>
+                <a:spcPct val="100000"/>
+              </a:lnSpc>
+            </a:pPr>
+            <a:fld id="{16C474F1-774D-41B6-8397-E34559F54F34}" type="slidenum">
+              <a:rPr b="0" lang="pt-BR" sz="900" spc="-1" strike="noStrike">
+                <a:solidFill>
+                  <a:srgbClr val="8b8b8b"/>
+                </a:solidFill>
+                <a:latin typeface="Calibri"/>
+              </a:rPr>
+              <a:t>&lt;número&gt;</a:t>
+            </a:fld>
+            <a:endParaRPr b="0" lang="pt-BR" sz="900" spc="-1" strike="noStrike">
+              <a:latin typeface="Arial"/>
+            </a:endParaRPr>
+          </a:p>
+        </p:txBody>
+      </p:sp>
+      <p:sp>
+        <p:nvSpPr>
+          <p:cNvPr id="154" name="titulo_componente"/>
+          <p:cNvSpPr/>
+          <p:nvPr/>
+        </p:nvSpPr>
+        <p:spPr>
+          <a:xfrm>
+            <a:off x="1743480" y="778320"/>
+            <a:ext cx="6729840" cy="1309320"/>
+          </a:xfrm>
+          <a:prstGeom prst="rect">
+            <a:avLst/>
+          </a:prstGeom>
+          <a:noFill/>
+          <a:ln w="0">
+            <a:noFill/>
+          </a:ln>
+        </p:spPr>
+        <p:style>
+          <a:lnRef idx="0"/>
+          <a:fillRef idx="0"/>
+          <a:effectRef idx="0"/>
+          <a:fontRef idx="minor"/>
+        </p:style>
+        <p:txBody>
+          <a:bodyPr lIns="90000" rIns="90000" tIns="45000" bIns="45000">
             <a:spAutoFit/>
           </a:bodyPr>
           <a:p>
@@ -5700,6 +5201,7 @@
                   <a:srgbClr val="660c65"/>
                 </a:solidFill>
                 <a:latin typeface="Impact"/>
+                <a:ea typeface="DejaVu Sans"/>
               </a:rPr>
               <a:t>Melhoria Contínua do Serviço</a:t>
             </a:r>
@@ -5721,7 +5223,7 @@
       </p:sp>
       <p:pic>
         <p:nvPicPr>
-          <p:cNvPr id="161" name="Imagem 7" descr=""/>
+          <p:cNvPr id="155" name="Imagem 7" descr=""/>
           <p:cNvPicPr/>
           <p:nvPr/>
         </p:nvPicPr>
@@ -5732,7 +5234,7 @@
         <p:spPr>
           <a:xfrm>
             <a:off x="2700000" y="9437400"/>
-            <a:ext cx="2952360" cy="1542600"/>
+            <a:ext cx="2952000" cy="1542240"/>
           </a:xfrm>
           <a:prstGeom prst="rect">
             <a:avLst/>
@@ -5744,14 +5246,14 @@
       </p:pic>
       <p:sp>
         <p:nvSpPr>
-          <p:cNvPr id="162" name="Seta: Divisa 3"/>
+          <p:cNvPr id="156" name="Seta: Divisa 3"/>
           <p:cNvSpPr/>
           <p:nvPr/>
         </p:nvSpPr>
         <p:spPr>
           <a:xfrm>
             <a:off x="684000" y="366480"/>
-            <a:ext cx="1025640" cy="1099080"/>
+            <a:ext cx="1025280" cy="1098720"/>
           </a:xfrm>
           <a:prstGeom prst="chevron">
             <a:avLst>
@@ -5782,14 +5284,14 @@
       </p:sp>
       <p:sp>
         <p:nvSpPr>
-          <p:cNvPr id="163" name="Espaço Reservado para Rodapé 4"/>
-          <p:cNvSpPr txBox="1"/>
+          <p:cNvPr id="157" name="Espaço Reservado para Rodapé 4"/>
+          <p:cNvSpPr/>
           <p:nvPr/>
         </p:nvSpPr>
         <p:spPr>
           <a:xfrm>
             <a:off x="3180240" y="11865240"/>
-            <a:ext cx="3240000" cy="681120"/>
+            <a:ext cx="3239640" cy="680760"/>
           </a:xfrm>
           <a:prstGeom prst="rect">
             <a:avLst/>
@@ -5799,8 +5301,14 @@
             <a:noFill/>
           </a:ln>
         </p:spPr>
-        <p:txBody>
-          <a:bodyPr anchor="ctr">
+        <p:style>
+          <a:lnRef idx="0"/>
+          <a:fillRef idx="0"/>
+          <a:effectRef idx="0"/>
+          <a:fontRef idx="minor"/>
+        </p:style>
+        <p:txBody>
+          <a:bodyPr lIns="90000" rIns="90000" tIns="45000" bIns="45000" anchor="ctr">
             <a:noAutofit/>
           </a:bodyPr>
           <a:p>
@@ -5819,7 +5327,7 @@
               <a:t>Ebook ITIL</a:t>
             </a:r>
             <a:endParaRPr b="0" lang="pt-BR" sz="900" spc="-1" strike="noStrike">
-              <a:latin typeface="Times New Roman"/>
+              <a:latin typeface="Arial"/>
             </a:endParaRPr>
           </a:p>
         </p:txBody>
@@ -5856,14 +5364,14 @@
       </p:grpSpPr>
       <p:sp>
         <p:nvSpPr>
-          <p:cNvPr id="164" name="texto_componente"/>
+          <p:cNvPr id="158" name="texto_componente"/>
           <p:cNvSpPr/>
           <p:nvPr/>
         </p:nvSpPr>
         <p:spPr>
           <a:xfrm>
             <a:off x="1193400" y="2014920"/>
-            <a:ext cx="6961320" cy="5578200"/>
+            <a:ext cx="6960960" cy="5485320"/>
           </a:xfrm>
           <a:prstGeom prst="rect">
             <a:avLst/>
@@ -5880,7 +5388,7 @@
           <a:fontRef idx="minor"/>
         </p:style>
         <p:txBody>
-          <a:bodyPr>
+          <a:bodyPr lIns="90000" rIns="90000" tIns="45000" bIns="45000">
             <a:spAutoFit/>
           </a:bodyPr>
           <a:p>
@@ -5896,6 +5404,7 @@
                   <a:srgbClr val="000000"/>
                 </a:solidFill>
                 <a:latin typeface="Calibri"/>
+                <a:ea typeface="DejaVu Sans"/>
               </a:rPr>
               <a:t>O ITIL é uma framework abrangente para a gestão de serviços de TI, cobrindo todo o ciclo de vida desde a estratégia até a melhoria contínua. Implementar as melhores práticas do ITIL pode ajudar as organizações a entregar serviços de TI de alta qualidade, alinhados às necessidades do negócio.</a:t>
             </a:r>
@@ -5947,14 +5456,14 @@
       </p:sp>
       <p:sp>
         <p:nvSpPr>
-          <p:cNvPr id="165" name="titulo_componente"/>
+          <p:cNvPr id="159" name="titulo_componente"/>
           <p:cNvSpPr/>
           <p:nvPr/>
         </p:nvSpPr>
         <p:spPr>
           <a:xfrm>
             <a:off x="2269440" y="777960"/>
-            <a:ext cx="8302320" cy="701280"/>
+            <a:ext cx="8301960" cy="699840"/>
           </a:xfrm>
           <a:prstGeom prst="rect">
             <a:avLst/>
@@ -5971,7 +5480,7 @@
           <a:fontRef idx="minor"/>
         </p:style>
         <p:txBody>
-          <a:bodyPr>
+          <a:bodyPr lIns="90000" rIns="90000" tIns="45000" bIns="45000">
             <a:spAutoFit/>
           </a:bodyPr>
           <a:p>
@@ -5986,6 +5495,7 @@
                   <a:srgbClr val="660c65"/>
                 </a:solidFill>
                 <a:latin typeface="Impact"/>
+                <a:ea typeface="DejaVu Sans"/>
               </a:rPr>
               <a:t>Conclusão</a:t>
             </a:r>
@@ -5997,14 +5507,14 @@
       </p:sp>
       <p:sp>
         <p:nvSpPr>
-          <p:cNvPr id="166" name="Espaço Reservado para Número de Slide 11"/>
-          <p:cNvSpPr txBox="1"/>
+          <p:cNvPr id="160" name="Espaço Reservado para Número de Slide 11"/>
+          <p:cNvSpPr/>
           <p:nvPr/>
         </p:nvSpPr>
         <p:spPr>
           <a:xfrm>
             <a:off x="6780960" y="11865240"/>
-            <a:ext cx="2160000" cy="681120"/>
+            <a:ext cx="2159640" cy="680760"/>
           </a:xfrm>
           <a:prstGeom prst="rect">
             <a:avLst/>
@@ -6014,8 +5524,14 @@
             <a:noFill/>
           </a:ln>
         </p:spPr>
-        <p:txBody>
-          <a:bodyPr anchor="ctr">
+        <p:style>
+          <a:lnRef idx="0"/>
+          <a:fillRef idx="0"/>
+          <a:effectRef idx="0"/>
+          <a:fontRef idx="minor"/>
+        </p:style>
+        <p:txBody>
+          <a:bodyPr lIns="90000" rIns="90000" tIns="45000" bIns="45000" anchor="ctr">
             <a:noAutofit/>
           </a:bodyPr>
           <a:p>
@@ -6024,7 +5540,7 @@
                 <a:spcPct val="100000"/>
               </a:lnSpc>
             </a:pPr>
-            <a:fld id="{D4576EFB-4250-41DD-8D75-B33E4FE152C0}" type="slidenum">
+            <a:fld id="{81B9146E-93E0-4A6D-856A-B4D3F03BE86F}" type="slidenum">
               <a:rPr b="0" lang="pt-BR" sz="900" spc="-1" strike="noStrike">
                 <a:solidFill>
                   <a:srgbClr val="8b8b8b"/>
@@ -6034,21 +5550,21 @@
               <a:t>&lt;número&gt;</a:t>
             </a:fld>
             <a:endParaRPr b="0" lang="pt-BR" sz="900" spc="-1" strike="noStrike">
-              <a:latin typeface="Times New Roman"/>
-            </a:endParaRPr>
-          </a:p>
-        </p:txBody>
-      </p:sp>
-      <p:sp>
-        <p:nvSpPr>
-          <p:cNvPr id="167" name="Seta: Divisa 5"/>
+              <a:latin typeface="Arial"/>
+            </a:endParaRPr>
+          </a:p>
+        </p:txBody>
+      </p:sp>
+      <p:sp>
+        <p:nvSpPr>
+          <p:cNvPr id="161" name="Seta: Divisa 5"/>
           <p:cNvSpPr/>
           <p:nvPr/>
         </p:nvSpPr>
         <p:spPr>
           <a:xfrm>
             <a:off x="684000" y="366480"/>
-            <a:ext cx="1025640" cy="1099080"/>
+            <a:ext cx="1025280" cy="1098720"/>
           </a:xfrm>
           <a:prstGeom prst="chevron">
             <a:avLst>
@@ -6079,14 +5595,14 @@
       </p:sp>
       <p:sp>
         <p:nvSpPr>
-          <p:cNvPr id="168" name="Espaço Reservado para Rodapé 14"/>
-          <p:cNvSpPr txBox="1"/>
+          <p:cNvPr id="162" name="Espaço Reservado para Rodapé 14"/>
+          <p:cNvSpPr/>
           <p:nvPr/>
         </p:nvSpPr>
         <p:spPr>
           <a:xfrm>
             <a:off x="3180240" y="11865240"/>
-            <a:ext cx="3240000" cy="681120"/>
+            <a:ext cx="3239640" cy="680760"/>
           </a:xfrm>
           <a:prstGeom prst="rect">
             <a:avLst/>
@@ -6096,8 +5612,14 @@
             <a:noFill/>
           </a:ln>
         </p:spPr>
-        <p:txBody>
-          <a:bodyPr anchor="ctr">
+        <p:style>
+          <a:lnRef idx="0"/>
+          <a:fillRef idx="0"/>
+          <a:effectRef idx="0"/>
+          <a:fontRef idx="minor"/>
+        </p:style>
+        <p:txBody>
+          <a:bodyPr lIns="90000" rIns="90000" tIns="45000" bIns="45000" anchor="ctr">
             <a:noAutofit/>
           </a:bodyPr>
           <a:p>
@@ -6116,14 +5638,14 @@
               <a:t>Ebook ITIL</a:t>
             </a:r>
             <a:endParaRPr b="0" lang="pt-BR" sz="900" spc="-1" strike="noStrike">
-              <a:latin typeface="Times New Roman"/>
+              <a:latin typeface="Arial"/>
             </a:endParaRPr>
           </a:p>
         </p:txBody>
       </p:sp>
       <p:pic>
         <p:nvPicPr>
-          <p:cNvPr id="169" name="Imagem 4" descr="Gráfico, Diagrama&#10;&#10;Descrição gerada automaticamente"/>
+          <p:cNvPr id="163" name="Imagem 4" descr="Gráfico, Diagrama&#10;&#10;Descrição gerada automaticamente"/>
           <p:cNvPicPr/>
           <p:nvPr/>
         </p:nvPicPr>
@@ -6134,7 +5656,7 @@
         <p:spPr>
           <a:xfrm>
             <a:off x="901440" y="7651440"/>
-            <a:ext cx="7777800" cy="4372560"/>
+            <a:ext cx="7777440" cy="4372200"/>
           </a:xfrm>
           <a:prstGeom prst="rect">
             <a:avLst/>
@@ -6176,14 +5698,14 @@
       </p:grpSpPr>
       <p:sp>
         <p:nvSpPr>
-          <p:cNvPr id="170" name="Retângulo 1"/>
+          <p:cNvPr id="164" name="Retângulo 1"/>
           <p:cNvSpPr/>
           <p:nvPr/>
         </p:nvSpPr>
         <p:spPr>
           <a:xfrm>
             <a:off x="-331920" y="-2068560"/>
-            <a:ext cx="9932760" cy="14869800"/>
+            <a:ext cx="9932400" cy="14869440"/>
           </a:xfrm>
           <a:prstGeom prst="rect">
             <a:avLst/>
@@ -6215,14 +5737,14 @@
       </p:sp>
       <p:sp>
         <p:nvSpPr>
-          <p:cNvPr id="171" name="titulo_componente"/>
+          <p:cNvPr id="165" name="titulo_componente"/>
           <p:cNvSpPr/>
           <p:nvPr/>
         </p:nvSpPr>
         <p:spPr>
           <a:xfrm>
             <a:off x="1018440" y="4477680"/>
-            <a:ext cx="7913880" cy="1189080"/>
+            <a:ext cx="7913520" cy="1187640"/>
           </a:xfrm>
           <a:prstGeom prst="rect">
             <a:avLst/>
@@ -6239,7 +5761,7 @@
           <a:fontRef idx="minor"/>
         </p:style>
         <p:txBody>
-          <a:bodyPr>
+          <a:bodyPr lIns="90000" rIns="90000" tIns="45000" bIns="45000">
             <a:spAutoFit/>
           </a:bodyPr>
           <a:p>
@@ -6254,6 +5776,7 @@
                   <a:srgbClr val="660c65"/>
                 </a:solidFill>
                 <a:latin typeface="Impact"/>
+                <a:ea typeface="DejaVu Sans"/>
               </a:rPr>
               <a:t>A</a:t>
             </a:r>
@@ -6263,6 +5786,7 @@
                   <a:srgbClr val="660c65"/>
                 </a:solidFill>
                 <a:latin typeface="Impact"/>
+                <a:ea typeface="DejaVu Sans"/>
               </a:rPr>
               <a:t>gradecimentos</a:t>
             </a:r>
@@ -6274,14 +5798,14 @@
       </p:sp>
       <p:sp>
         <p:nvSpPr>
-          <p:cNvPr id="172" name="Espaço Reservado para Rodapé 9"/>
-          <p:cNvSpPr txBox="1"/>
+          <p:cNvPr id="166" name="Espaço Reservado para Rodapé 9"/>
+          <p:cNvSpPr/>
           <p:nvPr/>
         </p:nvSpPr>
         <p:spPr>
           <a:xfrm>
             <a:off x="3180240" y="11865240"/>
-            <a:ext cx="3240000" cy="681120"/>
+            <a:ext cx="3239640" cy="680760"/>
           </a:xfrm>
           <a:prstGeom prst="rect">
             <a:avLst/>
@@ -6291,8 +5815,14 @@
             <a:noFill/>
           </a:ln>
         </p:spPr>
-        <p:txBody>
-          <a:bodyPr anchor="ctr">
+        <p:style>
+          <a:lnRef idx="0"/>
+          <a:fillRef idx="0"/>
+          <a:effectRef idx="0"/>
+          <a:fontRef idx="minor"/>
+        </p:style>
+        <p:txBody>
+          <a:bodyPr lIns="90000" rIns="90000" tIns="45000" bIns="45000" anchor="ctr">
             <a:noAutofit/>
           </a:bodyPr>
           <a:p>
@@ -6311,21 +5841,21 @@
               <a:t>Ebook ITIL</a:t>
             </a:r>
             <a:endParaRPr b="0" lang="pt-BR" sz="900" spc="-1" strike="noStrike">
-              <a:latin typeface="Times New Roman"/>
-            </a:endParaRPr>
-          </a:p>
-        </p:txBody>
-      </p:sp>
-      <p:sp>
-        <p:nvSpPr>
-          <p:cNvPr id="173" name="Espaço Reservado para Número de Slide 10"/>
-          <p:cNvSpPr txBox="1"/>
+              <a:latin typeface="Arial"/>
+            </a:endParaRPr>
+          </a:p>
+        </p:txBody>
+      </p:sp>
+      <p:sp>
+        <p:nvSpPr>
+          <p:cNvPr id="167" name="Espaço Reservado para Número de Slide 10"/>
+          <p:cNvSpPr/>
           <p:nvPr/>
         </p:nvSpPr>
         <p:spPr>
           <a:xfrm>
             <a:off x="6780960" y="11865240"/>
-            <a:ext cx="2160000" cy="681120"/>
+            <a:ext cx="2159640" cy="680760"/>
           </a:xfrm>
           <a:prstGeom prst="rect">
             <a:avLst/>
@@ -6335,8 +5865,14 @@
             <a:noFill/>
           </a:ln>
         </p:spPr>
-        <p:txBody>
-          <a:bodyPr anchor="ctr">
+        <p:style>
+          <a:lnRef idx="0"/>
+          <a:fillRef idx="0"/>
+          <a:effectRef idx="0"/>
+          <a:fontRef idx="minor"/>
+        </p:style>
+        <p:txBody>
+          <a:bodyPr lIns="90000" rIns="90000" tIns="45000" bIns="45000" anchor="ctr">
             <a:noAutofit/>
           </a:bodyPr>
           <a:p>
@@ -6345,7 +5881,7 @@
                 <a:spcPct val="100000"/>
               </a:lnSpc>
             </a:pPr>
-            <a:fld id="{8EB86B7D-8250-4DE6-8055-F865BB87D61C}" type="slidenum">
+            <a:fld id="{35EF60AB-5F38-40CB-BC72-CDD98956E0C7}" type="slidenum">
               <a:rPr b="0" lang="pt-BR" sz="900" spc="-1" strike="noStrike">
                 <a:solidFill>
                   <a:srgbClr val="8b8b8b"/>
@@ -6355,14 +5891,14 @@
               <a:t>&lt;número&gt;</a:t>
             </a:fld>
             <a:endParaRPr b="0" lang="pt-BR" sz="900" spc="-1" strike="noStrike">
-              <a:latin typeface="Times New Roman"/>
+              <a:latin typeface="Arial"/>
             </a:endParaRPr>
           </a:p>
         </p:txBody>
       </p:sp>
       <p:pic>
         <p:nvPicPr>
-          <p:cNvPr id="174" name="Imagem 3" descr=""/>
+          <p:cNvPr id="168" name="Imagem 3" descr=""/>
           <p:cNvPicPr/>
           <p:nvPr/>
         </p:nvPicPr>
@@ -6373,7 +5909,7 @@
         <p:spPr>
           <a:xfrm>
             <a:off x="3324240" y="8088120"/>
-            <a:ext cx="2952360" cy="1542600"/>
+            <a:ext cx="2952000" cy="1542240"/>
           </a:xfrm>
           <a:prstGeom prst="rect">
             <a:avLst/>
@@ -6415,14 +5951,14 @@
       </p:grpSpPr>
       <p:sp>
         <p:nvSpPr>
-          <p:cNvPr id="175" name="texto_componente"/>
+          <p:cNvPr id="169" name="texto_componente"/>
           <p:cNvSpPr/>
           <p:nvPr/>
         </p:nvSpPr>
         <p:spPr>
           <a:xfrm>
             <a:off x="870840" y="2822040"/>
-            <a:ext cx="7816320" cy="3869640"/>
+            <a:ext cx="7815960" cy="3989160"/>
           </a:xfrm>
           <a:prstGeom prst="rect">
             <a:avLst/>
@@ -6439,7 +5975,7 @@
           <a:fontRef idx="minor"/>
         </p:style>
         <p:txBody>
-          <a:bodyPr>
+          <a:bodyPr lIns="90000" rIns="90000" tIns="45000" bIns="45000">
             <a:spAutoFit/>
           </a:bodyPr>
           <a:p>
@@ -6454,6 +5990,7 @@
                   <a:srgbClr val="000000"/>
                 </a:solidFill>
                 <a:latin typeface="Calibri"/>
+                <a:ea typeface="DejaVu Sans"/>
               </a:rPr>
               <a:t>Esse Ebook foi gerado por IA, e diagramado por humano.</a:t>
             </a:r>
@@ -6464,6 +6001,7 @@
                   <a:srgbClr val="000000"/>
                 </a:solidFill>
                 <a:latin typeface="Calibri"/>
+                <a:ea typeface="DejaVu Sans"/>
               </a:rPr>
               <a:t>O passo a passo se encontra no meu Github</a:t>
             </a:r>
@@ -6516,14 +6054,14 @@
       </p:sp>
       <p:sp>
         <p:nvSpPr>
-          <p:cNvPr id="176" name="titulo_componente"/>
+          <p:cNvPr id="170" name="titulo_componente"/>
           <p:cNvSpPr/>
           <p:nvPr/>
         </p:nvSpPr>
         <p:spPr>
           <a:xfrm>
             <a:off x="2269440" y="777960"/>
-            <a:ext cx="8302320" cy="701280"/>
+            <a:ext cx="8301960" cy="699840"/>
           </a:xfrm>
           <a:prstGeom prst="rect">
             <a:avLst/>
@@ -6540,7 +6078,7 @@
           <a:fontRef idx="minor"/>
         </p:style>
         <p:txBody>
-          <a:bodyPr>
+          <a:bodyPr lIns="90000" rIns="90000" tIns="45000" bIns="45000">
             <a:spAutoFit/>
           </a:bodyPr>
           <a:p>
@@ -6555,6 +6093,7 @@
                   <a:srgbClr val="660c65"/>
                 </a:solidFill>
                 <a:latin typeface="Impact"/>
+                <a:ea typeface="DejaVu Sans"/>
               </a:rPr>
               <a:t>Obrigado por ler até aqui</a:t>
             </a:r>
@@ -6566,14 +6105,14 @@
       </p:sp>
       <p:sp>
         <p:nvSpPr>
-          <p:cNvPr id="177" name="Espaço Reservado para Número de Slide 11"/>
-          <p:cNvSpPr txBox="1"/>
+          <p:cNvPr id="171" name="Espaço Reservado para Número de Slide 11"/>
+          <p:cNvSpPr/>
           <p:nvPr/>
         </p:nvSpPr>
         <p:spPr>
           <a:xfrm>
             <a:off x="6780960" y="11865240"/>
-            <a:ext cx="2160000" cy="681120"/>
+            <a:ext cx="2159640" cy="680760"/>
           </a:xfrm>
           <a:prstGeom prst="rect">
             <a:avLst/>
@@ -6583,8 +6122,14 @@
             <a:noFill/>
           </a:ln>
         </p:spPr>
-        <p:txBody>
-          <a:bodyPr anchor="ctr">
+        <p:style>
+          <a:lnRef idx="0"/>
+          <a:fillRef idx="0"/>
+          <a:effectRef idx="0"/>
+          <a:fontRef idx="minor"/>
+        </p:style>
+        <p:txBody>
+          <a:bodyPr lIns="90000" rIns="90000" tIns="45000" bIns="45000" anchor="ctr">
             <a:noAutofit/>
           </a:bodyPr>
           <a:p>
@@ -6593,7 +6138,7 @@
                 <a:spcPct val="100000"/>
               </a:lnSpc>
             </a:pPr>
-            <a:fld id="{02C360C5-3446-4C33-959D-253535CF23BE}" type="slidenum">
+            <a:fld id="{EB70BD06-3DC9-42CC-8FA5-92E5327C869A}" type="slidenum">
               <a:rPr b="0" lang="pt-BR" sz="900" spc="-1" strike="noStrike">
                 <a:solidFill>
                   <a:srgbClr val="8b8b8b"/>
@@ -6603,21 +6148,21 @@
               <a:t>&lt;número&gt;</a:t>
             </a:fld>
             <a:endParaRPr b="0" lang="pt-BR" sz="900" spc="-1" strike="noStrike">
-              <a:latin typeface="Times New Roman"/>
-            </a:endParaRPr>
-          </a:p>
-        </p:txBody>
-      </p:sp>
-      <p:sp>
-        <p:nvSpPr>
-          <p:cNvPr id="178" name="Retângulo 7"/>
+              <a:latin typeface="Arial"/>
+            </a:endParaRPr>
+          </a:p>
+        </p:txBody>
+      </p:sp>
+      <p:sp>
+        <p:nvSpPr>
+          <p:cNvPr id="172" name="Retângulo 7"/>
           <p:cNvSpPr/>
           <p:nvPr/>
         </p:nvSpPr>
         <p:spPr>
           <a:xfrm>
-            <a:off x="870840" y="8711280"/>
-            <a:ext cx="7562520" cy="646200"/>
+            <a:off x="537840" y="9000000"/>
+            <a:ext cx="7562160" cy="1080000"/>
           </a:xfrm>
           <a:prstGeom prst="rect">
             <a:avLst/>
@@ -6658,9 +6203,10 @@
                 </a:solidFill>
                 <a:uFillTx/>
                 <a:latin typeface="Calibri"/>
+                <a:ea typeface="DejaVu Sans"/>
                 <a:hlinkClick r:id="rId1"/>
               </a:rPr>
-              <a:t>https://github.com/felipeAguiarCode/prompts-recipe-to-create-a-ebook</a:t>
+              <a:t>https://github.com/MacedoElis/Ebook-IA</a:t>
             </a:r>
             <a:endParaRPr b="0" lang="pt-BR" sz="1800" spc="-1" strike="noStrike">
               <a:latin typeface="Arial"/>
@@ -6670,7 +6216,7 @@
       </p:sp>
       <p:pic>
         <p:nvPicPr>
-          <p:cNvPr id="179" name="Picture 2" descr="GitHub Logos and Usage · GitHub"/>
+          <p:cNvPr id="173" name="Picture 2" descr="GitHub Logos and Usage · GitHub"/>
           <p:cNvPicPr/>
           <p:nvPr/>
         </p:nvPicPr>
@@ -6681,7 +6227,7 @@
         <p:spPr>
           <a:xfrm>
             <a:off x="3840840" y="6717240"/>
-            <a:ext cx="1676160" cy="1676160"/>
+            <a:ext cx="1675800" cy="1675800"/>
           </a:xfrm>
           <a:prstGeom prst="rect">
             <a:avLst/>
@@ -6693,14 +6239,14 @@
       </p:pic>
       <p:sp>
         <p:nvSpPr>
-          <p:cNvPr id="180" name="Seta: Divisa 5"/>
+          <p:cNvPr id="174" name="Seta: Divisa 5"/>
           <p:cNvSpPr/>
           <p:nvPr/>
         </p:nvSpPr>
         <p:spPr>
           <a:xfrm>
             <a:off x="684000" y="366480"/>
-            <a:ext cx="1025640" cy="1099080"/>
+            <a:ext cx="1025280" cy="1098720"/>
           </a:xfrm>
           <a:prstGeom prst="chevron">
             <a:avLst>
@@ -6731,14 +6277,14 @@
       </p:sp>
       <p:sp>
         <p:nvSpPr>
-          <p:cNvPr id="181" name="Espaço Reservado para Rodapé 8"/>
-          <p:cNvSpPr txBox="1"/>
+          <p:cNvPr id="175" name="Espaço Reservado para Rodapé 8"/>
+          <p:cNvSpPr/>
           <p:nvPr/>
         </p:nvSpPr>
         <p:spPr>
           <a:xfrm>
             <a:off x="3180240" y="11865240"/>
-            <a:ext cx="3240000" cy="681120"/>
+            <a:ext cx="3239640" cy="680760"/>
           </a:xfrm>
           <a:prstGeom prst="rect">
             <a:avLst/>
@@ -6748,8 +6294,14 @@
             <a:noFill/>
           </a:ln>
         </p:spPr>
-        <p:txBody>
-          <a:bodyPr anchor="ctr">
+        <p:style>
+          <a:lnRef idx="0"/>
+          <a:fillRef idx="0"/>
+          <a:effectRef idx="0"/>
+          <a:fontRef idx="minor"/>
+        </p:style>
+        <p:txBody>
+          <a:bodyPr lIns="90000" rIns="90000" tIns="45000" bIns="45000" anchor="ctr">
             <a:noAutofit/>
           </a:bodyPr>
           <a:p>
@@ -6768,7 +6320,7 @@
               <a:t>Ebook ITIL</a:t>
             </a:r>
             <a:endParaRPr b="0" lang="pt-BR" sz="900" spc="-1" strike="noStrike">
-              <a:latin typeface="Times New Roman"/>
+              <a:latin typeface="Arial"/>
             </a:endParaRPr>
           </a:p>
         </p:txBody>
@@ -6805,14 +6357,14 @@
       </p:grpSpPr>
       <p:sp>
         <p:nvSpPr>
-          <p:cNvPr id="92" name="texto_componente"/>
+          <p:cNvPr id="86" name="texto_componente"/>
           <p:cNvSpPr/>
           <p:nvPr/>
         </p:nvSpPr>
         <p:spPr>
           <a:xfrm>
             <a:off x="682560" y="3510000"/>
-            <a:ext cx="7816320" cy="4480920"/>
+            <a:ext cx="7815960" cy="4479480"/>
           </a:xfrm>
           <a:prstGeom prst="rect">
             <a:avLst/>
@@ -6829,7 +6381,7 @@
           <a:fontRef idx="minor"/>
         </p:style>
         <p:txBody>
-          <a:bodyPr>
+          <a:bodyPr lIns="90000" rIns="90000" tIns="45000" bIns="45000">
             <a:spAutoFit/>
           </a:bodyPr>
           <a:p>
@@ -6886,14 +6438,14 @@
       </p:sp>
       <p:sp>
         <p:nvSpPr>
-          <p:cNvPr id="93" name="titulo_componente"/>
+          <p:cNvPr id="87" name="titulo_componente"/>
           <p:cNvSpPr/>
           <p:nvPr/>
         </p:nvSpPr>
         <p:spPr>
           <a:xfrm>
             <a:off x="2080080" y="777960"/>
-            <a:ext cx="7816320" cy="701280"/>
+            <a:ext cx="7815960" cy="699840"/>
           </a:xfrm>
           <a:prstGeom prst="rect">
             <a:avLst/>
@@ -6910,7 +6462,7 @@
           <a:fontRef idx="minor"/>
         </p:style>
         <p:txBody>
-          <a:bodyPr>
+          <a:bodyPr lIns="90000" rIns="90000" tIns="45000" bIns="45000">
             <a:spAutoFit/>
           </a:bodyPr>
           <a:p>
@@ -6925,6 +6477,7 @@
                   <a:srgbClr val="660c65"/>
                 </a:solidFill>
                 <a:latin typeface="Impact"/>
+                <a:ea typeface="DejaVu Sans"/>
               </a:rPr>
               <a:t>Ciclo de vida do Serviço</a:t>
             </a:r>
@@ -6936,14 +6489,14 @@
       </p:sp>
       <p:sp>
         <p:nvSpPr>
-          <p:cNvPr id="94" name="subtitulo_componente"/>
+          <p:cNvPr id="88" name="subtitulo_componente"/>
           <p:cNvSpPr/>
           <p:nvPr/>
         </p:nvSpPr>
         <p:spPr>
           <a:xfrm>
             <a:off x="897840" y="2123280"/>
-            <a:ext cx="7816320" cy="1066680"/>
+            <a:ext cx="7815960" cy="1065240"/>
           </a:xfrm>
           <a:prstGeom prst="rect">
             <a:avLst/>
@@ -6960,7 +6513,7 @@
           <a:fontRef idx="minor"/>
         </p:style>
         <p:txBody>
-          <a:bodyPr>
+          <a:bodyPr lIns="90000" rIns="90000" tIns="45000" bIns="45000">
             <a:spAutoFit/>
           </a:bodyPr>
           <a:p>
@@ -6975,6 +6528,7 @@
                   <a:srgbClr val="660c65"/>
                 </a:solidFill>
                 <a:latin typeface="Calibri Light"/>
+                <a:ea typeface="DejaVu Sans"/>
               </a:rPr>
               <a:t>Introdução ao ITIL e o Ciclo de Vida do Serviço</a:t>
             </a:r>
@@ -6984,6 +6538,7 @@
                   <a:srgbClr val="000000"/>
                 </a:solidFill>
                 <a:latin typeface="Calibri Light"/>
+                <a:ea typeface="DejaVu Sans"/>
               </a:rPr>
               <a:t>.</a:t>
             </a:r>
@@ -7005,14 +6560,14 @@
       </p:sp>
       <p:sp>
         <p:nvSpPr>
-          <p:cNvPr id="95" name="Espaço Reservado para Número de Slide 10"/>
-          <p:cNvSpPr txBox="1"/>
+          <p:cNvPr id="89" name="Espaço Reservado para Número de Slide 10"/>
+          <p:cNvSpPr/>
           <p:nvPr/>
         </p:nvSpPr>
         <p:spPr>
           <a:xfrm>
             <a:off x="6780960" y="11865240"/>
-            <a:ext cx="2160000" cy="681120"/>
+            <a:ext cx="2159640" cy="680760"/>
           </a:xfrm>
           <a:prstGeom prst="rect">
             <a:avLst/>
@@ -7022,8 +6577,14 @@
             <a:noFill/>
           </a:ln>
         </p:spPr>
-        <p:txBody>
-          <a:bodyPr anchor="ctr">
+        <p:style>
+          <a:lnRef idx="0"/>
+          <a:fillRef idx="0"/>
+          <a:effectRef idx="0"/>
+          <a:fontRef idx="minor"/>
+        </p:style>
+        <p:txBody>
+          <a:bodyPr lIns="90000" rIns="90000" tIns="45000" bIns="45000" anchor="ctr">
             <a:noAutofit/>
           </a:bodyPr>
           <a:p>
@@ -7032,7 +6593,7 @@
                 <a:spcPct val="100000"/>
               </a:lnSpc>
             </a:pPr>
-            <a:fld id="{B0E7E9F9-5337-4158-A398-AA3F5B8116DC}" type="slidenum">
+            <a:fld id="{2DC6BEF9-23EA-4E09-A618-F218EDD5FB46}" type="slidenum">
               <a:rPr b="0" lang="pt-BR" sz="900" spc="-1" strike="noStrike">
                 <a:solidFill>
                   <a:srgbClr val="8b8b8b"/>
@@ -7042,14 +6603,14 @@
               <a:t>&lt;número&gt;</a:t>
             </a:fld>
             <a:endParaRPr b="0" lang="pt-BR" sz="900" spc="-1" strike="noStrike">
-              <a:latin typeface="Times New Roman"/>
+              <a:latin typeface="Arial"/>
             </a:endParaRPr>
           </a:p>
         </p:txBody>
       </p:sp>
       <p:pic>
         <p:nvPicPr>
-          <p:cNvPr id="96" name="Imagem 6" descr=""/>
+          <p:cNvPr id="90" name="Imagem 6" descr=""/>
           <p:cNvPicPr/>
           <p:nvPr/>
         </p:nvPicPr>
@@ -7060,7 +6621,7 @@
         <p:spPr>
           <a:xfrm>
             <a:off x="3177720" y="8951760"/>
-            <a:ext cx="3245400" cy="1860120"/>
+            <a:ext cx="3245040" cy="1859760"/>
           </a:xfrm>
           <a:prstGeom prst="rect">
             <a:avLst/>
@@ -7072,14 +6633,14 @@
       </p:pic>
       <p:sp>
         <p:nvSpPr>
-          <p:cNvPr id="97" name="Seta: Divisa 7"/>
+          <p:cNvPr id="91" name="Seta: Divisa 7"/>
           <p:cNvSpPr/>
           <p:nvPr/>
         </p:nvSpPr>
         <p:spPr>
           <a:xfrm>
             <a:off x="684000" y="366480"/>
-            <a:ext cx="1025640" cy="1099080"/>
+            <a:ext cx="1025280" cy="1098720"/>
           </a:xfrm>
           <a:prstGeom prst="chevron">
             <a:avLst>
@@ -7110,14 +6671,14 @@
       </p:sp>
       <p:sp>
         <p:nvSpPr>
-          <p:cNvPr id="98" name="Espaço Reservado para Rodapé 8"/>
-          <p:cNvSpPr txBox="1"/>
+          <p:cNvPr id="92" name="Espaço Reservado para Rodapé 8"/>
+          <p:cNvSpPr/>
           <p:nvPr/>
         </p:nvSpPr>
         <p:spPr>
           <a:xfrm>
             <a:off x="3180240" y="11865240"/>
-            <a:ext cx="3240000" cy="681120"/>
+            <a:ext cx="3239640" cy="680760"/>
           </a:xfrm>
           <a:prstGeom prst="rect">
             <a:avLst/>
@@ -7127,8 +6688,14 @@
             <a:noFill/>
           </a:ln>
         </p:spPr>
-        <p:txBody>
-          <a:bodyPr anchor="ctr">
+        <p:style>
+          <a:lnRef idx="0"/>
+          <a:fillRef idx="0"/>
+          <a:effectRef idx="0"/>
+          <a:fontRef idx="minor"/>
+        </p:style>
+        <p:txBody>
+          <a:bodyPr lIns="90000" rIns="90000" tIns="45000" bIns="45000" anchor="ctr">
             <a:noAutofit/>
           </a:bodyPr>
           <a:p>
@@ -7147,7 +6714,7 @@
               <a:t>Ebook ITIL</a:t>
             </a:r>
             <a:endParaRPr b="0" lang="pt-BR" sz="900" spc="-1" strike="noStrike">
-              <a:latin typeface="Times New Roman"/>
+              <a:latin typeface="Arial"/>
             </a:endParaRPr>
           </a:p>
         </p:txBody>
@@ -7184,14 +6751,14 @@
       </p:grpSpPr>
       <p:sp>
         <p:nvSpPr>
-          <p:cNvPr id="99" name="Retângulo 1"/>
+          <p:cNvPr id="93" name="Retângulo 1"/>
           <p:cNvSpPr/>
           <p:nvPr/>
         </p:nvSpPr>
         <p:spPr>
           <a:xfrm>
             <a:off x="-195480" y="0"/>
-            <a:ext cx="9796320" cy="13167720"/>
+            <a:ext cx="9795960" cy="13167360"/>
           </a:xfrm>
           <a:prstGeom prst="rect">
             <a:avLst/>
@@ -7223,14 +6790,14 @@
       </p:sp>
       <p:sp>
         <p:nvSpPr>
-          <p:cNvPr id="100" name="titulo_componente"/>
+          <p:cNvPr id="94" name="titulo_componente"/>
           <p:cNvSpPr/>
           <p:nvPr/>
         </p:nvSpPr>
         <p:spPr>
           <a:xfrm>
             <a:off x="1283040" y="7055280"/>
-            <a:ext cx="7254360" cy="701280"/>
+            <a:ext cx="7254000" cy="699840"/>
           </a:xfrm>
           <a:prstGeom prst="rect">
             <a:avLst/>
@@ -7247,7 +6814,7 @@
           <a:fontRef idx="minor"/>
         </p:style>
         <p:txBody>
-          <a:bodyPr>
+          <a:bodyPr lIns="90000" rIns="90000" tIns="45000" bIns="45000">
             <a:spAutoFit/>
           </a:bodyPr>
           <a:p>
@@ -7262,6 +6829,7 @@
                   <a:srgbClr val="660c65"/>
                 </a:solidFill>
                 <a:latin typeface="Impact"/>
+                <a:ea typeface="DejaVu Sans"/>
               </a:rPr>
               <a:t>Estratégia do serviço</a:t>
             </a:r>
@@ -7273,14 +6841,14 @@
       </p:sp>
       <p:sp>
         <p:nvSpPr>
-          <p:cNvPr id="101" name="titulo_componente"/>
+          <p:cNvPr id="95" name="titulo_componente"/>
           <p:cNvSpPr/>
           <p:nvPr/>
         </p:nvSpPr>
         <p:spPr>
           <a:xfrm>
             <a:off x="685440" y="2280240"/>
-            <a:ext cx="7816320" cy="4465800"/>
+            <a:ext cx="7815960" cy="4464360"/>
           </a:xfrm>
           <a:prstGeom prst="rect">
             <a:avLst/>
@@ -7297,7 +6865,7 @@
           <a:fontRef idx="minor"/>
         </p:style>
         <p:txBody>
-          <a:bodyPr>
+          <a:bodyPr lIns="90000" rIns="90000" tIns="45000" bIns="45000">
             <a:spAutoFit/>
           </a:bodyPr>
           <a:p>
@@ -7312,6 +6880,7 @@
                   <a:srgbClr val="660c65"/>
                 </a:solidFill>
                 <a:latin typeface="Impact"/>
+                <a:ea typeface="DejaVu Sans"/>
               </a:rPr>
               <a:t>01</a:t>
             </a:r>
@@ -7323,14 +6892,14 @@
       </p:sp>
       <p:sp>
         <p:nvSpPr>
-          <p:cNvPr id="102" name="texto_componente"/>
+          <p:cNvPr id="96" name="texto_componente"/>
           <p:cNvSpPr/>
           <p:nvPr/>
         </p:nvSpPr>
         <p:spPr>
           <a:xfrm>
             <a:off x="675360" y="9243000"/>
-            <a:ext cx="7816320" cy="579240"/>
+            <a:ext cx="7815960" cy="577800"/>
           </a:xfrm>
           <a:prstGeom prst="rect">
             <a:avLst/>
@@ -7347,7 +6916,7 @@
           <a:fontRef idx="minor"/>
         </p:style>
         <p:txBody>
-          <a:bodyPr>
+          <a:bodyPr lIns="90000" rIns="90000" tIns="45000" bIns="45000">
             <a:spAutoFit/>
           </a:bodyPr>
           <a:p>
@@ -7374,14 +6943,14 @@
       </p:sp>
       <p:sp>
         <p:nvSpPr>
-          <p:cNvPr id="103" name="Espaço Reservado para Número de Slide 10"/>
-          <p:cNvSpPr txBox="1"/>
+          <p:cNvPr id="97" name="Espaço Reservado para Número de Slide 10"/>
+          <p:cNvSpPr/>
           <p:nvPr/>
         </p:nvSpPr>
         <p:spPr>
           <a:xfrm>
             <a:off x="6780960" y="11865240"/>
-            <a:ext cx="2160000" cy="681120"/>
+            <a:ext cx="2159640" cy="680760"/>
           </a:xfrm>
           <a:prstGeom prst="rect">
             <a:avLst/>
@@ -7391,8 +6960,14 @@
             <a:noFill/>
           </a:ln>
         </p:spPr>
-        <p:txBody>
-          <a:bodyPr anchor="ctr">
+        <p:style>
+          <a:lnRef idx="0"/>
+          <a:fillRef idx="0"/>
+          <a:effectRef idx="0"/>
+          <a:fontRef idx="minor"/>
+        </p:style>
+        <p:txBody>
+          <a:bodyPr lIns="90000" rIns="90000" tIns="45000" bIns="45000" anchor="ctr">
             <a:noAutofit/>
           </a:bodyPr>
           <a:p>
@@ -7401,7 +6976,7 @@
                 <a:spcPct val="100000"/>
               </a:lnSpc>
             </a:pPr>
-            <a:fld id="{2C771054-DF3A-4AEA-B7DF-97D80E96320B}" type="slidenum">
+            <a:fld id="{821381F3-F538-4CF0-9AC8-9D6D3E769FF5}" type="slidenum">
               <a:rPr b="0" lang="pt-BR" sz="900" spc="-1" strike="noStrike">
                 <a:solidFill>
                   <a:srgbClr val="8b8b8b"/>
@@ -7411,21 +6986,21 @@
               <a:t>&lt;número&gt;</a:t>
             </a:fld>
             <a:endParaRPr b="0" lang="pt-BR" sz="900" spc="-1" strike="noStrike">
-              <a:latin typeface="Times New Roman"/>
-            </a:endParaRPr>
-          </a:p>
-        </p:txBody>
-      </p:sp>
-      <p:sp>
-        <p:nvSpPr>
-          <p:cNvPr id="104" name="Seta: Divisa 7"/>
+              <a:latin typeface="Arial"/>
+            </a:endParaRPr>
+          </a:p>
+        </p:txBody>
+      </p:sp>
+      <p:sp>
+        <p:nvSpPr>
+          <p:cNvPr id="98" name="Seta: Divisa 7"/>
           <p:cNvSpPr/>
           <p:nvPr/>
         </p:nvSpPr>
         <p:spPr>
           <a:xfrm>
             <a:off x="684000" y="366480"/>
-            <a:ext cx="1025640" cy="1099080"/>
+            <a:ext cx="1025280" cy="1098720"/>
           </a:xfrm>
           <a:prstGeom prst="chevron">
             <a:avLst>
@@ -7456,14 +7031,14 @@
       </p:sp>
       <p:sp>
         <p:nvSpPr>
-          <p:cNvPr id="105" name="Espaço Reservado para Rodapé 4"/>
-          <p:cNvSpPr txBox="1"/>
+          <p:cNvPr id="99" name="Espaço Reservado para Rodapé 4"/>
+          <p:cNvSpPr/>
           <p:nvPr/>
         </p:nvSpPr>
         <p:spPr>
           <a:xfrm>
             <a:off x="3180240" y="11865240"/>
-            <a:ext cx="3240000" cy="681120"/>
+            <a:ext cx="3239640" cy="680760"/>
           </a:xfrm>
           <a:prstGeom prst="rect">
             <a:avLst/>
@@ -7473,8 +7048,14 @@
             <a:noFill/>
           </a:ln>
         </p:spPr>
-        <p:txBody>
-          <a:bodyPr anchor="ctr">
+        <p:style>
+          <a:lnRef idx="0"/>
+          <a:fillRef idx="0"/>
+          <a:effectRef idx="0"/>
+          <a:fontRef idx="minor"/>
+        </p:style>
+        <p:txBody>
+          <a:bodyPr lIns="90000" rIns="90000" tIns="45000" bIns="45000" anchor="ctr">
             <a:noAutofit/>
           </a:bodyPr>
           <a:p>
@@ -7493,7 +7074,7 @@
               <a:t>Ebook ITIL</a:t>
             </a:r>
             <a:endParaRPr b="0" lang="pt-BR" sz="900" spc="-1" strike="noStrike">
-              <a:latin typeface="Times New Roman"/>
+              <a:latin typeface="Arial"/>
             </a:endParaRPr>
           </a:p>
         </p:txBody>
@@ -7530,14 +7111,14 @@
       </p:grpSpPr>
       <p:sp>
         <p:nvSpPr>
-          <p:cNvPr id="106" name="texto_componente"/>
+          <p:cNvPr id="100" name="texto_componente"/>
           <p:cNvSpPr/>
           <p:nvPr/>
         </p:nvSpPr>
         <p:spPr>
           <a:xfrm>
             <a:off x="870840" y="2822040"/>
-            <a:ext cx="7816320" cy="4846680"/>
+            <a:ext cx="7815960" cy="4845240"/>
           </a:xfrm>
           <a:prstGeom prst="rect">
             <a:avLst/>
@@ -7554,7 +7135,7 @@
           <a:fontRef idx="minor"/>
         </p:style>
         <p:txBody>
-          <a:bodyPr>
+          <a:bodyPr lIns="90000" rIns="90000" tIns="45000" bIns="45000">
             <a:spAutoFit/>
           </a:bodyPr>
           <a:p>
@@ -7569,6 +7150,7 @@
                   <a:srgbClr val="000000"/>
                 </a:solidFill>
                 <a:latin typeface="Calibri"/>
+                <a:ea typeface="DejaVu Sans"/>
               </a:rPr>
               <a:t>A Estratégia de Serviço define como a organização de TI atenderá às necessidades de negócios de maneira eficaz. Envolve entender as demandas dos clientes, as capacidades da organização e como competir no mercado.</a:t>
             </a:r>
@@ -7598,6 +7180,7 @@
                   <a:srgbClr val="000000"/>
                 </a:solidFill>
                 <a:latin typeface="Calibri"/>
+                <a:ea typeface="DejaVu Sans"/>
               </a:rPr>
               <a:t>Exemplo Prático</a:t>
             </a:r>
@@ -7617,6 +7200,7 @@
                   <a:srgbClr val="000000"/>
                 </a:solidFill>
                 <a:latin typeface="Calibri"/>
+                <a:ea typeface="DejaVu Sans"/>
               </a:rPr>
               <a:t>Imagine uma empresa de e-commerce que decide lançar um novo serviço de suporte ao cliente via chat online. Na fase de Estratégia de Serviço, ela avalia a demanda dos clientes por um suporte mais rápido e eficiente, analisa suas capacidades tecnológicas e define um plano para implementar esse serviço.</a:t>
             </a:r>
@@ -7638,58 +7222,14 @@
       </p:sp>
       <p:sp>
         <p:nvSpPr>
-          <p:cNvPr id="107" name="Espaço Reservado para Número de Slide 10"/>
-          <p:cNvSpPr txBox="1"/>
+          <p:cNvPr id="101" name="Espaço Reservado para Número de Slide 10"/>
+          <p:cNvSpPr/>
           <p:nvPr/>
         </p:nvSpPr>
         <p:spPr>
           <a:xfrm>
             <a:off x="6780960" y="11865240"/>
-            <a:ext cx="2160000" cy="681120"/>
-          </a:xfrm>
-          <a:prstGeom prst="rect">
-            <a:avLst/>
-          </a:prstGeom>
-          <a:noFill/>
-          <a:ln w="0">
-            <a:noFill/>
-          </a:ln>
-        </p:spPr>
-        <p:txBody>
-          <a:bodyPr anchor="ctr">
-            <a:noAutofit/>
-          </a:bodyPr>
-          <a:p>
-            <a:pPr algn="r">
-              <a:lnSpc>
-                <a:spcPct val="100000"/>
-              </a:lnSpc>
-            </a:pPr>
-            <a:fld id="{AADED067-595B-4C00-9D8C-802FB80DF04A}" type="slidenum">
-              <a:rPr b="0" lang="pt-BR" sz="900" spc="-1" strike="noStrike">
-                <a:solidFill>
-                  <a:srgbClr val="8b8b8b"/>
-                </a:solidFill>
-                <a:latin typeface="Calibri"/>
-              </a:rPr>
-              <a:t>&lt;número&gt;</a:t>
-            </a:fld>
-            <a:endParaRPr b="0" lang="pt-BR" sz="900" spc="-1" strike="noStrike">
-              <a:latin typeface="Times New Roman"/>
-            </a:endParaRPr>
-          </a:p>
-        </p:txBody>
-      </p:sp>
-      <p:sp>
-        <p:nvSpPr>
-          <p:cNvPr id="108" name="titulo_componente"/>
-          <p:cNvSpPr/>
-          <p:nvPr/>
-        </p:nvSpPr>
-        <p:spPr>
-          <a:xfrm>
-            <a:off x="1784520" y="831960"/>
-            <a:ext cx="5753160" cy="1371600"/>
+            <a:ext cx="2159640" cy="680760"/>
           </a:xfrm>
           <a:prstGeom prst="rect">
             <a:avLst/>
@@ -7706,7 +7246,57 @@
           <a:fontRef idx="minor"/>
         </p:style>
         <p:txBody>
-          <a:bodyPr>
+          <a:bodyPr lIns="90000" rIns="90000" tIns="45000" bIns="45000" anchor="ctr">
+            <a:noAutofit/>
+          </a:bodyPr>
+          <a:p>
+            <a:pPr algn="r">
+              <a:lnSpc>
+                <a:spcPct val="100000"/>
+              </a:lnSpc>
+            </a:pPr>
+            <a:fld id="{F676D3DB-979D-4B7D-87DC-EA57DC964221}" type="slidenum">
+              <a:rPr b="0" lang="pt-BR" sz="900" spc="-1" strike="noStrike">
+                <a:solidFill>
+                  <a:srgbClr val="8b8b8b"/>
+                </a:solidFill>
+                <a:latin typeface="Calibri"/>
+              </a:rPr>
+              <a:t>&lt;número&gt;</a:t>
+            </a:fld>
+            <a:endParaRPr b="0" lang="pt-BR" sz="900" spc="-1" strike="noStrike">
+              <a:latin typeface="Arial"/>
+            </a:endParaRPr>
+          </a:p>
+        </p:txBody>
+      </p:sp>
+      <p:sp>
+        <p:nvSpPr>
+          <p:cNvPr id="102" name="titulo_componente"/>
+          <p:cNvSpPr/>
+          <p:nvPr/>
+        </p:nvSpPr>
+        <p:spPr>
+          <a:xfrm>
+            <a:off x="1784520" y="831960"/>
+            <a:ext cx="5752800" cy="1430280"/>
+          </a:xfrm>
+          <a:prstGeom prst="rect">
+            <a:avLst/>
+          </a:prstGeom>
+          <a:noFill/>
+          <a:ln w="0">
+            <a:noFill/>
+          </a:ln>
+        </p:spPr>
+        <p:style>
+          <a:lnRef idx="0"/>
+          <a:fillRef idx="0"/>
+          <a:effectRef idx="0"/>
+          <a:fontRef idx="minor"/>
+        </p:style>
+        <p:txBody>
+          <a:bodyPr lIns="90000" rIns="90000" tIns="45000" bIns="45000">
             <a:spAutoFit/>
           </a:bodyPr>
           <a:p>
@@ -7721,6 +7311,7 @@
                   <a:srgbClr val="660c65"/>
                 </a:solidFill>
                 <a:latin typeface="Impact"/>
+                <a:ea typeface="DejaVu Sans"/>
               </a:rPr>
               <a:t>Estratégia de serviços</a:t>
             </a:r>
@@ -7742,7 +7333,7 @@
       </p:sp>
       <p:pic>
         <p:nvPicPr>
-          <p:cNvPr id="109" name="Imagem 7" descr=""/>
+          <p:cNvPr id="103" name="Imagem 7" descr=""/>
           <p:cNvPicPr/>
           <p:nvPr/>
         </p:nvPicPr>
@@ -7753,7 +7344,7 @@
         <p:spPr>
           <a:xfrm>
             <a:off x="3299760" y="9105840"/>
-            <a:ext cx="2952360" cy="1542600"/>
+            <a:ext cx="2952000" cy="1542240"/>
           </a:xfrm>
           <a:prstGeom prst="rect">
             <a:avLst/>
@@ -7765,14 +7356,14 @@
       </p:pic>
       <p:sp>
         <p:nvSpPr>
-          <p:cNvPr id="110" name="Seta: Divisa 3"/>
+          <p:cNvPr id="104" name="Seta: Divisa 3"/>
           <p:cNvSpPr/>
           <p:nvPr/>
         </p:nvSpPr>
         <p:spPr>
           <a:xfrm>
             <a:off x="684000" y="366480"/>
-            <a:ext cx="1025640" cy="1099080"/>
+            <a:ext cx="1025280" cy="1098720"/>
           </a:xfrm>
           <a:prstGeom prst="chevron">
             <a:avLst>
@@ -7803,14 +7394,14 @@
       </p:sp>
       <p:sp>
         <p:nvSpPr>
-          <p:cNvPr id="111" name="Espaço Reservado para Rodapé 4"/>
-          <p:cNvSpPr txBox="1"/>
+          <p:cNvPr id="105" name="Espaço Reservado para Rodapé 4"/>
+          <p:cNvSpPr/>
           <p:nvPr/>
         </p:nvSpPr>
         <p:spPr>
           <a:xfrm>
             <a:off x="3180240" y="11865240"/>
-            <a:ext cx="3240000" cy="681120"/>
+            <a:ext cx="3239640" cy="680760"/>
           </a:xfrm>
           <a:prstGeom prst="rect">
             <a:avLst/>
@@ -7820,8 +7411,14 @@
             <a:noFill/>
           </a:ln>
         </p:spPr>
-        <p:txBody>
-          <a:bodyPr anchor="ctr">
+        <p:style>
+          <a:lnRef idx="0"/>
+          <a:fillRef idx="0"/>
+          <a:effectRef idx="0"/>
+          <a:fontRef idx="minor"/>
+        </p:style>
+        <p:txBody>
+          <a:bodyPr lIns="90000" rIns="90000" tIns="45000" bIns="45000" anchor="ctr">
             <a:noAutofit/>
           </a:bodyPr>
           <a:p>
@@ -7840,7 +7437,7 @@
               <a:t>Ebook ITIL</a:t>
             </a:r>
             <a:endParaRPr b="0" lang="pt-BR" sz="900" spc="-1" strike="noStrike">
-              <a:latin typeface="Times New Roman"/>
+              <a:latin typeface="Arial"/>
             </a:endParaRPr>
           </a:p>
         </p:txBody>
@@ -7877,14 +7474,14 @@
       </p:grpSpPr>
       <p:sp>
         <p:nvSpPr>
-          <p:cNvPr id="112" name="Retângulo 1"/>
+          <p:cNvPr id="106" name="Retângulo 1"/>
           <p:cNvSpPr/>
           <p:nvPr/>
         </p:nvSpPr>
         <p:spPr>
           <a:xfrm>
             <a:off x="-195480" y="0"/>
-            <a:ext cx="9796320" cy="13167720"/>
+            <a:ext cx="9795960" cy="13167360"/>
           </a:xfrm>
           <a:prstGeom prst="rect">
             <a:avLst/>
@@ -7916,14 +7513,14 @@
       </p:sp>
       <p:sp>
         <p:nvSpPr>
-          <p:cNvPr id="113" name="titulo_componente"/>
+          <p:cNvPr id="107" name="titulo_componente"/>
           <p:cNvSpPr/>
           <p:nvPr/>
         </p:nvSpPr>
         <p:spPr>
           <a:xfrm>
             <a:off x="1283040" y="7055280"/>
-            <a:ext cx="7254360" cy="701280"/>
+            <a:ext cx="7254000" cy="699840"/>
           </a:xfrm>
           <a:prstGeom prst="rect">
             <a:avLst/>
@@ -7940,7 +7537,7 @@
           <a:fontRef idx="minor"/>
         </p:style>
         <p:txBody>
-          <a:bodyPr>
+          <a:bodyPr lIns="90000" rIns="90000" tIns="45000" bIns="45000">
             <a:spAutoFit/>
           </a:bodyPr>
           <a:p>
@@ -7955,6 +7552,7 @@
                   <a:srgbClr val="660c65"/>
                 </a:solidFill>
                 <a:latin typeface="Impact"/>
+                <a:ea typeface="DejaVu Sans"/>
               </a:rPr>
               <a:t>Desenho  do serviço</a:t>
             </a:r>
@@ -7966,14 +7564,14 @@
       </p:sp>
       <p:sp>
         <p:nvSpPr>
-          <p:cNvPr id="114" name="titulo_componente"/>
+          <p:cNvPr id="108" name="titulo_componente"/>
           <p:cNvSpPr/>
           <p:nvPr/>
         </p:nvSpPr>
         <p:spPr>
           <a:xfrm>
             <a:off x="685440" y="2280240"/>
-            <a:ext cx="7816320" cy="4465800"/>
+            <a:ext cx="7815960" cy="4464360"/>
           </a:xfrm>
           <a:prstGeom prst="rect">
             <a:avLst/>
@@ -7990,7 +7588,7 @@
           <a:fontRef idx="minor"/>
         </p:style>
         <p:txBody>
-          <a:bodyPr>
+          <a:bodyPr lIns="90000" rIns="90000" tIns="45000" bIns="45000">
             <a:spAutoFit/>
           </a:bodyPr>
           <a:p>
@@ -8005,6 +7603,7 @@
                   <a:srgbClr val="660c65"/>
                 </a:solidFill>
                 <a:latin typeface="Impact"/>
+                <a:ea typeface="DejaVu Sans"/>
               </a:rPr>
               <a:t>02</a:t>
             </a:r>
@@ -8016,14 +7615,14 @@
       </p:sp>
       <p:sp>
         <p:nvSpPr>
-          <p:cNvPr id="115" name="texto_componente"/>
+          <p:cNvPr id="109" name="texto_componente"/>
           <p:cNvSpPr/>
           <p:nvPr/>
         </p:nvSpPr>
         <p:spPr>
           <a:xfrm>
             <a:off x="675360" y="9243000"/>
-            <a:ext cx="7816320" cy="2041560"/>
+            <a:ext cx="7815960" cy="2040120"/>
           </a:xfrm>
           <a:prstGeom prst="rect">
             <a:avLst/>
@@ -8040,7 +7639,7 @@
           <a:fontRef idx="minor"/>
         </p:style>
         <p:txBody>
-          <a:bodyPr>
+          <a:bodyPr lIns="90000" rIns="90000" tIns="45000" bIns="45000">
             <a:spAutoFit/>
           </a:bodyPr>
           <a:p>
@@ -8077,14 +7676,14 @@
       </p:sp>
       <p:sp>
         <p:nvSpPr>
-          <p:cNvPr id="116" name="Espaço Reservado para Número de Slide 10"/>
-          <p:cNvSpPr txBox="1"/>
+          <p:cNvPr id="110" name="Espaço Reservado para Número de Slide 10"/>
+          <p:cNvSpPr/>
           <p:nvPr/>
         </p:nvSpPr>
         <p:spPr>
           <a:xfrm>
             <a:off x="6780960" y="11865240"/>
-            <a:ext cx="2160000" cy="681120"/>
+            <a:ext cx="2159640" cy="680760"/>
           </a:xfrm>
           <a:prstGeom prst="rect">
             <a:avLst/>
@@ -8094,8 +7693,14 @@
             <a:noFill/>
           </a:ln>
         </p:spPr>
-        <p:txBody>
-          <a:bodyPr anchor="ctr">
+        <p:style>
+          <a:lnRef idx="0"/>
+          <a:fillRef idx="0"/>
+          <a:effectRef idx="0"/>
+          <a:fontRef idx="minor"/>
+        </p:style>
+        <p:txBody>
+          <a:bodyPr lIns="90000" rIns="90000" tIns="45000" bIns="45000" anchor="ctr">
             <a:noAutofit/>
           </a:bodyPr>
           <a:p>
@@ -8104,7 +7709,7 @@
                 <a:spcPct val="100000"/>
               </a:lnSpc>
             </a:pPr>
-            <a:fld id="{5D2B1BE7-1884-4757-A019-E4F8C98883E2}" type="slidenum">
+            <a:fld id="{009AE815-2B50-4FF0-8B6A-CF3412F3252E}" type="slidenum">
               <a:rPr b="0" lang="pt-BR" sz="900" spc="-1" strike="noStrike">
                 <a:solidFill>
                   <a:srgbClr val="8b8b8b"/>
@@ -8114,21 +7719,21 @@
               <a:t>&lt;número&gt;</a:t>
             </a:fld>
             <a:endParaRPr b="0" lang="pt-BR" sz="900" spc="-1" strike="noStrike">
-              <a:latin typeface="Times New Roman"/>
-            </a:endParaRPr>
-          </a:p>
-        </p:txBody>
-      </p:sp>
-      <p:sp>
-        <p:nvSpPr>
-          <p:cNvPr id="117" name="Seta: Divisa 7"/>
+              <a:latin typeface="Arial"/>
+            </a:endParaRPr>
+          </a:p>
+        </p:txBody>
+      </p:sp>
+      <p:sp>
+        <p:nvSpPr>
+          <p:cNvPr id="111" name="Seta: Divisa 7"/>
           <p:cNvSpPr/>
           <p:nvPr/>
         </p:nvSpPr>
         <p:spPr>
           <a:xfrm>
             <a:off x="684000" y="366480"/>
-            <a:ext cx="1025640" cy="1099080"/>
+            <a:ext cx="1025280" cy="1098720"/>
           </a:xfrm>
           <a:prstGeom prst="chevron">
             <a:avLst>
@@ -8159,14 +7764,14 @@
       </p:sp>
       <p:sp>
         <p:nvSpPr>
-          <p:cNvPr id="118" name="Espaço Reservado para Rodapé 4"/>
-          <p:cNvSpPr txBox="1"/>
+          <p:cNvPr id="112" name="Espaço Reservado para Rodapé 4"/>
+          <p:cNvSpPr/>
           <p:nvPr/>
         </p:nvSpPr>
         <p:spPr>
           <a:xfrm>
             <a:off x="3180240" y="11865240"/>
-            <a:ext cx="3240000" cy="681120"/>
+            <a:ext cx="3239640" cy="680760"/>
           </a:xfrm>
           <a:prstGeom prst="rect">
             <a:avLst/>
@@ -8176,8 +7781,14 @@
             <a:noFill/>
           </a:ln>
         </p:spPr>
-        <p:txBody>
-          <a:bodyPr anchor="ctr">
+        <p:style>
+          <a:lnRef idx="0"/>
+          <a:fillRef idx="0"/>
+          <a:effectRef idx="0"/>
+          <a:fontRef idx="minor"/>
+        </p:style>
+        <p:txBody>
+          <a:bodyPr lIns="90000" rIns="90000" tIns="45000" bIns="45000" anchor="ctr">
             <a:noAutofit/>
           </a:bodyPr>
           <a:p>
@@ -8196,7 +7807,7 @@
               <a:t>Ebook ITIL</a:t>
             </a:r>
             <a:endParaRPr b="0" lang="pt-BR" sz="900" spc="-1" strike="noStrike">
-              <a:latin typeface="Times New Roman"/>
+              <a:latin typeface="Arial"/>
             </a:endParaRPr>
           </a:p>
         </p:txBody>
@@ -8233,14 +7844,14 @@
       </p:grpSpPr>
       <p:sp>
         <p:nvSpPr>
-          <p:cNvPr id="119" name="texto_componente"/>
+          <p:cNvPr id="113" name="texto_componente"/>
           <p:cNvSpPr/>
           <p:nvPr/>
         </p:nvSpPr>
         <p:spPr>
           <a:xfrm>
             <a:off x="870840" y="2822040"/>
-            <a:ext cx="7816320" cy="5212440"/>
+            <a:ext cx="7815960" cy="5211000"/>
           </a:xfrm>
           <a:prstGeom prst="rect">
             <a:avLst/>
@@ -8257,7 +7868,7 @@
           <a:fontRef idx="minor"/>
         </p:style>
         <p:txBody>
-          <a:bodyPr>
+          <a:bodyPr lIns="90000" rIns="90000" tIns="45000" bIns="45000">
             <a:spAutoFit/>
           </a:bodyPr>
           <a:p>
@@ -8364,58 +7975,14 @@
       </p:sp>
       <p:sp>
         <p:nvSpPr>
-          <p:cNvPr id="120" name="Espaço Reservado para Número de Slide 10"/>
-          <p:cNvSpPr txBox="1"/>
+          <p:cNvPr id="114" name="Espaço Reservado para Número de Slide 10"/>
+          <p:cNvSpPr/>
           <p:nvPr/>
         </p:nvSpPr>
         <p:spPr>
           <a:xfrm>
             <a:off x="6780960" y="11865240"/>
-            <a:ext cx="2160000" cy="681120"/>
-          </a:xfrm>
-          <a:prstGeom prst="rect">
-            <a:avLst/>
-          </a:prstGeom>
-          <a:noFill/>
-          <a:ln w="0">
-            <a:noFill/>
-          </a:ln>
-        </p:spPr>
-        <p:txBody>
-          <a:bodyPr anchor="ctr">
-            <a:noAutofit/>
-          </a:bodyPr>
-          <a:p>
-            <a:pPr algn="r">
-              <a:lnSpc>
-                <a:spcPct val="100000"/>
-              </a:lnSpc>
-            </a:pPr>
-            <a:fld id="{F9C3EA88-08B2-4E92-98AE-EF60EF15444C}" type="slidenum">
-              <a:rPr b="0" lang="pt-BR" sz="900" spc="-1" strike="noStrike">
-                <a:solidFill>
-                  <a:srgbClr val="8b8b8b"/>
-                </a:solidFill>
-                <a:latin typeface="Calibri"/>
-              </a:rPr>
-              <a:t>&lt;número&gt;</a:t>
-            </a:fld>
-            <a:endParaRPr b="0" lang="pt-BR" sz="900" spc="-1" strike="noStrike">
-              <a:latin typeface="Times New Roman"/>
-            </a:endParaRPr>
-          </a:p>
-        </p:txBody>
-      </p:sp>
-      <p:sp>
-        <p:nvSpPr>
-          <p:cNvPr id="121" name="titulo_componente"/>
-          <p:cNvSpPr/>
-          <p:nvPr/>
-        </p:nvSpPr>
-        <p:spPr>
-          <a:xfrm>
-            <a:off x="2107440" y="778320"/>
-            <a:ext cx="5753160" cy="1371600"/>
+            <a:ext cx="2159640" cy="680760"/>
           </a:xfrm>
           <a:prstGeom prst="rect">
             <a:avLst/>
@@ -8432,7 +7999,57 @@
           <a:fontRef idx="minor"/>
         </p:style>
         <p:txBody>
-          <a:bodyPr>
+          <a:bodyPr lIns="90000" rIns="90000" tIns="45000" bIns="45000" anchor="ctr">
+            <a:noAutofit/>
+          </a:bodyPr>
+          <a:p>
+            <a:pPr algn="r">
+              <a:lnSpc>
+                <a:spcPct val="100000"/>
+              </a:lnSpc>
+            </a:pPr>
+            <a:fld id="{2EEC240C-F63F-4912-8119-B263697DC723}" type="slidenum">
+              <a:rPr b="0" lang="pt-BR" sz="900" spc="-1" strike="noStrike">
+                <a:solidFill>
+                  <a:srgbClr val="8b8b8b"/>
+                </a:solidFill>
+                <a:latin typeface="Calibri"/>
+              </a:rPr>
+              <a:t>&lt;número&gt;</a:t>
+            </a:fld>
+            <a:endParaRPr b="0" lang="pt-BR" sz="900" spc="-1" strike="noStrike">
+              <a:latin typeface="Arial"/>
+            </a:endParaRPr>
+          </a:p>
+        </p:txBody>
+      </p:sp>
+      <p:sp>
+        <p:nvSpPr>
+          <p:cNvPr id="115" name="titulo_componente"/>
+          <p:cNvSpPr/>
+          <p:nvPr/>
+        </p:nvSpPr>
+        <p:spPr>
+          <a:xfrm>
+            <a:off x="2107440" y="778320"/>
+            <a:ext cx="5752800" cy="1430280"/>
+          </a:xfrm>
+          <a:prstGeom prst="rect">
+            <a:avLst/>
+          </a:prstGeom>
+          <a:noFill/>
+          <a:ln w="0">
+            <a:noFill/>
+          </a:ln>
+        </p:spPr>
+        <p:style>
+          <a:lnRef idx="0"/>
+          <a:fillRef idx="0"/>
+          <a:effectRef idx="0"/>
+          <a:fontRef idx="minor"/>
+        </p:style>
+        <p:txBody>
+          <a:bodyPr lIns="90000" rIns="90000" tIns="45000" bIns="45000">
             <a:spAutoFit/>
           </a:bodyPr>
           <a:p>
@@ -8447,6 +8064,7 @@
                   <a:srgbClr val="660c65"/>
                 </a:solidFill>
                 <a:latin typeface="Impact"/>
+                <a:ea typeface="DejaVu Sans"/>
               </a:rPr>
               <a:t>Desenho do serviço</a:t>
             </a:r>
@@ -8468,7 +8086,7 @@
       </p:sp>
       <p:pic>
         <p:nvPicPr>
-          <p:cNvPr id="122" name="Imagem 7" descr=""/>
+          <p:cNvPr id="116" name="Imagem 7" descr=""/>
           <p:cNvPicPr/>
           <p:nvPr/>
         </p:nvPicPr>
@@ -8479,7 +8097,7 @@
         <p:spPr>
           <a:xfrm>
             <a:off x="3299760" y="9105840"/>
-            <a:ext cx="2952360" cy="1542600"/>
+            <a:ext cx="2952000" cy="1542240"/>
           </a:xfrm>
           <a:prstGeom prst="rect">
             <a:avLst/>
@@ -8491,14 +8109,14 @@
       </p:pic>
       <p:sp>
         <p:nvSpPr>
-          <p:cNvPr id="123" name="Seta: Divisa 3"/>
+          <p:cNvPr id="117" name="Seta: Divisa 3"/>
           <p:cNvSpPr/>
           <p:nvPr/>
         </p:nvSpPr>
         <p:spPr>
           <a:xfrm>
             <a:off x="684000" y="366480"/>
-            <a:ext cx="1025640" cy="1099080"/>
+            <a:ext cx="1025280" cy="1098720"/>
           </a:xfrm>
           <a:prstGeom prst="chevron">
             <a:avLst>
@@ -8529,14 +8147,14 @@
       </p:sp>
       <p:sp>
         <p:nvSpPr>
-          <p:cNvPr id="124" name="Espaço Reservado para Rodapé 4"/>
-          <p:cNvSpPr txBox="1"/>
+          <p:cNvPr id="118" name="Espaço Reservado para Rodapé 4"/>
+          <p:cNvSpPr/>
           <p:nvPr/>
         </p:nvSpPr>
         <p:spPr>
           <a:xfrm>
             <a:off x="3180240" y="11865240"/>
-            <a:ext cx="3240000" cy="681120"/>
+            <a:ext cx="3239640" cy="680760"/>
           </a:xfrm>
           <a:prstGeom prst="rect">
             <a:avLst/>
@@ -8546,8 +8164,14 @@
             <a:noFill/>
           </a:ln>
         </p:spPr>
-        <p:txBody>
-          <a:bodyPr anchor="ctr">
+        <p:style>
+          <a:lnRef idx="0"/>
+          <a:fillRef idx="0"/>
+          <a:effectRef idx="0"/>
+          <a:fontRef idx="minor"/>
+        </p:style>
+        <p:txBody>
+          <a:bodyPr lIns="90000" rIns="90000" tIns="45000" bIns="45000" anchor="ctr">
             <a:noAutofit/>
           </a:bodyPr>
           <a:p>
@@ -8566,7 +8190,7 @@
               <a:t>Ebook ITIL</a:t>
             </a:r>
             <a:endParaRPr b="0" lang="pt-BR" sz="900" spc="-1" strike="noStrike">
-              <a:latin typeface="Times New Roman"/>
+              <a:latin typeface="Arial"/>
             </a:endParaRPr>
           </a:p>
         </p:txBody>
@@ -8603,14 +8227,14 @@
       </p:grpSpPr>
       <p:sp>
         <p:nvSpPr>
-          <p:cNvPr id="125" name="Retângulo 1"/>
+          <p:cNvPr id="119" name="Retângulo 1"/>
           <p:cNvSpPr/>
           <p:nvPr/>
         </p:nvSpPr>
         <p:spPr>
           <a:xfrm>
             <a:off x="-195480" y="0"/>
-            <a:ext cx="9796320" cy="13167720"/>
+            <a:ext cx="9795960" cy="13167360"/>
           </a:xfrm>
           <a:prstGeom prst="rect">
             <a:avLst/>
@@ -8642,14 +8266,14 @@
       </p:sp>
       <p:sp>
         <p:nvSpPr>
-          <p:cNvPr id="126" name="titulo_componente"/>
+          <p:cNvPr id="120" name="titulo_componente"/>
           <p:cNvSpPr/>
           <p:nvPr/>
         </p:nvSpPr>
         <p:spPr>
           <a:xfrm>
             <a:off x="1283040" y="7055280"/>
-            <a:ext cx="7254360" cy="1310760"/>
+            <a:ext cx="7254000" cy="1309320"/>
           </a:xfrm>
           <a:prstGeom prst="rect">
             <a:avLst/>
@@ -8666,7 +8290,7 @@
           <a:fontRef idx="minor"/>
         </p:style>
         <p:txBody>
-          <a:bodyPr>
+          <a:bodyPr lIns="90000" rIns="90000" tIns="45000" bIns="45000">
             <a:spAutoFit/>
           </a:bodyPr>
           <a:p>
@@ -8681,6 +8305,7 @@
                   <a:srgbClr val="660c65"/>
                 </a:solidFill>
                 <a:latin typeface="Impact"/>
+                <a:ea typeface="DejaVu Sans"/>
               </a:rPr>
               <a:t>Transição do Serviço</a:t>
             </a:r>
@@ -8702,14 +8327,14 @@
       </p:sp>
       <p:sp>
         <p:nvSpPr>
-          <p:cNvPr id="127" name="titulo_componente"/>
+          <p:cNvPr id="121" name="titulo_componente"/>
           <p:cNvSpPr/>
           <p:nvPr/>
         </p:nvSpPr>
         <p:spPr>
           <a:xfrm>
             <a:off x="685440" y="2280240"/>
-            <a:ext cx="7816320" cy="4465800"/>
+            <a:ext cx="7815960" cy="4464360"/>
           </a:xfrm>
           <a:prstGeom prst="rect">
             <a:avLst/>
@@ -8726,7 +8351,7 @@
           <a:fontRef idx="minor"/>
         </p:style>
         <p:txBody>
-          <a:bodyPr>
+          <a:bodyPr lIns="90000" rIns="90000" tIns="45000" bIns="45000">
             <a:spAutoFit/>
           </a:bodyPr>
           <a:p>
@@ -8741,6 +8366,7 @@
                   <a:srgbClr val="660c65"/>
                 </a:solidFill>
                 <a:latin typeface="Impact"/>
+                <a:ea typeface="DejaVu Sans"/>
               </a:rPr>
               <a:t>03</a:t>
             </a:r>
@@ -8752,14 +8378,14 @@
       </p:sp>
       <p:sp>
         <p:nvSpPr>
-          <p:cNvPr id="128" name="texto_componente"/>
+          <p:cNvPr id="122" name="texto_componente"/>
           <p:cNvSpPr/>
           <p:nvPr/>
         </p:nvSpPr>
         <p:spPr>
           <a:xfrm>
             <a:off x="675360" y="9243000"/>
-            <a:ext cx="7816320" cy="2041560"/>
+            <a:ext cx="7815960" cy="2040120"/>
           </a:xfrm>
           <a:prstGeom prst="rect">
             <a:avLst/>
@@ -8776,7 +8402,7 @@
           <a:fontRef idx="minor"/>
         </p:style>
         <p:txBody>
-          <a:bodyPr>
+          <a:bodyPr lIns="90000" rIns="90000" tIns="45000" bIns="45000">
             <a:spAutoFit/>
           </a:bodyPr>
           <a:p>
@@ -8823,14 +8449,14 @@
       </p:sp>
       <p:sp>
         <p:nvSpPr>
-          <p:cNvPr id="129" name="Espaço Reservado para Número de Slide 10"/>
-          <p:cNvSpPr txBox="1"/>
+          <p:cNvPr id="123" name="Espaço Reservado para Número de Slide 10"/>
+          <p:cNvSpPr/>
           <p:nvPr/>
         </p:nvSpPr>
         <p:spPr>
           <a:xfrm>
             <a:off x="6780960" y="11865240"/>
-            <a:ext cx="2160000" cy="681120"/>
+            <a:ext cx="2159640" cy="680760"/>
           </a:xfrm>
           <a:prstGeom prst="rect">
             <a:avLst/>
@@ -8840,8 +8466,14 @@
             <a:noFill/>
           </a:ln>
         </p:spPr>
-        <p:txBody>
-          <a:bodyPr anchor="ctr">
+        <p:style>
+          <a:lnRef idx="0"/>
+          <a:fillRef idx="0"/>
+          <a:effectRef idx="0"/>
+          <a:fontRef idx="minor"/>
+        </p:style>
+        <p:txBody>
+          <a:bodyPr lIns="90000" rIns="90000" tIns="45000" bIns="45000" anchor="ctr">
             <a:noAutofit/>
           </a:bodyPr>
           <a:p>
@@ -8850,7 +8482,7 @@
                 <a:spcPct val="100000"/>
               </a:lnSpc>
             </a:pPr>
-            <a:fld id="{EA8C2675-22D8-42D4-8920-78699B4FED2B}" type="slidenum">
+            <a:fld id="{4B5F6A0C-438E-402B-BBAE-9318C72C5FD5}" type="slidenum">
               <a:rPr b="0" lang="pt-BR" sz="900" spc="-1" strike="noStrike">
                 <a:solidFill>
                   <a:srgbClr val="8b8b8b"/>
@@ -8860,21 +8492,21 @@
               <a:t>&lt;número&gt;</a:t>
             </a:fld>
             <a:endParaRPr b="0" lang="pt-BR" sz="900" spc="-1" strike="noStrike">
-              <a:latin typeface="Times New Roman"/>
-            </a:endParaRPr>
-          </a:p>
-        </p:txBody>
-      </p:sp>
-      <p:sp>
-        <p:nvSpPr>
-          <p:cNvPr id="130" name="Seta: Divisa 7"/>
+              <a:latin typeface="Arial"/>
+            </a:endParaRPr>
+          </a:p>
+        </p:txBody>
+      </p:sp>
+      <p:sp>
+        <p:nvSpPr>
+          <p:cNvPr id="124" name="Seta: Divisa 7"/>
           <p:cNvSpPr/>
           <p:nvPr/>
         </p:nvSpPr>
         <p:spPr>
           <a:xfrm>
             <a:off x="684000" y="366480"/>
-            <a:ext cx="1025640" cy="1099080"/>
+            <a:ext cx="1025280" cy="1098720"/>
           </a:xfrm>
           <a:prstGeom prst="chevron">
             <a:avLst>
@@ -8905,14 +8537,14 @@
       </p:sp>
       <p:sp>
         <p:nvSpPr>
-          <p:cNvPr id="131" name="Espaço Reservado para Rodapé 4"/>
-          <p:cNvSpPr txBox="1"/>
+          <p:cNvPr id="125" name="Espaço Reservado para Rodapé 4"/>
+          <p:cNvSpPr/>
           <p:nvPr/>
         </p:nvSpPr>
         <p:spPr>
           <a:xfrm>
             <a:off x="3180240" y="11865240"/>
-            <a:ext cx="3240000" cy="681120"/>
+            <a:ext cx="3239640" cy="680760"/>
           </a:xfrm>
           <a:prstGeom prst="rect">
             <a:avLst/>
@@ -8922,8 +8554,14 @@
             <a:noFill/>
           </a:ln>
         </p:spPr>
-        <p:txBody>
-          <a:bodyPr anchor="ctr">
+        <p:style>
+          <a:lnRef idx="0"/>
+          <a:fillRef idx="0"/>
+          <a:effectRef idx="0"/>
+          <a:fontRef idx="minor"/>
+        </p:style>
+        <p:txBody>
+          <a:bodyPr lIns="90000" rIns="90000" tIns="45000" bIns="45000" anchor="ctr">
             <a:noAutofit/>
           </a:bodyPr>
           <a:p>
@@ -8942,7 +8580,7 @@
               <a:t>Ebook ITIL</a:t>
             </a:r>
             <a:endParaRPr b="0" lang="pt-BR" sz="900" spc="-1" strike="noStrike">
-              <a:latin typeface="Times New Roman"/>
+              <a:latin typeface="Arial"/>
             </a:endParaRPr>
           </a:p>
         </p:txBody>
@@ -8979,14 +8617,14 @@
       </p:grpSpPr>
       <p:sp>
         <p:nvSpPr>
-          <p:cNvPr id="132" name="texto_componente"/>
+          <p:cNvPr id="126" name="texto_componente"/>
           <p:cNvSpPr/>
           <p:nvPr/>
         </p:nvSpPr>
         <p:spPr>
           <a:xfrm>
             <a:off x="1112760" y="2311200"/>
-            <a:ext cx="7816320" cy="8379000"/>
+            <a:ext cx="7815960" cy="8863560"/>
           </a:xfrm>
           <a:prstGeom prst="rect">
             <a:avLst/>
@@ -9003,7 +8641,7 @@
           <a:fontRef idx="minor"/>
         </p:style>
         <p:txBody>
-          <a:bodyPr>
+          <a:bodyPr lIns="90000" rIns="90000" tIns="45000" bIns="45000">
             <a:spAutoFit/>
           </a:bodyPr>
           <a:p>
@@ -9130,58 +8768,14 @@
       </p:sp>
       <p:sp>
         <p:nvSpPr>
-          <p:cNvPr id="133" name="Espaço Reservado para Número de Slide 10"/>
-          <p:cNvSpPr txBox="1"/>
+          <p:cNvPr id="127" name="Espaço Reservado para Número de Slide 10"/>
+          <p:cNvSpPr/>
           <p:nvPr/>
         </p:nvSpPr>
         <p:spPr>
           <a:xfrm>
             <a:off x="6780960" y="11865240"/>
-            <a:ext cx="2160000" cy="681120"/>
-          </a:xfrm>
-          <a:prstGeom prst="rect">
-            <a:avLst/>
-          </a:prstGeom>
-          <a:noFill/>
-          <a:ln w="0">
-            <a:noFill/>
-          </a:ln>
-        </p:spPr>
-        <p:txBody>
-          <a:bodyPr anchor="ctr">
-            <a:noAutofit/>
-          </a:bodyPr>
-          <a:p>
-            <a:pPr algn="r">
-              <a:lnSpc>
-                <a:spcPct val="100000"/>
-              </a:lnSpc>
-            </a:pPr>
-            <a:fld id="{DE182225-DB87-4A6B-B3A7-C4813373D562}" type="slidenum">
-              <a:rPr b="0" lang="pt-BR" sz="900" spc="-1" strike="noStrike">
-                <a:solidFill>
-                  <a:srgbClr val="8b8b8b"/>
-                </a:solidFill>
-                <a:latin typeface="Calibri"/>
-              </a:rPr>
-              <a:t>&lt;número&gt;</a:t>
-            </a:fld>
-            <a:endParaRPr b="0" lang="pt-BR" sz="900" spc="-1" strike="noStrike">
-              <a:latin typeface="Times New Roman"/>
-            </a:endParaRPr>
-          </a:p>
-        </p:txBody>
-      </p:sp>
-      <p:sp>
-        <p:nvSpPr>
-          <p:cNvPr id="134" name="titulo_componente"/>
-          <p:cNvSpPr/>
-          <p:nvPr/>
-        </p:nvSpPr>
-        <p:spPr>
-          <a:xfrm>
-            <a:off x="1919160" y="778320"/>
-            <a:ext cx="5753160" cy="1371600"/>
+            <a:ext cx="2159640" cy="680760"/>
           </a:xfrm>
           <a:prstGeom prst="rect">
             <a:avLst/>
@@ -9198,7 +8792,57 @@
           <a:fontRef idx="minor"/>
         </p:style>
         <p:txBody>
-          <a:bodyPr>
+          <a:bodyPr lIns="90000" rIns="90000" tIns="45000" bIns="45000" anchor="ctr">
+            <a:noAutofit/>
+          </a:bodyPr>
+          <a:p>
+            <a:pPr algn="r">
+              <a:lnSpc>
+                <a:spcPct val="100000"/>
+              </a:lnSpc>
+            </a:pPr>
+            <a:fld id="{A896FBDE-48DA-47A0-836A-8240241F298C}" type="slidenum">
+              <a:rPr b="0" lang="pt-BR" sz="900" spc="-1" strike="noStrike">
+                <a:solidFill>
+                  <a:srgbClr val="8b8b8b"/>
+                </a:solidFill>
+                <a:latin typeface="Calibri"/>
+              </a:rPr>
+              <a:t>&lt;número&gt;</a:t>
+            </a:fld>
+            <a:endParaRPr b="0" lang="pt-BR" sz="900" spc="-1" strike="noStrike">
+              <a:latin typeface="Arial"/>
+            </a:endParaRPr>
+          </a:p>
+        </p:txBody>
+      </p:sp>
+      <p:sp>
+        <p:nvSpPr>
+          <p:cNvPr id="128" name="titulo_componente"/>
+          <p:cNvSpPr/>
+          <p:nvPr/>
+        </p:nvSpPr>
+        <p:spPr>
+          <a:xfrm>
+            <a:off x="1919160" y="778320"/>
+            <a:ext cx="5752800" cy="1430280"/>
+          </a:xfrm>
+          <a:prstGeom prst="rect">
+            <a:avLst/>
+          </a:prstGeom>
+          <a:noFill/>
+          <a:ln w="0">
+            <a:noFill/>
+          </a:ln>
+        </p:spPr>
+        <p:style>
+          <a:lnRef idx="0"/>
+          <a:fillRef idx="0"/>
+          <a:effectRef idx="0"/>
+          <a:fontRef idx="minor"/>
+        </p:style>
+        <p:txBody>
+          <a:bodyPr lIns="90000" rIns="90000" tIns="45000" bIns="45000">
             <a:spAutoFit/>
           </a:bodyPr>
           <a:p>
@@ -9213,6 +8857,7 @@
                   <a:srgbClr val="660c65"/>
                 </a:solidFill>
                 <a:latin typeface="Impact"/>
+                <a:ea typeface="DejaVu Sans"/>
               </a:rPr>
               <a:t>Transição do serviço</a:t>
             </a:r>
@@ -9234,7 +8879,7 @@
       </p:sp>
       <p:pic>
         <p:nvPicPr>
-          <p:cNvPr id="135" name="Imagem 7" descr=""/>
+          <p:cNvPr id="129" name="Imagem 7" descr=""/>
           <p:cNvPicPr/>
           <p:nvPr/>
         </p:nvPicPr>
@@ -9245,7 +8890,7 @@
         <p:spPr>
           <a:xfrm>
             <a:off x="3326760" y="10020240"/>
-            <a:ext cx="2952360" cy="1542600"/>
+            <a:ext cx="2952000" cy="1542240"/>
           </a:xfrm>
           <a:prstGeom prst="rect">
             <a:avLst/>
@@ -9257,14 +8902,14 @@
       </p:pic>
       <p:sp>
         <p:nvSpPr>
-          <p:cNvPr id="136" name="Seta: Divisa 3"/>
+          <p:cNvPr id="130" name="Seta: Divisa 3"/>
           <p:cNvSpPr/>
           <p:nvPr/>
         </p:nvSpPr>
         <p:spPr>
           <a:xfrm>
             <a:off x="684000" y="366480"/>
-            <a:ext cx="1025640" cy="1099080"/>
+            <a:ext cx="1025280" cy="1098720"/>
           </a:xfrm>
           <a:prstGeom prst="chevron">
             <a:avLst>
@@ -9295,14 +8940,14 @@
       </p:sp>
       <p:sp>
         <p:nvSpPr>
-          <p:cNvPr id="137" name="Espaço Reservado para Rodapé 4"/>
-          <p:cNvSpPr txBox="1"/>
+          <p:cNvPr id="131" name="Espaço Reservado para Rodapé 4"/>
+          <p:cNvSpPr/>
           <p:nvPr/>
         </p:nvSpPr>
         <p:spPr>
           <a:xfrm>
             <a:off x="3180240" y="11865240"/>
-            <a:ext cx="3240000" cy="681120"/>
+            <a:ext cx="3239640" cy="680760"/>
           </a:xfrm>
           <a:prstGeom prst="rect">
             <a:avLst/>
@@ -9312,8 +8957,14 @@
             <a:noFill/>
           </a:ln>
         </p:spPr>
-        <p:txBody>
-          <a:bodyPr anchor="ctr">
+        <p:style>
+          <a:lnRef idx="0"/>
+          <a:fillRef idx="0"/>
+          <a:effectRef idx="0"/>
+          <a:fontRef idx="minor"/>
+        </p:style>
+        <p:txBody>
+          <a:bodyPr lIns="90000" rIns="90000" tIns="45000" bIns="45000" anchor="ctr">
             <a:noAutofit/>
           </a:bodyPr>
           <a:p>
@@ -9332,7 +8983,7 @@
               <a:t>Ebook ITIL</a:t>
             </a:r>
             <a:endParaRPr b="0" lang="pt-BR" sz="900" spc="-1" strike="noStrike">
-              <a:latin typeface="Times New Roman"/>
+              <a:latin typeface="Arial"/>
             </a:endParaRPr>
           </a:p>
         </p:txBody>
@@ -9369,14 +9020,14 @@
       </p:grpSpPr>
       <p:sp>
         <p:nvSpPr>
-          <p:cNvPr id="138" name="Retângulo 1"/>
+          <p:cNvPr id="132" name="Retângulo 1"/>
           <p:cNvSpPr/>
           <p:nvPr/>
         </p:nvSpPr>
         <p:spPr>
           <a:xfrm>
             <a:off x="-195480" y="0"/>
-            <a:ext cx="9796320" cy="13167720"/>
+            <a:ext cx="9795960" cy="13167360"/>
           </a:xfrm>
           <a:prstGeom prst="rect">
             <a:avLst/>
@@ -9408,14 +9059,14 @@
       </p:sp>
       <p:sp>
         <p:nvSpPr>
-          <p:cNvPr id="139" name="titulo_componente"/>
+          <p:cNvPr id="133" name="titulo_componente"/>
           <p:cNvSpPr/>
           <p:nvPr/>
         </p:nvSpPr>
         <p:spPr>
           <a:xfrm>
             <a:off x="1283040" y="7055280"/>
-            <a:ext cx="7254360" cy="1310760"/>
+            <a:ext cx="7254000" cy="1309320"/>
           </a:xfrm>
           <a:prstGeom prst="rect">
             <a:avLst/>
@@ -9432,7 +9083,7 @@
           <a:fontRef idx="minor"/>
         </p:style>
         <p:txBody>
-          <a:bodyPr>
+          <a:bodyPr lIns="90000" rIns="90000" tIns="45000" bIns="45000">
             <a:spAutoFit/>
           </a:bodyPr>
           <a:p>
@@ -9447,6 +9098,7 @@
                   <a:srgbClr val="660c65"/>
                 </a:solidFill>
                 <a:latin typeface="Impact"/>
+                <a:ea typeface="DejaVu Sans"/>
               </a:rPr>
               <a:t>Operação do Serviço</a:t>
             </a:r>
@@ -9468,14 +9120,14 @@
       </p:sp>
       <p:sp>
         <p:nvSpPr>
-          <p:cNvPr id="140" name="titulo_componente"/>
+          <p:cNvPr id="134" name="titulo_componente"/>
           <p:cNvSpPr/>
           <p:nvPr/>
         </p:nvSpPr>
         <p:spPr>
           <a:xfrm>
             <a:off x="685440" y="2280240"/>
-            <a:ext cx="7816320" cy="4465800"/>
+            <a:ext cx="7815960" cy="4464360"/>
           </a:xfrm>
           <a:prstGeom prst="rect">
             <a:avLst/>
@@ -9492,7 +9144,7 @@
           <a:fontRef idx="minor"/>
         </p:style>
         <p:txBody>
-          <a:bodyPr>
+          <a:bodyPr lIns="90000" rIns="90000" tIns="45000" bIns="45000">
             <a:spAutoFit/>
           </a:bodyPr>
           <a:p>
@@ -9507,6 +9159,7 @@
                   <a:srgbClr val="660c65"/>
                 </a:solidFill>
                 <a:latin typeface="Impact"/>
+                <a:ea typeface="DejaVu Sans"/>
               </a:rPr>
               <a:t>04</a:t>
             </a:r>
@@ -9518,14 +9171,14 @@
       </p:sp>
       <p:sp>
         <p:nvSpPr>
-          <p:cNvPr id="141" name="texto_componente"/>
+          <p:cNvPr id="135" name="texto_componente"/>
           <p:cNvSpPr/>
           <p:nvPr/>
         </p:nvSpPr>
         <p:spPr>
           <a:xfrm>
             <a:off x="479880" y="8656920"/>
-            <a:ext cx="7816320" cy="3503880"/>
+            <a:ext cx="7815960" cy="3502440"/>
           </a:xfrm>
           <a:prstGeom prst="rect">
             <a:avLst/>
@@ -9542,7 +9195,7 @@
           <a:fontRef idx="minor"/>
         </p:style>
         <p:txBody>
-          <a:bodyPr>
+          <a:bodyPr lIns="90000" rIns="90000" tIns="45000" bIns="45000">
             <a:spAutoFit/>
           </a:bodyPr>
           <a:p>
@@ -9589,14 +9242,14 @@
       </p:sp>
       <p:sp>
         <p:nvSpPr>
-          <p:cNvPr id="142" name="Espaço Reservado para Número de Slide 10"/>
-          <p:cNvSpPr txBox="1"/>
+          <p:cNvPr id="136" name="Espaço Reservado para Número de Slide 10"/>
+          <p:cNvSpPr/>
           <p:nvPr/>
         </p:nvSpPr>
         <p:spPr>
           <a:xfrm>
             <a:off x="6780960" y="11865240"/>
-            <a:ext cx="2160000" cy="681120"/>
+            <a:ext cx="2159640" cy="680760"/>
           </a:xfrm>
           <a:prstGeom prst="rect">
             <a:avLst/>
@@ -9606,8 +9259,14 @@
             <a:noFill/>
           </a:ln>
         </p:spPr>
-        <p:txBody>
-          <a:bodyPr anchor="ctr">
+        <p:style>
+          <a:lnRef idx="0"/>
+          <a:fillRef idx="0"/>
+          <a:effectRef idx="0"/>
+          <a:fontRef idx="minor"/>
+        </p:style>
+        <p:txBody>
+          <a:bodyPr lIns="90000" rIns="90000" tIns="45000" bIns="45000" anchor="ctr">
             <a:noAutofit/>
           </a:bodyPr>
           <a:p>
@@ -9616,7 +9275,7 @@
                 <a:spcPct val="100000"/>
               </a:lnSpc>
             </a:pPr>
-            <a:fld id="{8F1EEA2A-2186-4674-9D5A-4EAB2736DC2C}" type="slidenum">
+            <a:fld id="{F3012CB9-0949-48C5-8D28-1D23A4DE3AB5}" type="slidenum">
               <a:rPr b="0" lang="pt-BR" sz="900" spc="-1" strike="noStrike">
                 <a:solidFill>
                   <a:srgbClr val="8b8b8b"/>
@@ -9626,21 +9285,21 @@
               <a:t>&lt;número&gt;</a:t>
             </a:fld>
             <a:endParaRPr b="0" lang="pt-BR" sz="900" spc="-1" strike="noStrike">
-              <a:latin typeface="Times New Roman"/>
-            </a:endParaRPr>
-          </a:p>
-        </p:txBody>
-      </p:sp>
-      <p:sp>
-        <p:nvSpPr>
-          <p:cNvPr id="143" name="Seta: Divisa 7"/>
+              <a:latin typeface="Arial"/>
+            </a:endParaRPr>
+          </a:p>
+        </p:txBody>
+      </p:sp>
+      <p:sp>
+        <p:nvSpPr>
+          <p:cNvPr id="137" name="Seta: Divisa 7"/>
           <p:cNvSpPr/>
           <p:nvPr/>
         </p:nvSpPr>
         <p:spPr>
           <a:xfrm>
             <a:off x="684000" y="366480"/>
-            <a:ext cx="1025640" cy="1099080"/>
+            <a:ext cx="1025280" cy="1098720"/>
           </a:xfrm>
           <a:prstGeom prst="chevron">
             <a:avLst>
@@ -9671,14 +9330,14 @@
       </p:sp>
       <p:sp>
         <p:nvSpPr>
-          <p:cNvPr id="144" name="Espaço Reservado para Rodapé 4"/>
-          <p:cNvSpPr txBox="1"/>
+          <p:cNvPr id="138" name="Espaço Reservado para Rodapé 4"/>
+          <p:cNvSpPr/>
           <p:nvPr/>
         </p:nvSpPr>
         <p:spPr>
           <a:xfrm>
             <a:off x="3180240" y="11865240"/>
-            <a:ext cx="3240000" cy="681120"/>
+            <a:ext cx="3239640" cy="680760"/>
           </a:xfrm>
           <a:prstGeom prst="rect">
             <a:avLst/>
@@ -9688,8 +9347,14 @@
             <a:noFill/>
           </a:ln>
         </p:spPr>
-        <p:txBody>
-          <a:bodyPr anchor="ctr">
+        <p:style>
+          <a:lnRef idx="0"/>
+          <a:fillRef idx="0"/>
+          <a:effectRef idx="0"/>
+          <a:fontRef idx="minor"/>
+        </p:style>
+        <p:txBody>
+          <a:bodyPr lIns="90000" rIns="90000" tIns="45000" bIns="45000" anchor="ctr">
             <a:noAutofit/>
           </a:bodyPr>
           <a:p>
@@ -9708,7 +9373,7 @@
               <a:t>Ebook ITIL</a:t>
             </a:r>
             <a:endParaRPr b="0" lang="pt-BR" sz="900" spc="-1" strike="noStrike">
-              <a:latin typeface="Times New Roman"/>
+              <a:latin typeface="Arial"/>
             </a:endParaRPr>
           </a:p>
         </p:txBody>
